--- a/Bigdata PPT.pptx
+++ b/Bigdata PPT.pptx
@@ -5,7 +5,7 @@
     <p:sldMasterId id="2147483648" r:id="rId1"/>
   </p:sldMasterIdLst>
   <p:notesMasterIdLst>
-    <p:notesMasterId r:id="rId33"/>
+    <p:notesMasterId r:id="rId32"/>
   </p:notesMasterIdLst>
   <p:sldIdLst>
     <p:sldId id="256" r:id="rId2"/>
@@ -22,23 +22,22 @@
     <p:sldId id="270" r:id="rId13"/>
     <p:sldId id="293" r:id="rId14"/>
     <p:sldId id="266" r:id="rId15"/>
-    <p:sldId id="285" r:id="rId16"/>
-    <p:sldId id="268" r:id="rId17"/>
-    <p:sldId id="292" r:id="rId18"/>
-    <p:sldId id="297" r:id="rId19"/>
-    <p:sldId id="289" r:id="rId20"/>
-    <p:sldId id="286" r:id="rId21"/>
-    <p:sldId id="290" r:id="rId22"/>
-    <p:sldId id="274" r:id="rId23"/>
-    <p:sldId id="291" r:id="rId24"/>
-    <p:sldId id="276" r:id="rId25"/>
-    <p:sldId id="277" r:id="rId26"/>
-    <p:sldId id="294" r:id="rId27"/>
-    <p:sldId id="295" r:id="rId28"/>
-    <p:sldId id="296" r:id="rId29"/>
-    <p:sldId id="298" r:id="rId30"/>
-    <p:sldId id="299" r:id="rId31"/>
-    <p:sldId id="278" r:id="rId32"/>
+    <p:sldId id="268" r:id="rId16"/>
+    <p:sldId id="285" r:id="rId17"/>
+    <p:sldId id="297" r:id="rId18"/>
+    <p:sldId id="289" r:id="rId19"/>
+    <p:sldId id="286" r:id="rId20"/>
+    <p:sldId id="290" r:id="rId21"/>
+    <p:sldId id="274" r:id="rId22"/>
+    <p:sldId id="291" r:id="rId23"/>
+    <p:sldId id="276" r:id="rId24"/>
+    <p:sldId id="277" r:id="rId25"/>
+    <p:sldId id="294" r:id="rId26"/>
+    <p:sldId id="295" r:id="rId27"/>
+    <p:sldId id="296" r:id="rId28"/>
+    <p:sldId id="298" r:id="rId29"/>
+    <p:sldId id="299" r:id="rId30"/>
+    <p:sldId id="278" r:id="rId31"/>
   </p:sldIdLst>
   <p:sldSz cx="9144000" cy="6858000" type="screen4x3"/>
   <p:notesSz cx="6858000" cy="9144000"/>
@@ -809,7 +808,7 @@
     </p:spTree>
     <p:extLst>
       <p:ext uri="{BB962C8B-B14F-4D97-AF65-F5344CB8AC3E}">
-        <p14:creationId xmlns="" xmlns:p14="http://schemas.microsoft.com/office/powerpoint/2010/main" val="912878462"/>
+        <p14:creationId xmlns:p14="http://schemas.microsoft.com/office/powerpoint/2010/main" xmlns="" val="912878462"/>
       </p:ext>
     </p:extLst>
   </p:cSld>
@@ -985,7 +984,7 @@
     </p:spTree>
     <p:extLst>
       <p:ext uri="{BB962C8B-B14F-4D97-AF65-F5344CB8AC3E}">
-        <p14:creationId xmlns="" xmlns:p14="http://schemas.microsoft.com/office/powerpoint/2010/main" val="2205187789"/>
+        <p14:creationId xmlns:p14="http://schemas.microsoft.com/office/powerpoint/2010/main" xmlns="" val="2205187789"/>
       </p:ext>
     </p:extLst>
   </p:cSld>
@@ -1171,7 +1170,7 @@
     </p:spTree>
     <p:extLst>
       <p:ext uri="{BB962C8B-B14F-4D97-AF65-F5344CB8AC3E}">
-        <p14:creationId xmlns="" xmlns:p14="http://schemas.microsoft.com/office/powerpoint/2010/main" val="3136332221"/>
+        <p14:creationId xmlns:p14="http://schemas.microsoft.com/office/powerpoint/2010/main" xmlns="" val="3136332221"/>
       </p:ext>
     </p:extLst>
   </p:cSld>
@@ -1347,7 +1346,7 @@
     </p:spTree>
     <p:extLst>
       <p:ext uri="{BB962C8B-B14F-4D97-AF65-F5344CB8AC3E}">
-        <p14:creationId xmlns="" xmlns:p14="http://schemas.microsoft.com/office/powerpoint/2010/main" val="1861890568"/>
+        <p14:creationId xmlns:p14="http://schemas.microsoft.com/office/powerpoint/2010/main" xmlns="" val="1861890568"/>
       </p:ext>
     </p:extLst>
   </p:cSld>
@@ -1599,7 +1598,7 @@
     </p:spTree>
     <p:extLst>
       <p:ext uri="{BB962C8B-B14F-4D97-AF65-F5344CB8AC3E}">
-        <p14:creationId xmlns="" xmlns:p14="http://schemas.microsoft.com/office/powerpoint/2010/main" val="2496615720"/>
+        <p14:creationId xmlns:p14="http://schemas.microsoft.com/office/powerpoint/2010/main" xmlns="" val="2496615720"/>
       </p:ext>
     </p:extLst>
   </p:cSld>
@@ -1893,7 +1892,7 @@
     </p:spTree>
     <p:extLst>
       <p:ext uri="{BB962C8B-B14F-4D97-AF65-F5344CB8AC3E}">
-        <p14:creationId xmlns="" xmlns:p14="http://schemas.microsoft.com/office/powerpoint/2010/main" val="3549950250"/>
+        <p14:creationId xmlns:p14="http://schemas.microsoft.com/office/powerpoint/2010/main" xmlns="" val="3549950250"/>
       </p:ext>
     </p:extLst>
   </p:cSld>
@@ -2321,7 +2320,7 @@
     </p:spTree>
     <p:extLst>
       <p:ext uri="{BB962C8B-B14F-4D97-AF65-F5344CB8AC3E}">
-        <p14:creationId xmlns="" xmlns:p14="http://schemas.microsoft.com/office/powerpoint/2010/main" val="2123828880"/>
+        <p14:creationId xmlns:p14="http://schemas.microsoft.com/office/powerpoint/2010/main" xmlns="" val="2123828880"/>
       </p:ext>
     </p:extLst>
   </p:cSld>
@@ -2445,7 +2444,7 @@
     </p:spTree>
     <p:extLst>
       <p:ext uri="{BB962C8B-B14F-4D97-AF65-F5344CB8AC3E}">
-        <p14:creationId xmlns="" xmlns:p14="http://schemas.microsoft.com/office/powerpoint/2010/main" val="3113361027"/>
+        <p14:creationId xmlns:p14="http://schemas.microsoft.com/office/powerpoint/2010/main" xmlns="" val="3113361027"/>
       </p:ext>
     </p:extLst>
   </p:cSld>
@@ -2546,7 +2545,7 @@
     </p:spTree>
     <p:extLst>
       <p:ext uri="{BB962C8B-B14F-4D97-AF65-F5344CB8AC3E}">
-        <p14:creationId xmlns="" xmlns:p14="http://schemas.microsoft.com/office/powerpoint/2010/main" val="437334381"/>
+        <p14:creationId xmlns:p14="http://schemas.microsoft.com/office/powerpoint/2010/main" xmlns="" val="437334381"/>
       </p:ext>
     </p:extLst>
   </p:cSld>
@@ -2829,7 +2828,7 @@
     </p:spTree>
     <p:extLst>
       <p:ext uri="{BB962C8B-B14F-4D97-AF65-F5344CB8AC3E}">
-        <p14:creationId xmlns="" xmlns:p14="http://schemas.microsoft.com/office/powerpoint/2010/main" val="3178238957"/>
+        <p14:creationId xmlns:p14="http://schemas.microsoft.com/office/powerpoint/2010/main" xmlns="" val="3178238957"/>
       </p:ext>
     </p:extLst>
   </p:cSld>
@@ -3088,7 +3087,7 @@
     </p:spTree>
     <p:extLst>
       <p:ext uri="{BB962C8B-B14F-4D97-AF65-F5344CB8AC3E}">
-        <p14:creationId xmlns="" xmlns:p14="http://schemas.microsoft.com/office/powerpoint/2010/main" val="1477582083"/>
+        <p14:creationId xmlns:p14="http://schemas.microsoft.com/office/powerpoint/2010/main" xmlns="" val="1477582083"/>
       </p:ext>
     </p:extLst>
   </p:cSld>
@@ -3343,7 +3342,7 @@
     </p:spTree>
     <p:extLst>
       <p:ext uri="{BB962C8B-B14F-4D97-AF65-F5344CB8AC3E}">
-        <p14:creationId xmlns="" xmlns:p14="http://schemas.microsoft.com/office/powerpoint/2010/main" val="969743476"/>
+        <p14:creationId xmlns:p14="http://schemas.microsoft.com/office/powerpoint/2010/main" xmlns="" val="969743476"/>
       </p:ext>
     </p:extLst>
   </p:cSld>
@@ -3777,7 +3776,7 @@
     </p:spTree>
     <p:extLst>
       <p:ext uri="{BB962C8B-B14F-4D97-AF65-F5344CB8AC3E}">
-        <p14:creationId xmlns="" xmlns:p14="http://schemas.microsoft.com/office/powerpoint/2010/main" val="4234047932"/>
+        <p14:creationId xmlns:p14="http://schemas.microsoft.com/office/powerpoint/2010/main" xmlns="" val="4234047932"/>
       </p:ext>
     </p:extLst>
   </p:cSld>
@@ -3823,7 +3822,7 @@
           <a:blip r:embed="rId2">
             <a:extLst>
               <a:ext uri="{28A0092B-C50C-407E-A947-70E740481C1C}">
-                <a14:useLocalDpi xmlns="" xmlns:a14="http://schemas.microsoft.com/office/drawing/2010/main" val="0"/>
+                <a14:useLocalDpi xmlns:a14="http://schemas.microsoft.com/office/drawing/2010/main" xmlns="" val="0"/>
               </a:ext>
             </a:extLst>
           </a:blip>
@@ -3847,14 +3846,14 @@
           <a:effectLst/>
           <a:extLst>
             <a:ext uri="{909E8E84-426E-40DD-AFC4-6F175D3DCCD1}">
-              <a14:hiddenFill xmlns="" xmlns:a14="http://schemas.microsoft.com/office/drawing/2010/main">
+              <a14:hiddenFill xmlns:a14="http://schemas.microsoft.com/office/drawing/2010/main" xmlns="">
                 <a:solidFill>
                   <a:schemeClr val="accent1"/>
                 </a:solidFill>
               </a14:hiddenFill>
             </a:ext>
             <a:ext uri="{91240B29-F687-4F45-9708-019B960494DF}">
-              <a14:hiddenLine xmlns="" xmlns:a14="http://schemas.microsoft.com/office/drawing/2010/main" w="9525">
+              <a14:hiddenLine xmlns:a14="http://schemas.microsoft.com/office/drawing/2010/main" xmlns="" w="9525">
                 <a:solidFill>
                   <a:schemeClr val="tx1"/>
                 </a:solidFill>
@@ -3864,7 +3863,7 @@
               </a14:hiddenLine>
             </a:ext>
             <a:ext uri="{AF507438-7753-43E0-B8FC-AC1667EBCBE1}">
-              <a14:hiddenEffects xmlns="" xmlns:a14="http://schemas.microsoft.com/office/drawing/2010/main">
+              <a14:hiddenEffects xmlns:a14="http://schemas.microsoft.com/office/drawing/2010/main" xmlns="">
                 <a:effectLst>
                   <a:outerShdw dist="35921" dir="2700000" algn="ctr" rotWithShape="0">
                     <a:schemeClr val="bg2"/>
@@ -3902,7 +3901,7 @@
     </p:spTree>
     <p:extLst>
       <p:ext uri="{BB962C8B-B14F-4D97-AF65-F5344CB8AC3E}">
-        <p14:creationId xmlns="" xmlns:p14="http://schemas.microsoft.com/office/powerpoint/2010/main" val="2913241871"/>
+        <p14:creationId xmlns:p14="http://schemas.microsoft.com/office/powerpoint/2010/main" xmlns="" val="2913241871"/>
       </p:ext>
     </p:extLst>
   </p:cSld>
@@ -3989,7 +3988,7 @@
     </p:spTree>
     <p:extLst>
       <p:ext uri="{BB962C8B-B14F-4D97-AF65-F5344CB8AC3E}">
-        <p14:creationId xmlns="" xmlns:p14="http://schemas.microsoft.com/office/powerpoint/2010/main" val="1168552128"/>
+        <p14:creationId xmlns:p14="http://schemas.microsoft.com/office/powerpoint/2010/main" xmlns="" val="1168552128"/>
       </p:ext>
     </p:extLst>
   </p:cSld>
@@ -4304,7 +4303,7 @@
     </p:spTree>
     <p:extLst>
       <p:ext uri="{BB962C8B-B14F-4D97-AF65-F5344CB8AC3E}">
-        <p14:creationId xmlns="" xmlns:p14="http://schemas.microsoft.com/office/powerpoint/2010/main" val="2682800311"/>
+        <p14:creationId xmlns:p14="http://schemas.microsoft.com/office/powerpoint/2010/main" xmlns="" val="2682800311"/>
       </p:ext>
     </p:extLst>
   </p:cSld>
@@ -4429,7 +4428,7 @@
         <p:spPr>
           <a:xfrm>
             <a:off x="838200" y="609600"/>
-            <a:ext cx="1774845" cy="461665"/>
+            <a:ext cx="2595582" cy="461665"/>
           </a:xfrm>
           <a:prstGeom prst="rect">
             <a:avLst/>
@@ -4447,6 +4446,13 @@
                 <a:cs typeface="Times New Roman" pitchFamily="18" charset="0"/>
               </a:rPr>
               <a:t>MapReduce</a:t>
+            </a:r>
+            <a:r>
+              <a:rPr lang="en-US" sz="2400" b="1" dirty="0" smtClean="0">
+                <a:latin typeface="Times New Roman" pitchFamily="18" charset="0"/>
+                <a:cs typeface="Times New Roman" pitchFamily="18" charset="0"/>
+              </a:rPr>
+              <a:t> - java</a:t>
             </a:r>
             <a:endParaRPr lang="en-US" sz="2400" b="1" dirty="0">
               <a:latin typeface="Times New Roman" pitchFamily="18" charset="0"/>
@@ -4622,7 +4628,7 @@
     </p:spTree>
     <p:extLst>
       <p:ext uri="{BB962C8B-B14F-4D97-AF65-F5344CB8AC3E}">
-        <p14:creationId xmlns="" xmlns:p14="http://schemas.microsoft.com/office/powerpoint/2010/main" val="4243639620"/>
+        <p14:creationId xmlns:p14="http://schemas.microsoft.com/office/powerpoint/2010/main" xmlns="" val="4243639620"/>
       </p:ext>
     </p:extLst>
   </p:cSld>
@@ -4640,6 +4646,108 @@
 </file>
 
 <file path=ppt/slides/slide15.xml><?xml version="1.0" encoding="utf-8"?>
+<p:sld xmlns:a="http://schemas.openxmlformats.org/drawingml/2006/main" xmlns:r="http://schemas.openxmlformats.org/officeDocument/2006/relationships" xmlns:p="http://schemas.openxmlformats.org/presentationml/2006/main">
+  <p:cSld>
+    <p:spTree>
+      <p:nvGrpSpPr>
+        <p:cNvPr id="1" name=""/>
+        <p:cNvGrpSpPr/>
+        <p:nvPr/>
+      </p:nvGrpSpPr>
+      <p:grpSpPr>
+        <a:xfrm>
+          <a:off x="0" y="0"/>
+          <a:ext cx="0" cy="0"/>
+          <a:chOff x="0" y="0"/>
+          <a:chExt cx="0" cy="0"/>
+        </a:xfrm>
+      </p:grpSpPr>
+      <p:pic>
+        <p:nvPicPr>
+          <p:cNvPr id="8194" name="Picture 2" descr="https://www.ibm.com/developerworks/library/bd-yarn-intro/Figure3Architecture-of-YARN.png"/>
+          <p:cNvPicPr>
+            <a:picLocks noChangeAspect="1" noChangeArrowheads="1"/>
+          </p:cNvPicPr>
+          <p:nvPr/>
+        </p:nvPicPr>
+        <p:blipFill>
+          <a:blip r:embed="rId2">
+            <a:extLst>
+              <a:ext uri="{28A0092B-C50C-407E-A947-70E740481C1C}">
+                <a14:useLocalDpi xmlns:a14="http://schemas.microsoft.com/office/drawing/2010/main" xmlns="" val="0"/>
+              </a:ext>
+            </a:extLst>
+          </a:blip>
+          <a:srcRect/>
+          <a:stretch>
+            <a:fillRect/>
+          </a:stretch>
+        </p:blipFill>
+        <p:spPr bwMode="auto">
+          <a:xfrm>
+            <a:off x="0" y="1"/>
+            <a:ext cx="9144000" cy="6858000"/>
+          </a:xfrm>
+          <a:prstGeom prst="rect">
+            <a:avLst/>
+          </a:prstGeom>
+          <a:noFill/>
+          <a:extLst>
+            <a:ext uri="{909E8E84-426E-40DD-AFC4-6F175D3DCCD1}">
+              <a14:hiddenFill xmlns:a14="http://schemas.microsoft.com/office/drawing/2010/main" xmlns="">
+                <a:solidFill>
+                  <a:srgbClr val="FFFFFF"/>
+                </a:solidFill>
+              </a14:hiddenFill>
+            </a:ext>
+          </a:extLst>
+        </p:spPr>
+      </p:pic>
+      <p:sp>
+        <p:nvSpPr>
+          <p:cNvPr id="4" name="Slide Number Placeholder 3"/>
+          <p:cNvSpPr>
+            <a:spLocks noGrp="1"/>
+          </p:cNvSpPr>
+          <p:nvPr>
+            <p:ph type="sldNum" sz="quarter" idx="12"/>
+          </p:nvPr>
+        </p:nvSpPr>
+        <p:spPr/>
+        <p:txBody>
+          <a:bodyPr/>
+          <a:lstStyle/>
+          <a:p>
+            <a:fld id="{69D06C54-E8CF-4556-BFDE-321A78B4019C}" type="slidenum">
+              <a:rPr lang="en-US" smtClean="0"/>
+              <a:pPr/>
+              <a:t>15</a:t>
+            </a:fld>
+            <a:endParaRPr lang="en-US"/>
+          </a:p>
+        </p:txBody>
+      </p:sp>
+    </p:spTree>
+    <p:extLst>
+      <p:ext uri="{BB962C8B-B14F-4D97-AF65-F5344CB8AC3E}">
+        <p14:creationId xmlns:p14="http://schemas.microsoft.com/office/powerpoint/2010/main" xmlns="" val="2028536538"/>
+      </p:ext>
+    </p:extLst>
+  </p:cSld>
+  <p:clrMapOvr>
+    <a:masterClrMapping/>
+  </p:clrMapOvr>
+  <p:timing>
+    <p:tnLst>
+      <p:par>
+        <p:cTn id="1" dur="indefinite" restart="never" nodeType="tmRoot"/>
+      </p:par>
+    </p:tnLst>
+  </p:timing>
+</p:sld>
+</file>
+
+<file path=ppt/slides/slide16.xml><?xml version="1.0" encoding="utf-8"?>
 <p:sld xmlns:a="http://schemas.openxmlformats.org/drawingml/2006/main" xmlns:r="http://schemas.openxmlformats.org/officeDocument/2006/relationships" xmlns:p="http://schemas.openxmlformats.org/presentationml/2006/main">
   <p:cSld>
     <p:spTree>
@@ -4700,103 +4808,6 @@
             <a:fld id="{69D06C54-E8CF-4556-BFDE-321A78B4019C}" type="slidenum">
               <a:rPr lang="en-US" smtClean="0"/>
               <a:pPr/>
-              <a:t>15</a:t>
-            </a:fld>
-            <a:endParaRPr lang="en-US"/>
-          </a:p>
-        </p:txBody>
-      </p:sp>
-    </p:spTree>
-  </p:cSld>
-  <p:clrMapOvr>
-    <a:masterClrMapping/>
-  </p:clrMapOvr>
-  <p:timing>
-    <p:tnLst>
-      <p:par>
-        <p:cTn id="1" dur="indefinite" restart="never" nodeType="tmRoot"/>
-      </p:par>
-    </p:tnLst>
-  </p:timing>
-</p:sld>
-</file>
-
-<file path=ppt/slides/slide16.xml><?xml version="1.0" encoding="utf-8"?>
-<p:sld xmlns:a="http://schemas.openxmlformats.org/drawingml/2006/main" xmlns:r="http://schemas.openxmlformats.org/officeDocument/2006/relationships" xmlns:p="http://schemas.openxmlformats.org/presentationml/2006/main">
-  <p:cSld>
-    <p:spTree>
-      <p:nvGrpSpPr>
-        <p:cNvPr id="1" name=""/>
-        <p:cNvGrpSpPr/>
-        <p:nvPr/>
-      </p:nvGrpSpPr>
-      <p:grpSpPr>
-        <a:xfrm>
-          <a:off x="0" y="0"/>
-          <a:ext cx="0" cy="0"/>
-          <a:chOff x="0" y="0"/>
-          <a:chExt cx="0" cy="0"/>
-        </a:xfrm>
-      </p:grpSpPr>
-      <p:pic>
-        <p:nvPicPr>
-          <p:cNvPr id="8194" name="Picture 2" descr="https://www.ibm.com/developerworks/library/bd-yarn-intro/Figure3Architecture-of-YARN.png"/>
-          <p:cNvPicPr>
-            <a:picLocks noChangeAspect="1" noChangeArrowheads="1"/>
-          </p:cNvPicPr>
-          <p:nvPr/>
-        </p:nvPicPr>
-        <p:blipFill>
-          <a:blip r:embed="rId2">
-            <a:extLst>
-              <a:ext uri="{28A0092B-C50C-407E-A947-70E740481C1C}">
-                <a14:useLocalDpi xmlns="" xmlns:a14="http://schemas.microsoft.com/office/drawing/2010/main" val="0"/>
-              </a:ext>
-            </a:extLst>
-          </a:blip>
-          <a:srcRect/>
-          <a:stretch>
-            <a:fillRect/>
-          </a:stretch>
-        </p:blipFill>
-        <p:spPr bwMode="auto">
-          <a:xfrm>
-            <a:off x="0" y="1"/>
-            <a:ext cx="9144000" cy="6858000"/>
-          </a:xfrm>
-          <a:prstGeom prst="rect">
-            <a:avLst/>
-          </a:prstGeom>
-          <a:noFill/>
-          <a:extLst>
-            <a:ext uri="{909E8E84-426E-40DD-AFC4-6F175D3DCCD1}">
-              <a14:hiddenFill xmlns="" xmlns:a14="http://schemas.microsoft.com/office/drawing/2010/main">
-                <a:solidFill>
-                  <a:srgbClr val="FFFFFF"/>
-                </a:solidFill>
-              </a14:hiddenFill>
-            </a:ext>
-          </a:extLst>
-        </p:spPr>
-      </p:pic>
-      <p:sp>
-        <p:nvSpPr>
-          <p:cNvPr id="4" name="Slide Number Placeholder 3"/>
-          <p:cNvSpPr>
-            <a:spLocks noGrp="1"/>
-          </p:cNvSpPr>
-          <p:nvPr>
-            <p:ph type="sldNum" sz="quarter" idx="12"/>
-          </p:nvPr>
-        </p:nvSpPr>
-        <p:spPr/>
-        <p:txBody>
-          <a:bodyPr/>
-          <a:lstStyle/>
-          <a:p>
-            <a:fld id="{69D06C54-E8CF-4556-BFDE-321A78B4019C}" type="slidenum">
-              <a:rPr lang="en-US" smtClean="0"/>
-              <a:pPr/>
               <a:t>16</a:t>
             </a:fld>
             <a:endParaRPr lang="en-US"/>
@@ -4804,11 +4815,6 @@
         </p:txBody>
       </p:sp>
     </p:spTree>
-    <p:extLst>
-      <p:ext uri="{BB962C8B-B14F-4D97-AF65-F5344CB8AC3E}">
-        <p14:creationId xmlns="" xmlns:p14="http://schemas.microsoft.com/office/powerpoint/2010/main" val="2028536538"/>
-      </p:ext>
-    </p:extLst>
   </p:cSld>
   <p:clrMapOvr>
     <a:masterClrMapping/>
@@ -4859,126 +4865,6 @@
               <a:rPr lang="en-US" smtClean="0"/>
               <a:pPr/>
               <a:t>17</a:t>
-            </a:fld>
-            <a:endParaRPr lang="en-US"/>
-          </a:p>
-        </p:txBody>
-      </p:sp>
-      <p:pic>
-        <p:nvPicPr>
-          <p:cNvPr id="45058" name="Picture 2" descr="Image result for yarn architecture"/>
-          <p:cNvPicPr>
-            <a:picLocks noChangeAspect="1" noChangeArrowheads="1"/>
-          </p:cNvPicPr>
-          <p:nvPr/>
-        </p:nvPicPr>
-        <p:blipFill>
-          <a:blip r:embed="rId2"/>
-          <a:srcRect/>
-          <a:stretch>
-            <a:fillRect/>
-          </a:stretch>
-        </p:blipFill>
-        <p:spPr bwMode="auto">
-          <a:xfrm>
-            <a:off x="0" y="0"/>
-            <a:ext cx="9143999" cy="6858000"/>
-          </a:xfrm>
-          <a:prstGeom prst="rect">
-            <a:avLst/>
-          </a:prstGeom>
-          <a:noFill/>
-        </p:spPr>
-      </p:pic>
-      <p:sp>
-        <p:nvSpPr>
-          <p:cNvPr id="4" name="TextBox 3"/>
-          <p:cNvSpPr txBox="1"/>
-          <p:nvPr/>
-        </p:nvSpPr>
-        <p:spPr>
-          <a:xfrm>
-            <a:off x="652474" y="538443"/>
-            <a:ext cx="5562600" cy="461665"/>
-          </a:xfrm>
-          <a:prstGeom prst="rect">
-            <a:avLst/>
-          </a:prstGeom>
-          <a:noFill/>
-        </p:spPr>
-        <p:txBody>
-          <a:bodyPr wrap="square" rtlCol="0">
-            <a:spAutoFit/>
-          </a:bodyPr>
-          <a:lstStyle/>
-          <a:p>
-            <a:r>
-              <a:rPr lang="en-US" sz="2400" b="1" dirty="0" smtClean="0">
-                <a:latin typeface="Times New Roman" pitchFamily="18" charset="0"/>
-                <a:ea typeface="Tahoma" pitchFamily="34" charset="0"/>
-                <a:cs typeface="Times New Roman" pitchFamily="18" charset="0"/>
-              </a:rPr>
-              <a:t>Yarn Architecture</a:t>
-            </a:r>
-            <a:endParaRPr lang="en-US" sz="2400" b="1" dirty="0">
-              <a:latin typeface="Times New Roman" pitchFamily="18" charset="0"/>
-              <a:ea typeface="Tahoma" pitchFamily="34" charset="0"/>
-              <a:cs typeface="Times New Roman" pitchFamily="18" charset="0"/>
-            </a:endParaRPr>
-          </a:p>
-        </p:txBody>
-      </p:sp>
-    </p:spTree>
-  </p:cSld>
-  <p:clrMapOvr>
-    <a:masterClrMapping/>
-  </p:clrMapOvr>
-  <p:timing>
-    <p:tnLst>
-      <p:par>
-        <p:cTn id="1" dur="indefinite" restart="never" nodeType="tmRoot"/>
-      </p:par>
-    </p:tnLst>
-  </p:timing>
-</p:sld>
-</file>
-
-<file path=ppt/slides/slide18.xml><?xml version="1.0" encoding="utf-8"?>
-<p:sld xmlns:a="http://schemas.openxmlformats.org/drawingml/2006/main" xmlns:r="http://schemas.openxmlformats.org/officeDocument/2006/relationships" xmlns:p="http://schemas.openxmlformats.org/presentationml/2006/main">
-  <p:cSld>
-    <p:spTree>
-      <p:nvGrpSpPr>
-        <p:cNvPr id="1" name=""/>
-        <p:cNvGrpSpPr/>
-        <p:nvPr/>
-      </p:nvGrpSpPr>
-      <p:grpSpPr>
-        <a:xfrm>
-          <a:off x="0" y="0"/>
-          <a:ext cx="0" cy="0"/>
-          <a:chOff x="0" y="0"/>
-          <a:chExt cx="0" cy="0"/>
-        </a:xfrm>
-      </p:grpSpPr>
-      <p:sp>
-        <p:nvSpPr>
-          <p:cNvPr id="2" name="Slide Number Placeholder 1"/>
-          <p:cNvSpPr>
-            <a:spLocks noGrp="1"/>
-          </p:cNvSpPr>
-          <p:nvPr>
-            <p:ph type="sldNum" sz="quarter" idx="12"/>
-          </p:nvPr>
-        </p:nvSpPr>
-        <p:spPr/>
-        <p:txBody>
-          <a:bodyPr/>
-          <a:lstStyle/>
-          <a:p>
-            <a:fld id="{69D06C54-E8CF-4556-BFDE-321A78B4019C}" type="slidenum">
-              <a:rPr lang="en-US" smtClean="0"/>
-              <a:pPr/>
-              <a:t>18</a:t>
             </a:fld>
             <a:endParaRPr lang="en-US"/>
           </a:p>
@@ -5799,7 +5685,7 @@
 </p:sld>
 </file>
 
-<file path=ppt/slides/slide19.xml><?xml version="1.0" encoding="utf-8"?>
+<file path=ppt/slides/slide18.xml><?xml version="1.0" encoding="utf-8"?>
 <p:sld xmlns:a="http://schemas.openxmlformats.org/drawingml/2006/main" xmlns:r="http://schemas.openxmlformats.org/officeDocument/2006/relationships" xmlns:p="http://schemas.openxmlformats.org/presentationml/2006/main">
   <p:cSld>
     <p:spTree>
@@ -5834,7 +5720,7 @@
             <a:fld id="{69D06C54-E8CF-4556-BFDE-321A78B4019C}" type="slidenum">
               <a:rPr lang="en-US" smtClean="0"/>
               <a:pPr/>
-              <a:t>19</a:t>
+              <a:t>18</a:t>
             </a:fld>
             <a:endParaRPr lang="en-US"/>
           </a:p>
@@ -5881,6 +5767,250 @@
 </p:sld>
 </file>
 
+<file path=ppt/slides/slide19.xml><?xml version="1.0" encoding="utf-8"?>
+<p:sld xmlns:a="http://schemas.openxmlformats.org/drawingml/2006/main" xmlns:r="http://schemas.openxmlformats.org/officeDocument/2006/relationships" xmlns:p="http://schemas.openxmlformats.org/presentationml/2006/main">
+  <p:cSld>
+    <p:spTree>
+      <p:nvGrpSpPr>
+        <p:cNvPr id="1" name=""/>
+        <p:cNvGrpSpPr/>
+        <p:nvPr/>
+      </p:nvGrpSpPr>
+      <p:grpSpPr>
+        <a:xfrm>
+          <a:off x="0" y="0"/>
+          <a:ext cx="0" cy="0"/>
+          <a:chOff x="0" y="0"/>
+          <a:chExt cx="0" cy="0"/>
+        </a:xfrm>
+      </p:grpSpPr>
+      <p:sp>
+        <p:nvSpPr>
+          <p:cNvPr id="3" name="Slide Number Placeholder 2"/>
+          <p:cNvSpPr>
+            <a:spLocks noGrp="1"/>
+          </p:cNvSpPr>
+          <p:nvPr>
+            <p:ph type="sldNum" sz="quarter" idx="12"/>
+          </p:nvPr>
+        </p:nvSpPr>
+        <p:spPr/>
+        <p:txBody>
+          <a:bodyPr/>
+          <a:lstStyle/>
+          <a:p>
+            <a:pPr marL="228600" indent="-228600">
+              <a:buFont typeface="Arial" pitchFamily="34" charset="0"/>
+              <a:buChar char="•"/>
+            </a:pPr>
+            <a:fld id="{69D06C54-E8CF-4556-BFDE-321A78B4019C}" type="slidenum">
+              <a:rPr lang="en-US" smtClean="0"/>
+              <a:pPr marL="228600" indent="-228600">
+                <a:buFont typeface="Arial" pitchFamily="34" charset="0"/>
+                <a:buChar char="•"/>
+              </a:pPr>
+              <a:t>19</a:t>
+            </a:fld>
+            <a:endParaRPr lang="en-US"/>
+          </a:p>
+        </p:txBody>
+      </p:sp>
+      <p:sp>
+        <p:nvSpPr>
+          <p:cNvPr id="4" name="Rectangle 3"/>
+          <p:cNvSpPr/>
+          <p:nvPr/>
+        </p:nvSpPr>
+        <p:spPr>
+          <a:xfrm>
+            <a:off x="1214462" y="2006734"/>
+            <a:ext cx="6858000" cy="707886"/>
+          </a:xfrm>
+          <a:prstGeom prst="rect">
+            <a:avLst/>
+          </a:prstGeom>
+        </p:spPr>
+        <p:txBody>
+          <a:bodyPr wrap="square">
+            <a:spAutoFit/>
+          </a:bodyPr>
+          <a:lstStyle/>
+          <a:p>
+            <a:pPr marL="342900" indent="-342900">
+              <a:buFont typeface="Arial" pitchFamily="34" charset="0"/>
+              <a:buChar char="•"/>
+            </a:pPr>
+            <a:r>
+              <a:rPr lang="en-IN" sz="2000" dirty="0" smtClean="0">
+                <a:latin typeface="Times New Roman" pitchFamily="18" charset="0"/>
+                <a:cs typeface="Times New Roman" pitchFamily="18" charset="0"/>
+              </a:rPr>
+              <a:t>Hive is a data warehouse infrastructure tool to process structured data in </a:t>
+            </a:r>
+            <a:r>
+              <a:rPr lang="en-IN" sz="2000" dirty="0" err="1" smtClean="0">
+                <a:latin typeface="Times New Roman" pitchFamily="18" charset="0"/>
+                <a:cs typeface="Times New Roman" pitchFamily="18" charset="0"/>
+              </a:rPr>
+              <a:t>Hadoop</a:t>
+            </a:r>
+            <a:r>
+              <a:rPr lang="en-IN" sz="2000" dirty="0" smtClean="0">
+                <a:latin typeface="Times New Roman" pitchFamily="18" charset="0"/>
+                <a:cs typeface="Times New Roman" pitchFamily="18" charset="0"/>
+              </a:rPr>
+              <a:t>.</a:t>
+            </a:r>
+            <a:endParaRPr lang="en-IN" sz="2000" dirty="0">
+              <a:latin typeface="Times New Roman" pitchFamily="18" charset="0"/>
+              <a:cs typeface="Times New Roman" pitchFamily="18" charset="0"/>
+            </a:endParaRPr>
+          </a:p>
+        </p:txBody>
+      </p:sp>
+      <p:sp>
+        <p:nvSpPr>
+          <p:cNvPr id="5" name="Rectangle 4"/>
+          <p:cNvSpPr/>
+          <p:nvPr/>
+        </p:nvSpPr>
+        <p:spPr>
+          <a:xfrm>
+            <a:off x="1214430" y="3078304"/>
+            <a:ext cx="6643718" cy="707886"/>
+          </a:xfrm>
+          <a:prstGeom prst="rect">
+            <a:avLst/>
+          </a:prstGeom>
+        </p:spPr>
+        <p:txBody>
+          <a:bodyPr wrap="square">
+            <a:spAutoFit/>
+          </a:bodyPr>
+          <a:lstStyle/>
+          <a:p>
+            <a:pPr marL="342900" indent="-342900">
+              <a:buFont typeface="Arial" pitchFamily="34" charset="0"/>
+              <a:buChar char="•"/>
+            </a:pPr>
+            <a:r>
+              <a:rPr lang="en-IN" sz="2000" dirty="0" smtClean="0">
+                <a:latin typeface="Times New Roman" pitchFamily="18" charset="0"/>
+                <a:cs typeface="Times New Roman" pitchFamily="18" charset="0"/>
+              </a:rPr>
+              <a:t> It is a platform used to develop SQL type scripts to do </a:t>
+            </a:r>
+            <a:r>
+              <a:rPr lang="en-IN" sz="2000" dirty="0" err="1" smtClean="0">
+                <a:latin typeface="Times New Roman" pitchFamily="18" charset="0"/>
+                <a:cs typeface="Times New Roman" pitchFamily="18" charset="0"/>
+              </a:rPr>
+              <a:t>MapReduce</a:t>
+            </a:r>
+            <a:r>
+              <a:rPr lang="en-IN" sz="2000" dirty="0" smtClean="0">
+                <a:latin typeface="Times New Roman" pitchFamily="18" charset="0"/>
+                <a:cs typeface="Times New Roman" pitchFamily="18" charset="0"/>
+              </a:rPr>
+              <a:t> operations.</a:t>
+            </a:r>
+            <a:endParaRPr lang="en-IN" sz="2000" dirty="0">
+              <a:latin typeface="Times New Roman" pitchFamily="18" charset="0"/>
+              <a:cs typeface="Times New Roman" pitchFamily="18" charset="0"/>
+            </a:endParaRPr>
+          </a:p>
+        </p:txBody>
+      </p:sp>
+      <p:sp>
+        <p:nvSpPr>
+          <p:cNvPr id="6" name="Rectangle 5"/>
+          <p:cNvSpPr/>
+          <p:nvPr/>
+        </p:nvSpPr>
+        <p:spPr>
+          <a:xfrm>
+            <a:off x="1214430" y="4221312"/>
+            <a:ext cx="6072214" cy="707886"/>
+          </a:xfrm>
+          <a:prstGeom prst="rect">
+            <a:avLst/>
+          </a:prstGeom>
+        </p:spPr>
+        <p:txBody>
+          <a:bodyPr wrap="square">
+            <a:spAutoFit/>
+          </a:bodyPr>
+          <a:lstStyle/>
+          <a:p>
+            <a:pPr marL="342900" indent="-342900">
+              <a:buFont typeface="Arial" pitchFamily="34" charset="0"/>
+              <a:buChar char="•"/>
+            </a:pPr>
+            <a:r>
+              <a:rPr lang="en-IN" sz="2000" dirty="0" smtClean="0">
+                <a:latin typeface="Times New Roman" pitchFamily="18" charset="0"/>
+                <a:cs typeface="Times New Roman" pitchFamily="18" charset="0"/>
+              </a:rPr>
+              <a:t>It stores schema in a database and processed data into HDFS.</a:t>
+            </a:r>
+            <a:endParaRPr lang="en-IN" sz="2000" dirty="0">
+              <a:latin typeface="Times New Roman" pitchFamily="18" charset="0"/>
+              <a:cs typeface="Times New Roman" pitchFamily="18" charset="0"/>
+            </a:endParaRPr>
+          </a:p>
+        </p:txBody>
+      </p:sp>
+      <p:sp>
+        <p:nvSpPr>
+          <p:cNvPr id="7" name="TextBox 6"/>
+          <p:cNvSpPr txBox="1"/>
+          <p:nvPr/>
+        </p:nvSpPr>
+        <p:spPr>
+          <a:xfrm>
+            <a:off x="2500298" y="928670"/>
+            <a:ext cx="3143272" cy="461665"/>
+          </a:xfrm>
+          <a:prstGeom prst="rect">
+            <a:avLst/>
+          </a:prstGeom>
+          <a:noFill/>
+        </p:spPr>
+        <p:txBody>
+          <a:bodyPr wrap="square" rtlCol="0">
+            <a:spAutoFit/>
+          </a:bodyPr>
+          <a:lstStyle/>
+          <a:p>
+            <a:r>
+              <a:rPr lang="en-IN" sz="2400" dirty="0" smtClean="0">
+                <a:latin typeface="Times New Roman" pitchFamily="18" charset="0"/>
+                <a:cs typeface="Times New Roman" pitchFamily="18" charset="0"/>
+              </a:rPr>
+              <a:t>                      HIVE</a:t>
+            </a:r>
+            <a:endParaRPr lang="en-IN" sz="2400" dirty="0">
+              <a:latin typeface="Times New Roman" pitchFamily="18" charset="0"/>
+              <a:cs typeface="Times New Roman" pitchFamily="18" charset="0"/>
+            </a:endParaRPr>
+          </a:p>
+        </p:txBody>
+      </p:sp>
+    </p:spTree>
+  </p:cSld>
+  <p:clrMapOvr>
+    <a:masterClrMapping/>
+  </p:clrMapOvr>
+  <p:timing>
+    <p:tnLst>
+      <p:par>
+        <p:cTn id="1" dur="indefinite" restart="never" nodeType="tmRoot"/>
+      </p:par>
+    </p:tnLst>
+  </p:timing>
+</p:sld>
+</file>
+
 <file path=ppt/slides/slide2.xml><?xml version="1.0" encoding="utf-8"?>
 <p:sld xmlns:a="http://schemas.openxmlformats.org/drawingml/2006/main" xmlns:r="http://schemas.openxmlformats.org/officeDocument/2006/relationships" xmlns:p="http://schemas.openxmlformats.org/presentationml/2006/main">
   <p:cSld>
@@ -6102,250 +6232,6 @@
       </p:grpSpPr>
       <p:sp>
         <p:nvSpPr>
-          <p:cNvPr id="3" name="Slide Number Placeholder 2"/>
-          <p:cNvSpPr>
-            <a:spLocks noGrp="1"/>
-          </p:cNvSpPr>
-          <p:nvPr>
-            <p:ph type="sldNum" sz="quarter" idx="12"/>
-          </p:nvPr>
-        </p:nvSpPr>
-        <p:spPr/>
-        <p:txBody>
-          <a:bodyPr/>
-          <a:lstStyle/>
-          <a:p>
-            <a:pPr marL="228600" indent="-228600">
-              <a:buFont typeface="Arial" pitchFamily="34" charset="0"/>
-              <a:buChar char="•"/>
-            </a:pPr>
-            <a:fld id="{69D06C54-E8CF-4556-BFDE-321A78B4019C}" type="slidenum">
-              <a:rPr lang="en-US" smtClean="0"/>
-              <a:pPr marL="228600" indent="-228600">
-                <a:buFont typeface="Arial" pitchFamily="34" charset="0"/>
-                <a:buChar char="•"/>
-              </a:pPr>
-              <a:t>20</a:t>
-            </a:fld>
-            <a:endParaRPr lang="en-US"/>
-          </a:p>
-        </p:txBody>
-      </p:sp>
-      <p:sp>
-        <p:nvSpPr>
-          <p:cNvPr id="4" name="Rectangle 3"/>
-          <p:cNvSpPr/>
-          <p:nvPr/>
-        </p:nvSpPr>
-        <p:spPr>
-          <a:xfrm>
-            <a:off x="1214462" y="2006734"/>
-            <a:ext cx="6858000" cy="707886"/>
-          </a:xfrm>
-          <a:prstGeom prst="rect">
-            <a:avLst/>
-          </a:prstGeom>
-        </p:spPr>
-        <p:txBody>
-          <a:bodyPr wrap="square">
-            <a:spAutoFit/>
-          </a:bodyPr>
-          <a:lstStyle/>
-          <a:p>
-            <a:pPr marL="342900" indent="-342900">
-              <a:buFont typeface="Arial" pitchFamily="34" charset="0"/>
-              <a:buChar char="•"/>
-            </a:pPr>
-            <a:r>
-              <a:rPr lang="en-IN" sz="2000" dirty="0" smtClean="0">
-                <a:latin typeface="Times New Roman" pitchFamily="18" charset="0"/>
-                <a:cs typeface="Times New Roman" pitchFamily="18" charset="0"/>
-              </a:rPr>
-              <a:t>Hive is a data warehouse infrastructure tool to process structured data in </a:t>
-            </a:r>
-            <a:r>
-              <a:rPr lang="en-IN" sz="2000" dirty="0" err="1" smtClean="0">
-                <a:latin typeface="Times New Roman" pitchFamily="18" charset="0"/>
-                <a:cs typeface="Times New Roman" pitchFamily="18" charset="0"/>
-              </a:rPr>
-              <a:t>Hadoop</a:t>
-            </a:r>
-            <a:r>
-              <a:rPr lang="en-IN" sz="2000" dirty="0" smtClean="0">
-                <a:latin typeface="Times New Roman" pitchFamily="18" charset="0"/>
-                <a:cs typeface="Times New Roman" pitchFamily="18" charset="0"/>
-              </a:rPr>
-              <a:t>.</a:t>
-            </a:r>
-            <a:endParaRPr lang="en-IN" sz="2000" dirty="0">
-              <a:latin typeface="Times New Roman" pitchFamily="18" charset="0"/>
-              <a:cs typeface="Times New Roman" pitchFamily="18" charset="0"/>
-            </a:endParaRPr>
-          </a:p>
-        </p:txBody>
-      </p:sp>
-      <p:sp>
-        <p:nvSpPr>
-          <p:cNvPr id="5" name="Rectangle 4"/>
-          <p:cNvSpPr/>
-          <p:nvPr/>
-        </p:nvSpPr>
-        <p:spPr>
-          <a:xfrm>
-            <a:off x="1214430" y="3078304"/>
-            <a:ext cx="6643718" cy="707886"/>
-          </a:xfrm>
-          <a:prstGeom prst="rect">
-            <a:avLst/>
-          </a:prstGeom>
-        </p:spPr>
-        <p:txBody>
-          <a:bodyPr wrap="square">
-            <a:spAutoFit/>
-          </a:bodyPr>
-          <a:lstStyle/>
-          <a:p>
-            <a:pPr marL="342900" indent="-342900">
-              <a:buFont typeface="Arial" pitchFamily="34" charset="0"/>
-              <a:buChar char="•"/>
-            </a:pPr>
-            <a:r>
-              <a:rPr lang="en-IN" sz="2000" dirty="0" smtClean="0">
-                <a:latin typeface="Times New Roman" pitchFamily="18" charset="0"/>
-                <a:cs typeface="Times New Roman" pitchFamily="18" charset="0"/>
-              </a:rPr>
-              <a:t> It is a platform used to develop SQL type scripts to do </a:t>
-            </a:r>
-            <a:r>
-              <a:rPr lang="en-IN" sz="2000" dirty="0" err="1" smtClean="0">
-                <a:latin typeface="Times New Roman" pitchFamily="18" charset="0"/>
-                <a:cs typeface="Times New Roman" pitchFamily="18" charset="0"/>
-              </a:rPr>
-              <a:t>MapReduce</a:t>
-            </a:r>
-            <a:r>
-              <a:rPr lang="en-IN" sz="2000" dirty="0" smtClean="0">
-                <a:latin typeface="Times New Roman" pitchFamily="18" charset="0"/>
-                <a:cs typeface="Times New Roman" pitchFamily="18" charset="0"/>
-              </a:rPr>
-              <a:t> operations.</a:t>
-            </a:r>
-            <a:endParaRPr lang="en-IN" sz="2000" dirty="0">
-              <a:latin typeface="Times New Roman" pitchFamily="18" charset="0"/>
-              <a:cs typeface="Times New Roman" pitchFamily="18" charset="0"/>
-            </a:endParaRPr>
-          </a:p>
-        </p:txBody>
-      </p:sp>
-      <p:sp>
-        <p:nvSpPr>
-          <p:cNvPr id="6" name="Rectangle 5"/>
-          <p:cNvSpPr/>
-          <p:nvPr/>
-        </p:nvSpPr>
-        <p:spPr>
-          <a:xfrm>
-            <a:off x="1214430" y="4221312"/>
-            <a:ext cx="6072214" cy="707886"/>
-          </a:xfrm>
-          <a:prstGeom prst="rect">
-            <a:avLst/>
-          </a:prstGeom>
-        </p:spPr>
-        <p:txBody>
-          <a:bodyPr wrap="square">
-            <a:spAutoFit/>
-          </a:bodyPr>
-          <a:lstStyle/>
-          <a:p>
-            <a:pPr marL="342900" indent="-342900">
-              <a:buFont typeface="Arial" pitchFamily="34" charset="0"/>
-              <a:buChar char="•"/>
-            </a:pPr>
-            <a:r>
-              <a:rPr lang="en-IN" sz="2000" dirty="0" smtClean="0">
-                <a:latin typeface="Times New Roman" pitchFamily="18" charset="0"/>
-                <a:cs typeface="Times New Roman" pitchFamily="18" charset="0"/>
-              </a:rPr>
-              <a:t>It stores schema in a database and processed data into HDFS.</a:t>
-            </a:r>
-            <a:endParaRPr lang="en-IN" sz="2000" dirty="0">
-              <a:latin typeface="Times New Roman" pitchFamily="18" charset="0"/>
-              <a:cs typeface="Times New Roman" pitchFamily="18" charset="0"/>
-            </a:endParaRPr>
-          </a:p>
-        </p:txBody>
-      </p:sp>
-      <p:sp>
-        <p:nvSpPr>
-          <p:cNvPr id="7" name="TextBox 6"/>
-          <p:cNvSpPr txBox="1"/>
-          <p:nvPr/>
-        </p:nvSpPr>
-        <p:spPr>
-          <a:xfrm>
-            <a:off x="2500298" y="928670"/>
-            <a:ext cx="3143272" cy="461665"/>
-          </a:xfrm>
-          <a:prstGeom prst="rect">
-            <a:avLst/>
-          </a:prstGeom>
-          <a:noFill/>
-        </p:spPr>
-        <p:txBody>
-          <a:bodyPr wrap="square" rtlCol="0">
-            <a:spAutoFit/>
-          </a:bodyPr>
-          <a:lstStyle/>
-          <a:p>
-            <a:r>
-              <a:rPr lang="en-IN" sz="2400" dirty="0" smtClean="0">
-                <a:latin typeface="Times New Roman" pitchFamily="18" charset="0"/>
-                <a:cs typeface="Times New Roman" pitchFamily="18" charset="0"/>
-              </a:rPr>
-              <a:t>                      HIVE</a:t>
-            </a:r>
-            <a:endParaRPr lang="en-IN" sz="2400" dirty="0">
-              <a:latin typeface="Times New Roman" pitchFamily="18" charset="0"/>
-              <a:cs typeface="Times New Roman" pitchFamily="18" charset="0"/>
-            </a:endParaRPr>
-          </a:p>
-        </p:txBody>
-      </p:sp>
-    </p:spTree>
-  </p:cSld>
-  <p:clrMapOvr>
-    <a:masterClrMapping/>
-  </p:clrMapOvr>
-  <p:timing>
-    <p:tnLst>
-      <p:par>
-        <p:cTn id="1" dur="indefinite" restart="never" nodeType="tmRoot"/>
-      </p:par>
-    </p:tnLst>
-  </p:timing>
-</p:sld>
-</file>
-
-<file path=ppt/slides/slide21.xml><?xml version="1.0" encoding="utf-8"?>
-<p:sld xmlns:a="http://schemas.openxmlformats.org/drawingml/2006/main" xmlns:r="http://schemas.openxmlformats.org/officeDocument/2006/relationships" xmlns:p="http://schemas.openxmlformats.org/presentationml/2006/main">
-  <p:cSld>
-    <p:spTree>
-      <p:nvGrpSpPr>
-        <p:cNvPr id="1" name=""/>
-        <p:cNvGrpSpPr/>
-        <p:nvPr/>
-      </p:nvGrpSpPr>
-      <p:grpSpPr>
-        <a:xfrm>
-          <a:off x="0" y="0"/>
-          <a:ext cx="0" cy="0"/>
-          <a:chOff x="0" y="0"/>
-          <a:chExt cx="0" cy="0"/>
-        </a:xfrm>
-      </p:grpSpPr>
-      <p:sp>
-        <p:nvSpPr>
           <p:cNvPr id="2" name="Slide Number Placeholder 1"/>
           <p:cNvSpPr>
             <a:spLocks noGrp="1"/>
@@ -6362,7 +6248,7 @@
             <a:fld id="{69D06C54-E8CF-4556-BFDE-321A78B4019C}" type="slidenum">
               <a:rPr lang="en-US" smtClean="0"/>
               <a:pPr/>
-              <a:t>21</a:t>
+              <a:t>20</a:t>
             </a:fld>
             <a:endParaRPr lang="en-US"/>
           </a:p>
@@ -6469,6 +6355,341 @@
 </p:sld>
 </file>
 
+<file path=ppt/slides/slide21.xml><?xml version="1.0" encoding="utf-8"?>
+<p:sld xmlns:a="http://schemas.openxmlformats.org/drawingml/2006/main" xmlns:r="http://schemas.openxmlformats.org/officeDocument/2006/relationships" xmlns:p="http://schemas.openxmlformats.org/presentationml/2006/main">
+  <p:cSld>
+    <p:spTree>
+      <p:nvGrpSpPr>
+        <p:cNvPr id="1" name=""/>
+        <p:cNvGrpSpPr/>
+        <p:nvPr/>
+      </p:nvGrpSpPr>
+      <p:grpSpPr>
+        <a:xfrm>
+          <a:off x="0" y="0"/>
+          <a:ext cx="0" cy="0"/>
+          <a:chOff x="0" y="0"/>
+          <a:chExt cx="0" cy="0"/>
+        </a:xfrm>
+      </p:grpSpPr>
+      <p:sp>
+        <p:nvSpPr>
+          <p:cNvPr id="2" name="Rectangle 1"/>
+          <p:cNvSpPr/>
+          <p:nvPr/>
+        </p:nvSpPr>
+        <p:spPr>
+          <a:xfrm>
+            <a:off x="285720" y="1214422"/>
+            <a:ext cx="8501090" cy="3785652"/>
+          </a:xfrm>
+          <a:prstGeom prst="rect">
+            <a:avLst/>
+          </a:prstGeom>
+          <a:ln>
+            <a:solidFill>
+              <a:schemeClr val="bg1"/>
+            </a:solidFill>
+          </a:ln>
+        </p:spPr>
+        <p:txBody>
+          <a:bodyPr wrap="square">
+            <a:spAutoFit/>
+          </a:bodyPr>
+          <a:lstStyle/>
+          <a:p>
+            <a:pPr marL="457200" indent="-457200">
+              <a:buFont typeface="+mj-lt"/>
+              <a:buAutoNum type="arabicPeriod"/>
+            </a:pPr>
+            <a:r>
+              <a:rPr lang="en-US" sz="2000" dirty="0" smtClean="0">
+                <a:latin typeface="Times New Roman" pitchFamily="18" charset="0"/>
+                <a:cs typeface="Times New Roman" pitchFamily="18" charset="0"/>
+              </a:rPr>
+              <a:t>Pig </a:t>
+            </a:r>
+            <a:r>
+              <a:rPr lang="en-US" sz="2000" dirty="0">
+                <a:latin typeface="Times New Roman" pitchFamily="18" charset="0"/>
+                <a:cs typeface="Times New Roman" pitchFamily="18" charset="0"/>
+              </a:rPr>
+              <a:t>is a </a:t>
+            </a:r>
+            <a:r>
+              <a:rPr lang="en-US" sz="2000" dirty="0" smtClean="0">
+                <a:latin typeface="Times New Roman" pitchFamily="18" charset="0"/>
+                <a:cs typeface="Times New Roman" pitchFamily="18" charset="0"/>
+              </a:rPr>
+              <a:t>procedural </a:t>
+            </a:r>
+            <a:r>
+              <a:rPr lang="en-US" sz="2000" dirty="0">
+                <a:latin typeface="Times New Roman" pitchFamily="18" charset="0"/>
+                <a:cs typeface="Times New Roman" pitchFamily="18" charset="0"/>
+              </a:rPr>
+              <a:t>language for developing parallel processing applications for large data sets in the </a:t>
+            </a:r>
+            <a:r>
+              <a:rPr lang="en-US" sz="2000" dirty="0" err="1">
+                <a:latin typeface="Times New Roman" pitchFamily="18" charset="0"/>
+                <a:cs typeface="Times New Roman" pitchFamily="18" charset="0"/>
+              </a:rPr>
+              <a:t>Hadoop</a:t>
+            </a:r>
+            <a:r>
+              <a:rPr lang="en-US" sz="2000" dirty="0">
+                <a:latin typeface="Times New Roman" pitchFamily="18" charset="0"/>
+                <a:cs typeface="Times New Roman" pitchFamily="18" charset="0"/>
+              </a:rPr>
+              <a:t> environment. </a:t>
+            </a:r>
+            <a:endParaRPr lang="en-US" sz="2000" dirty="0" smtClean="0">
+              <a:latin typeface="Times New Roman" pitchFamily="18" charset="0"/>
+              <a:cs typeface="Times New Roman" pitchFamily="18" charset="0"/>
+            </a:endParaRPr>
+          </a:p>
+          <a:p>
+            <a:pPr marL="457200" indent="-457200">
+              <a:buFont typeface="+mj-lt"/>
+              <a:buAutoNum type="arabicPeriod"/>
+            </a:pPr>
+            <a:endParaRPr lang="en-US" sz="2000" dirty="0" smtClean="0">
+              <a:latin typeface="Times New Roman" pitchFamily="18" charset="0"/>
+              <a:cs typeface="Times New Roman" pitchFamily="18" charset="0"/>
+            </a:endParaRPr>
+          </a:p>
+          <a:p>
+            <a:pPr marL="457200" indent="-457200">
+              <a:buFont typeface="+mj-lt"/>
+              <a:buAutoNum type="arabicPeriod"/>
+            </a:pPr>
+            <a:r>
+              <a:rPr lang="en-US" sz="2000" dirty="0" smtClean="0">
+                <a:latin typeface="Times New Roman" pitchFamily="18" charset="0"/>
+                <a:cs typeface="Times New Roman" pitchFamily="18" charset="0"/>
+              </a:rPr>
+              <a:t>Pig </a:t>
+            </a:r>
+            <a:r>
+              <a:rPr lang="en-US" sz="2000" dirty="0">
+                <a:latin typeface="Times New Roman" pitchFamily="18" charset="0"/>
+                <a:cs typeface="Times New Roman" pitchFamily="18" charset="0"/>
+              </a:rPr>
+              <a:t>is an alternative to Java programming for </a:t>
+            </a:r>
+            <a:r>
+              <a:rPr lang="en-US" sz="2000" dirty="0" err="1">
+                <a:latin typeface="Times New Roman" pitchFamily="18" charset="0"/>
+                <a:cs typeface="Times New Roman" pitchFamily="18" charset="0"/>
+              </a:rPr>
+              <a:t>MapReduce</a:t>
+            </a:r>
+            <a:r>
+              <a:rPr lang="en-US" sz="2000" dirty="0">
+                <a:latin typeface="Times New Roman" pitchFamily="18" charset="0"/>
+                <a:cs typeface="Times New Roman" pitchFamily="18" charset="0"/>
+              </a:rPr>
+              <a:t>, and automatically generates </a:t>
+            </a:r>
+            <a:r>
+              <a:rPr lang="en-US" sz="2000" dirty="0" err="1">
+                <a:latin typeface="Times New Roman" pitchFamily="18" charset="0"/>
+                <a:cs typeface="Times New Roman" pitchFamily="18" charset="0"/>
+              </a:rPr>
+              <a:t>MapReduce</a:t>
+            </a:r>
+            <a:r>
+              <a:rPr lang="en-US" sz="2000" dirty="0">
+                <a:latin typeface="Times New Roman" pitchFamily="18" charset="0"/>
+                <a:cs typeface="Times New Roman" pitchFamily="18" charset="0"/>
+              </a:rPr>
+              <a:t> functions. </a:t>
+            </a:r>
+            <a:endParaRPr lang="en-US" sz="2000" dirty="0" smtClean="0">
+              <a:latin typeface="Times New Roman" pitchFamily="18" charset="0"/>
+              <a:cs typeface="Times New Roman" pitchFamily="18" charset="0"/>
+            </a:endParaRPr>
+          </a:p>
+          <a:p>
+            <a:pPr marL="457200" indent="-457200">
+              <a:buFont typeface="+mj-lt"/>
+              <a:buAutoNum type="arabicPeriod"/>
+            </a:pPr>
+            <a:endParaRPr lang="en-US" sz="2000" dirty="0" smtClean="0">
+              <a:latin typeface="Times New Roman" pitchFamily="18" charset="0"/>
+              <a:cs typeface="Times New Roman" pitchFamily="18" charset="0"/>
+            </a:endParaRPr>
+          </a:p>
+          <a:p>
+            <a:pPr marL="457200" indent="-457200">
+              <a:buFont typeface="+mj-lt"/>
+              <a:buAutoNum type="arabicPeriod"/>
+            </a:pPr>
+            <a:r>
+              <a:rPr lang="en-US" sz="2000" dirty="0" smtClean="0">
+                <a:latin typeface="Times New Roman" pitchFamily="18" charset="0"/>
+                <a:cs typeface="Times New Roman" pitchFamily="18" charset="0"/>
+              </a:rPr>
+              <a:t>Pig </a:t>
+            </a:r>
+            <a:r>
+              <a:rPr lang="en-US" sz="2000" dirty="0">
+                <a:latin typeface="Times New Roman" pitchFamily="18" charset="0"/>
+                <a:cs typeface="Times New Roman" pitchFamily="18" charset="0"/>
+              </a:rPr>
+              <a:t>includes Pig Latin, which is a scripting language. Pig translates Pig Latin scripts into </a:t>
+            </a:r>
+            <a:r>
+              <a:rPr lang="en-US" sz="2000" dirty="0" err="1">
+                <a:latin typeface="Times New Roman" pitchFamily="18" charset="0"/>
+                <a:cs typeface="Times New Roman" pitchFamily="18" charset="0"/>
+              </a:rPr>
+              <a:t>MapReduce</a:t>
+            </a:r>
+            <a:r>
+              <a:rPr lang="en-US" sz="2000" dirty="0">
+                <a:latin typeface="Times New Roman" pitchFamily="18" charset="0"/>
+                <a:cs typeface="Times New Roman" pitchFamily="18" charset="0"/>
+              </a:rPr>
+              <a:t>, which can then run on YARN and process data in the HDFS </a:t>
+            </a:r>
+            <a:r>
+              <a:rPr lang="en-US" sz="2000" dirty="0" smtClean="0">
+                <a:latin typeface="Times New Roman" pitchFamily="18" charset="0"/>
+                <a:cs typeface="Times New Roman" pitchFamily="18" charset="0"/>
+              </a:rPr>
+              <a:t>cluster.</a:t>
+            </a:r>
+            <a:endParaRPr lang="en-US" sz="2000" dirty="0">
+              <a:latin typeface="Times New Roman" pitchFamily="18" charset="0"/>
+              <a:cs typeface="Times New Roman" pitchFamily="18" charset="0"/>
+            </a:endParaRPr>
+          </a:p>
+          <a:p>
+            <a:pPr marL="457200" indent="-457200">
+              <a:buFont typeface="+mj-lt"/>
+              <a:buAutoNum type="arabicPeriod"/>
+            </a:pPr>
+            <a:endParaRPr lang="en-US" sz="2000" dirty="0" smtClean="0">
+              <a:latin typeface="Times New Roman" pitchFamily="18" charset="0"/>
+              <a:cs typeface="Times New Roman" pitchFamily="18" charset="0"/>
+            </a:endParaRPr>
+          </a:p>
+          <a:p>
+            <a:pPr marL="457200" indent="-457200">
+              <a:buFont typeface="+mj-lt"/>
+              <a:buAutoNum type="arabicPeriod"/>
+            </a:pPr>
+            <a:r>
+              <a:rPr lang="en-US" sz="2000" dirty="0" smtClean="0">
+                <a:latin typeface="Times New Roman" pitchFamily="18" charset="0"/>
+                <a:cs typeface="Times New Roman" pitchFamily="18" charset="0"/>
+              </a:rPr>
+              <a:t>Pig </a:t>
+            </a:r>
+            <a:r>
+              <a:rPr lang="en-US" sz="2000" dirty="0">
+                <a:latin typeface="Times New Roman" pitchFamily="18" charset="0"/>
+                <a:cs typeface="Times New Roman" pitchFamily="18" charset="0"/>
+              </a:rPr>
+              <a:t>is commonly used for complex use cases that require multiple data </a:t>
+            </a:r>
+            <a:r>
+              <a:rPr lang="en-US" sz="2000" dirty="0" smtClean="0">
+                <a:latin typeface="Times New Roman" pitchFamily="18" charset="0"/>
+                <a:cs typeface="Times New Roman" pitchFamily="18" charset="0"/>
+              </a:rPr>
+              <a:t>operations.</a:t>
+            </a:r>
+            <a:endParaRPr lang="en-US" sz="2000" dirty="0">
+              <a:latin typeface="Times New Roman" pitchFamily="18" charset="0"/>
+              <a:cs typeface="Times New Roman" pitchFamily="18" charset="0"/>
+            </a:endParaRPr>
+          </a:p>
+        </p:txBody>
+      </p:sp>
+      <p:sp>
+        <p:nvSpPr>
+          <p:cNvPr id="4" name="Slide Number Placeholder 3"/>
+          <p:cNvSpPr>
+            <a:spLocks noGrp="1"/>
+          </p:cNvSpPr>
+          <p:nvPr>
+            <p:ph type="sldNum" sz="quarter" idx="12"/>
+          </p:nvPr>
+        </p:nvSpPr>
+        <p:spPr/>
+        <p:txBody>
+          <a:bodyPr/>
+          <a:lstStyle/>
+          <a:p>
+            <a:fld id="{69D06C54-E8CF-4556-BFDE-321A78B4019C}" type="slidenum">
+              <a:rPr lang="en-US" smtClean="0"/>
+              <a:pPr/>
+              <a:t>21</a:t>
+            </a:fld>
+            <a:endParaRPr lang="en-US"/>
+          </a:p>
+        </p:txBody>
+      </p:sp>
+      <p:sp>
+        <p:nvSpPr>
+          <p:cNvPr id="5" name="TextBox 4"/>
+          <p:cNvSpPr txBox="1"/>
+          <p:nvPr/>
+        </p:nvSpPr>
+        <p:spPr>
+          <a:xfrm>
+            <a:off x="2428860" y="714356"/>
+            <a:ext cx="3786214" cy="461665"/>
+          </a:xfrm>
+          <a:prstGeom prst="rect">
+            <a:avLst/>
+          </a:prstGeom>
+          <a:noFill/>
+        </p:spPr>
+        <p:txBody>
+          <a:bodyPr wrap="square" rtlCol="0">
+            <a:spAutoFit/>
+          </a:bodyPr>
+          <a:lstStyle/>
+          <a:p>
+            <a:pPr algn="ctr"/>
+            <a:r>
+              <a:rPr lang="en-IN" sz="2400" dirty="0" smtClean="0">
+                <a:latin typeface="Times New Roman" pitchFamily="18" charset="0"/>
+                <a:cs typeface="Times New Roman" pitchFamily="18" charset="0"/>
+              </a:rPr>
+              <a:t>PIG</a:t>
+            </a:r>
+            <a:endParaRPr lang="en-IN" sz="2400" dirty="0">
+              <a:latin typeface="Times New Roman" pitchFamily="18" charset="0"/>
+              <a:cs typeface="Times New Roman" pitchFamily="18" charset="0"/>
+            </a:endParaRPr>
+          </a:p>
+        </p:txBody>
+      </p:sp>
+    </p:spTree>
+    <p:extLst>
+      <p:ext uri="{BB962C8B-B14F-4D97-AF65-F5344CB8AC3E}">
+        <p14:creationId xmlns:p14="http://schemas.microsoft.com/office/powerpoint/2010/main" xmlns="" val="3838782439"/>
+      </p:ext>
+    </p:extLst>
+  </p:cSld>
+  <p:clrMapOvr>
+    <a:masterClrMapping/>
+  </p:clrMapOvr>
+  <p:timing>
+    <p:tnLst>
+      <p:par>
+        <p:cTn id="1" dur="indefinite" restart="never" nodeType="tmRoot"/>
+      </p:par>
+    </p:tnLst>
+  </p:timing>
+</p:sld>
+</file>
+
 <file path=ppt/slides/slide22.xml><?xml version="1.0" encoding="utf-8"?>
 <p:sld xmlns:a="http://schemas.openxmlformats.org/drawingml/2006/main" xmlns:r="http://schemas.openxmlformats.org/officeDocument/2006/relationships" xmlns:p="http://schemas.openxmlformats.org/presentationml/2006/main">
   <p:cSld>
@@ -6488,304 +6709,6 @@
       </p:grpSpPr>
       <p:sp>
         <p:nvSpPr>
-          <p:cNvPr id="2" name="Rectangle 1"/>
-          <p:cNvSpPr/>
-          <p:nvPr/>
-        </p:nvSpPr>
-        <p:spPr>
-          <a:xfrm>
-            <a:off x="285720" y="1214422"/>
-            <a:ext cx="8501090" cy="3785652"/>
-          </a:xfrm>
-          <a:prstGeom prst="rect">
-            <a:avLst/>
-          </a:prstGeom>
-          <a:ln>
-            <a:solidFill>
-              <a:schemeClr val="bg1"/>
-            </a:solidFill>
-          </a:ln>
-        </p:spPr>
-        <p:txBody>
-          <a:bodyPr wrap="square">
-            <a:spAutoFit/>
-          </a:bodyPr>
-          <a:lstStyle/>
-          <a:p>
-            <a:pPr marL="457200" indent="-457200">
-              <a:buFont typeface="+mj-lt"/>
-              <a:buAutoNum type="arabicPeriod"/>
-            </a:pPr>
-            <a:r>
-              <a:rPr lang="en-US" sz="2000" dirty="0" smtClean="0">
-                <a:latin typeface="Times New Roman" pitchFamily="18" charset="0"/>
-                <a:cs typeface="Times New Roman" pitchFamily="18" charset="0"/>
-              </a:rPr>
-              <a:t>Pig </a:t>
-            </a:r>
-            <a:r>
-              <a:rPr lang="en-US" sz="2000" dirty="0">
-                <a:latin typeface="Times New Roman" pitchFamily="18" charset="0"/>
-                <a:cs typeface="Times New Roman" pitchFamily="18" charset="0"/>
-              </a:rPr>
-              <a:t>is a </a:t>
-            </a:r>
-            <a:r>
-              <a:rPr lang="en-US" sz="2000" dirty="0" smtClean="0">
-                <a:latin typeface="Times New Roman" pitchFamily="18" charset="0"/>
-                <a:cs typeface="Times New Roman" pitchFamily="18" charset="0"/>
-              </a:rPr>
-              <a:t>procedural </a:t>
-            </a:r>
-            <a:r>
-              <a:rPr lang="en-US" sz="2000" dirty="0">
-                <a:latin typeface="Times New Roman" pitchFamily="18" charset="0"/>
-                <a:cs typeface="Times New Roman" pitchFamily="18" charset="0"/>
-              </a:rPr>
-              <a:t>language for developing parallel processing applications for large data sets in the </a:t>
-            </a:r>
-            <a:r>
-              <a:rPr lang="en-US" sz="2000" dirty="0" err="1">
-                <a:latin typeface="Times New Roman" pitchFamily="18" charset="0"/>
-                <a:cs typeface="Times New Roman" pitchFamily="18" charset="0"/>
-              </a:rPr>
-              <a:t>Hadoop</a:t>
-            </a:r>
-            <a:r>
-              <a:rPr lang="en-US" sz="2000" dirty="0">
-                <a:latin typeface="Times New Roman" pitchFamily="18" charset="0"/>
-                <a:cs typeface="Times New Roman" pitchFamily="18" charset="0"/>
-              </a:rPr>
-              <a:t> environment. </a:t>
-            </a:r>
-            <a:endParaRPr lang="en-US" sz="2000" dirty="0" smtClean="0">
-              <a:latin typeface="Times New Roman" pitchFamily="18" charset="0"/>
-              <a:cs typeface="Times New Roman" pitchFamily="18" charset="0"/>
-            </a:endParaRPr>
-          </a:p>
-          <a:p>
-            <a:pPr marL="457200" indent="-457200">
-              <a:buFont typeface="+mj-lt"/>
-              <a:buAutoNum type="arabicPeriod"/>
-            </a:pPr>
-            <a:endParaRPr lang="en-US" sz="2000" dirty="0" smtClean="0">
-              <a:latin typeface="Times New Roman" pitchFamily="18" charset="0"/>
-              <a:cs typeface="Times New Roman" pitchFamily="18" charset="0"/>
-            </a:endParaRPr>
-          </a:p>
-          <a:p>
-            <a:pPr marL="457200" indent="-457200">
-              <a:buFont typeface="+mj-lt"/>
-              <a:buAutoNum type="arabicPeriod"/>
-            </a:pPr>
-            <a:r>
-              <a:rPr lang="en-US" sz="2000" dirty="0" smtClean="0">
-                <a:latin typeface="Times New Roman" pitchFamily="18" charset="0"/>
-                <a:cs typeface="Times New Roman" pitchFamily="18" charset="0"/>
-              </a:rPr>
-              <a:t>Pig </a:t>
-            </a:r>
-            <a:r>
-              <a:rPr lang="en-US" sz="2000" dirty="0">
-                <a:latin typeface="Times New Roman" pitchFamily="18" charset="0"/>
-                <a:cs typeface="Times New Roman" pitchFamily="18" charset="0"/>
-              </a:rPr>
-              <a:t>is an alternative to Java programming for </a:t>
-            </a:r>
-            <a:r>
-              <a:rPr lang="en-US" sz="2000" dirty="0" err="1">
-                <a:latin typeface="Times New Roman" pitchFamily="18" charset="0"/>
-                <a:cs typeface="Times New Roman" pitchFamily="18" charset="0"/>
-              </a:rPr>
-              <a:t>MapReduce</a:t>
-            </a:r>
-            <a:r>
-              <a:rPr lang="en-US" sz="2000" dirty="0">
-                <a:latin typeface="Times New Roman" pitchFamily="18" charset="0"/>
-                <a:cs typeface="Times New Roman" pitchFamily="18" charset="0"/>
-              </a:rPr>
-              <a:t>, and automatically generates </a:t>
-            </a:r>
-            <a:r>
-              <a:rPr lang="en-US" sz="2000" dirty="0" err="1">
-                <a:latin typeface="Times New Roman" pitchFamily="18" charset="0"/>
-                <a:cs typeface="Times New Roman" pitchFamily="18" charset="0"/>
-              </a:rPr>
-              <a:t>MapReduce</a:t>
-            </a:r>
-            <a:r>
-              <a:rPr lang="en-US" sz="2000" dirty="0">
-                <a:latin typeface="Times New Roman" pitchFamily="18" charset="0"/>
-                <a:cs typeface="Times New Roman" pitchFamily="18" charset="0"/>
-              </a:rPr>
-              <a:t> functions. </a:t>
-            </a:r>
-            <a:endParaRPr lang="en-US" sz="2000" dirty="0" smtClean="0">
-              <a:latin typeface="Times New Roman" pitchFamily="18" charset="0"/>
-              <a:cs typeface="Times New Roman" pitchFamily="18" charset="0"/>
-            </a:endParaRPr>
-          </a:p>
-          <a:p>
-            <a:pPr marL="457200" indent="-457200">
-              <a:buFont typeface="+mj-lt"/>
-              <a:buAutoNum type="arabicPeriod"/>
-            </a:pPr>
-            <a:endParaRPr lang="en-US" sz="2000" dirty="0" smtClean="0">
-              <a:latin typeface="Times New Roman" pitchFamily="18" charset="0"/>
-              <a:cs typeface="Times New Roman" pitchFamily="18" charset="0"/>
-            </a:endParaRPr>
-          </a:p>
-          <a:p>
-            <a:pPr marL="457200" indent="-457200">
-              <a:buFont typeface="+mj-lt"/>
-              <a:buAutoNum type="arabicPeriod"/>
-            </a:pPr>
-            <a:r>
-              <a:rPr lang="en-US" sz="2000" dirty="0" smtClean="0">
-                <a:latin typeface="Times New Roman" pitchFamily="18" charset="0"/>
-                <a:cs typeface="Times New Roman" pitchFamily="18" charset="0"/>
-              </a:rPr>
-              <a:t>Pig </a:t>
-            </a:r>
-            <a:r>
-              <a:rPr lang="en-US" sz="2000" dirty="0">
-                <a:latin typeface="Times New Roman" pitchFamily="18" charset="0"/>
-                <a:cs typeface="Times New Roman" pitchFamily="18" charset="0"/>
-              </a:rPr>
-              <a:t>includes Pig Latin, which is a scripting language. Pig translates Pig Latin scripts into </a:t>
-            </a:r>
-            <a:r>
-              <a:rPr lang="en-US" sz="2000" dirty="0" err="1">
-                <a:latin typeface="Times New Roman" pitchFamily="18" charset="0"/>
-                <a:cs typeface="Times New Roman" pitchFamily="18" charset="0"/>
-              </a:rPr>
-              <a:t>MapReduce</a:t>
-            </a:r>
-            <a:r>
-              <a:rPr lang="en-US" sz="2000" dirty="0">
-                <a:latin typeface="Times New Roman" pitchFamily="18" charset="0"/>
-                <a:cs typeface="Times New Roman" pitchFamily="18" charset="0"/>
-              </a:rPr>
-              <a:t>, which can then run on YARN and process data in the HDFS </a:t>
-            </a:r>
-            <a:r>
-              <a:rPr lang="en-US" sz="2000" dirty="0" smtClean="0">
-                <a:latin typeface="Times New Roman" pitchFamily="18" charset="0"/>
-                <a:cs typeface="Times New Roman" pitchFamily="18" charset="0"/>
-              </a:rPr>
-              <a:t>cluster.</a:t>
-            </a:r>
-            <a:endParaRPr lang="en-US" sz="2000" dirty="0">
-              <a:latin typeface="Times New Roman" pitchFamily="18" charset="0"/>
-              <a:cs typeface="Times New Roman" pitchFamily="18" charset="0"/>
-            </a:endParaRPr>
-          </a:p>
-          <a:p>
-            <a:pPr marL="457200" indent="-457200">
-              <a:buFont typeface="+mj-lt"/>
-              <a:buAutoNum type="arabicPeriod"/>
-            </a:pPr>
-            <a:endParaRPr lang="en-US" sz="2000" dirty="0" smtClean="0">
-              <a:latin typeface="Times New Roman" pitchFamily="18" charset="0"/>
-              <a:cs typeface="Times New Roman" pitchFamily="18" charset="0"/>
-            </a:endParaRPr>
-          </a:p>
-          <a:p>
-            <a:pPr marL="457200" indent="-457200">
-              <a:buFont typeface="+mj-lt"/>
-              <a:buAutoNum type="arabicPeriod"/>
-            </a:pPr>
-            <a:r>
-              <a:rPr lang="en-US" sz="2000" dirty="0" smtClean="0">
-                <a:latin typeface="Times New Roman" pitchFamily="18" charset="0"/>
-                <a:cs typeface="Times New Roman" pitchFamily="18" charset="0"/>
-              </a:rPr>
-              <a:t>Pig </a:t>
-            </a:r>
-            <a:r>
-              <a:rPr lang="en-US" sz="2000" dirty="0">
-                <a:latin typeface="Times New Roman" pitchFamily="18" charset="0"/>
-                <a:cs typeface="Times New Roman" pitchFamily="18" charset="0"/>
-              </a:rPr>
-              <a:t>is commonly used for complex use cases that require multiple data </a:t>
-            </a:r>
-            <a:r>
-              <a:rPr lang="en-US" sz="2000" dirty="0" smtClean="0">
-                <a:latin typeface="Times New Roman" pitchFamily="18" charset="0"/>
-                <a:cs typeface="Times New Roman" pitchFamily="18" charset="0"/>
-              </a:rPr>
-              <a:t>operations.</a:t>
-            </a:r>
-            <a:endParaRPr lang="en-US" sz="2000" dirty="0">
-              <a:latin typeface="Times New Roman" pitchFamily="18" charset="0"/>
-              <a:cs typeface="Times New Roman" pitchFamily="18" charset="0"/>
-            </a:endParaRPr>
-          </a:p>
-        </p:txBody>
-      </p:sp>
-      <p:sp>
-        <p:nvSpPr>
-          <p:cNvPr id="4" name="Slide Number Placeholder 3"/>
-          <p:cNvSpPr>
-            <a:spLocks noGrp="1"/>
-          </p:cNvSpPr>
-          <p:nvPr>
-            <p:ph type="sldNum" sz="quarter" idx="12"/>
-          </p:nvPr>
-        </p:nvSpPr>
-        <p:spPr/>
-        <p:txBody>
-          <a:bodyPr/>
-          <a:lstStyle/>
-          <a:p>
-            <a:fld id="{69D06C54-E8CF-4556-BFDE-321A78B4019C}" type="slidenum">
-              <a:rPr lang="en-US" smtClean="0"/>
-              <a:pPr/>
-              <a:t>22</a:t>
-            </a:fld>
-            <a:endParaRPr lang="en-US"/>
-          </a:p>
-        </p:txBody>
-      </p:sp>
-    </p:spTree>
-    <p:extLst>
-      <p:ext uri="{BB962C8B-B14F-4D97-AF65-F5344CB8AC3E}">
-        <p14:creationId xmlns="" xmlns:p14="http://schemas.microsoft.com/office/powerpoint/2010/main" val="3838782439"/>
-      </p:ext>
-    </p:extLst>
-  </p:cSld>
-  <p:clrMapOvr>
-    <a:masterClrMapping/>
-  </p:clrMapOvr>
-  <p:timing>
-    <p:tnLst>
-      <p:par>
-        <p:cTn id="1" dur="indefinite" restart="never" nodeType="tmRoot"/>
-      </p:par>
-    </p:tnLst>
-  </p:timing>
-</p:sld>
-</file>
-
-<file path=ppt/slides/slide23.xml><?xml version="1.0" encoding="utf-8"?>
-<p:sld xmlns:a="http://schemas.openxmlformats.org/drawingml/2006/main" xmlns:r="http://schemas.openxmlformats.org/officeDocument/2006/relationships" xmlns:p="http://schemas.openxmlformats.org/presentationml/2006/main">
-  <p:cSld>
-    <p:spTree>
-      <p:nvGrpSpPr>
-        <p:cNvPr id="1" name=""/>
-        <p:cNvGrpSpPr/>
-        <p:nvPr/>
-      </p:nvGrpSpPr>
-      <p:grpSpPr>
-        <a:xfrm>
-          <a:off x="0" y="0"/>
-          <a:ext cx="0" cy="0"/>
-          <a:chOff x="0" y="0"/>
-          <a:chExt cx="0" cy="0"/>
-        </a:xfrm>
-      </p:grpSpPr>
-      <p:sp>
-        <p:nvSpPr>
           <p:cNvPr id="2" name="Slide Number Placeholder 1"/>
           <p:cNvSpPr>
             <a:spLocks noGrp="1"/>
@@ -6802,7 +6725,7 @@
             <a:fld id="{69D06C54-E8CF-4556-BFDE-321A78B4019C}" type="slidenum">
               <a:rPr lang="en-US" smtClean="0"/>
               <a:pPr/>
-              <a:t>23</a:t>
+              <a:t>22</a:t>
             </a:fld>
             <a:endParaRPr lang="en-US"/>
           </a:p>
@@ -6966,7 +6889,21 @@
                           <a:latin typeface="Times New Roman" pitchFamily="18" charset="0"/>
                           <a:cs typeface="Times New Roman" pitchFamily="18" charset="0"/>
                         </a:rPr>
-                        <a:t>structured Data</a:t>
+                        <a:t>structured </a:t>
+                      </a:r>
+                      <a:r>
+                        <a:rPr kumimoji="0" lang="en-US" sz="2000" b="0" i="1" u="none" strike="noStrike" cap="none" normalizeH="0" baseline="0" dirty="0" smtClean="0">
+                          <a:ln>
+                            <a:noFill/>
+                          </a:ln>
+                          <a:solidFill>
+                            <a:schemeClr val="tx1"/>
+                          </a:solidFill>
+                          <a:effectLst/>
+                          <a:latin typeface="Times New Roman" pitchFamily="18" charset="0"/>
+                          <a:cs typeface="Times New Roman" pitchFamily="18" charset="0"/>
+                        </a:rPr>
+                        <a:t>Data and  Semi-Structured Data</a:t>
                       </a:r>
                       <a:r>
                         <a:rPr kumimoji="0" lang="en-US" sz="2000" b="0" i="0" u="none" strike="noStrike" cap="none" normalizeH="0" baseline="0" dirty="0" smtClean="0">
@@ -7543,6 +7480,185 @@
 </p:sld>
 </file>
 
+<file path=ppt/slides/slide23.xml><?xml version="1.0" encoding="utf-8"?>
+<p:sld xmlns:a="http://schemas.openxmlformats.org/drawingml/2006/main" xmlns:r="http://schemas.openxmlformats.org/officeDocument/2006/relationships" xmlns:p="http://schemas.openxmlformats.org/presentationml/2006/main">
+  <p:cSld>
+    <p:spTree>
+      <p:nvGrpSpPr>
+        <p:cNvPr id="1" name=""/>
+        <p:cNvGrpSpPr/>
+        <p:nvPr/>
+      </p:nvGrpSpPr>
+      <p:grpSpPr>
+        <a:xfrm>
+          <a:off x="0" y="0"/>
+          <a:ext cx="0" cy="0"/>
+          <a:chOff x="0" y="0"/>
+          <a:chExt cx="0" cy="0"/>
+        </a:xfrm>
+      </p:grpSpPr>
+      <p:sp>
+        <p:nvSpPr>
+          <p:cNvPr id="7" name="Rectangle 6"/>
+          <p:cNvSpPr/>
+          <p:nvPr/>
+        </p:nvSpPr>
+        <p:spPr>
+          <a:xfrm>
+            <a:off x="714348" y="571480"/>
+            <a:ext cx="6929486" cy="2062103"/>
+          </a:xfrm>
+          <a:prstGeom prst="rect">
+            <a:avLst/>
+          </a:prstGeom>
+        </p:spPr>
+        <p:txBody>
+          <a:bodyPr wrap="square">
+            <a:spAutoFit/>
+          </a:bodyPr>
+          <a:lstStyle/>
+          <a:p>
+            <a:r>
+              <a:rPr lang="en-US" sz="2400" b="1" dirty="0" err="1" smtClean="0">
+                <a:latin typeface="Times New Roman" pitchFamily="18" charset="0"/>
+                <a:cs typeface="Times New Roman" pitchFamily="18" charset="0"/>
+              </a:rPr>
+              <a:t>Sqoop</a:t>
+            </a:r>
+            <a:r>
+              <a:rPr lang="en-US" sz="2400" b="1" dirty="0" smtClean="0">
+                <a:latin typeface="Times New Roman" pitchFamily="18" charset="0"/>
+                <a:cs typeface="Times New Roman" pitchFamily="18" charset="0"/>
+              </a:rPr>
+              <a:t>:</a:t>
+            </a:r>
+          </a:p>
+          <a:p>
+            <a:r>
+              <a:rPr lang="en-US" sz="2400" b="1" dirty="0" smtClean="0">
+                <a:latin typeface="Times New Roman" pitchFamily="18" charset="0"/>
+                <a:cs typeface="Times New Roman" pitchFamily="18" charset="0"/>
+              </a:rPr>
+              <a:t>            </a:t>
+            </a:r>
+            <a:r>
+              <a:rPr lang="en-IN" sz="2000" dirty="0" err="1" smtClean="0">
+                <a:latin typeface="Times New Roman" pitchFamily="18" charset="0"/>
+                <a:cs typeface="Times New Roman" pitchFamily="18" charset="0"/>
+              </a:rPr>
+              <a:t>Sqoop</a:t>
+            </a:r>
+            <a:r>
+              <a:rPr lang="en-IN" sz="2000" dirty="0" smtClean="0">
+                <a:latin typeface="Times New Roman" pitchFamily="18" charset="0"/>
+                <a:cs typeface="Times New Roman" pitchFamily="18" charset="0"/>
+              </a:rPr>
+              <a:t> is a tool designed to transfer data between </a:t>
+            </a:r>
+            <a:r>
+              <a:rPr lang="en-IN" sz="2000" dirty="0" err="1" smtClean="0">
+                <a:latin typeface="Times New Roman" pitchFamily="18" charset="0"/>
+                <a:cs typeface="Times New Roman" pitchFamily="18" charset="0"/>
+              </a:rPr>
+              <a:t>Hadoop</a:t>
+            </a:r>
+            <a:r>
+              <a:rPr lang="en-IN" sz="2000" dirty="0" smtClean="0">
+                <a:latin typeface="Times New Roman" pitchFamily="18" charset="0"/>
+                <a:cs typeface="Times New Roman" pitchFamily="18" charset="0"/>
+              </a:rPr>
+              <a:t> and relational database servers. It is used to import data from relational databases such as </a:t>
+            </a:r>
+            <a:r>
+              <a:rPr lang="en-IN" sz="2000" dirty="0" err="1" smtClean="0">
+                <a:latin typeface="Times New Roman" pitchFamily="18" charset="0"/>
+                <a:cs typeface="Times New Roman" pitchFamily="18" charset="0"/>
+              </a:rPr>
+              <a:t>MySQL</a:t>
+            </a:r>
+            <a:r>
+              <a:rPr lang="en-IN" sz="2000" dirty="0" smtClean="0">
+                <a:latin typeface="Times New Roman" pitchFamily="18" charset="0"/>
+                <a:cs typeface="Times New Roman" pitchFamily="18" charset="0"/>
+              </a:rPr>
+              <a:t>, Oracle to </a:t>
+            </a:r>
+            <a:r>
+              <a:rPr lang="en-IN" sz="2000" dirty="0" err="1" smtClean="0">
+                <a:latin typeface="Times New Roman" pitchFamily="18" charset="0"/>
+                <a:cs typeface="Times New Roman" pitchFamily="18" charset="0"/>
+              </a:rPr>
+              <a:t>Hadoop</a:t>
+            </a:r>
+            <a:r>
+              <a:rPr lang="en-IN" sz="2000" dirty="0" smtClean="0">
+                <a:latin typeface="Times New Roman" pitchFamily="18" charset="0"/>
+                <a:cs typeface="Times New Roman" pitchFamily="18" charset="0"/>
+              </a:rPr>
+              <a:t> HDFS, and export from </a:t>
+            </a:r>
+            <a:r>
+              <a:rPr lang="en-IN" sz="2000" dirty="0" err="1" smtClean="0">
+                <a:latin typeface="Times New Roman" pitchFamily="18" charset="0"/>
+                <a:cs typeface="Times New Roman" pitchFamily="18" charset="0"/>
+              </a:rPr>
+              <a:t>Hadoop</a:t>
+            </a:r>
+            <a:r>
+              <a:rPr lang="en-IN" sz="2000" dirty="0" smtClean="0">
+                <a:latin typeface="Times New Roman" pitchFamily="18" charset="0"/>
+                <a:cs typeface="Times New Roman" pitchFamily="18" charset="0"/>
+              </a:rPr>
+              <a:t> file system to relational databases.</a:t>
+            </a:r>
+            <a:endParaRPr lang="en-IN" sz="2000" dirty="0"/>
+          </a:p>
+        </p:txBody>
+      </p:sp>
+      <p:sp>
+        <p:nvSpPr>
+          <p:cNvPr id="3" name="Slide Number Placeholder 2"/>
+          <p:cNvSpPr>
+            <a:spLocks noGrp="1"/>
+          </p:cNvSpPr>
+          <p:nvPr>
+            <p:ph type="sldNum" sz="quarter" idx="12"/>
+          </p:nvPr>
+        </p:nvSpPr>
+        <p:spPr/>
+        <p:txBody>
+          <a:bodyPr/>
+          <a:lstStyle/>
+          <a:p>
+            <a:fld id="{69D06C54-E8CF-4556-BFDE-321A78B4019C}" type="slidenum">
+              <a:rPr lang="en-US" smtClean="0"/>
+              <a:pPr/>
+              <a:t>23</a:t>
+            </a:fld>
+            <a:endParaRPr lang="en-US"/>
+          </a:p>
+        </p:txBody>
+      </p:sp>
+    </p:spTree>
+    <p:extLst>
+      <p:ext uri="{BB962C8B-B14F-4D97-AF65-F5344CB8AC3E}">
+        <p14:creationId xmlns:p14="http://schemas.microsoft.com/office/powerpoint/2010/main" xmlns="" val="283987417"/>
+      </p:ext>
+    </p:extLst>
+  </p:cSld>
+  <p:clrMapOvr>
+    <a:masterClrMapping/>
+  </p:clrMapOvr>
+  <p:timing>
+    <p:tnLst>
+      <p:par>
+        <p:cTn id="1" dur="indefinite" restart="never" nodeType="tmRoot"/>
+      </p:par>
+    </p:tnLst>
+  </p:timing>
+</p:sld>
+</file>
+
 <file path=ppt/slides/slide24.xml><?xml version="1.0" encoding="utf-8"?>
 <p:sld xmlns:a="http://schemas.openxmlformats.org/drawingml/2006/main" xmlns:r="http://schemas.openxmlformats.org/officeDocument/2006/relationships" xmlns:p="http://schemas.openxmlformats.org/presentationml/2006/main">
   <p:cSld>
@@ -7562,125 +7678,44 @@
       </p:grpSpPr>
       <p:sp>
         <p:nvSpPr>
-          <p:cNvPr id="7" name="Rectangle 6"/>
-          <p:cNvSpPr/>
+          <p:cNvPr id="3" name="TextBox 2"/>
+          <p:cNvSpPr txBox="1"/>
           <p:nvPr/>
         </p:nvSpPr>
         <p:spPr>
           <a:xfrm>
-            <a:off x="714348" y="571480"/>
-            <a:ext cx="6929486" cy="2062103"/>
+            <a:off x="2526456" y="428604"/>
+            <a:ext cx="3402866" cy="523220"/>
           </a:xfrm>
           <a:prstGeom prst="rect">
             <a:avLst/>
           </a:prstGeom>
+          <a:noFill/>
         </p:spPr>
         <p:txBody>
-          <a:bodyPr wrap="square">
+          <a:bodyPr wrap="square" rtlCol="0">
             <a:spAutoFit/>
           </a:bodyPr>
           <a:lstStyle/>
           <a:p>
-            <a:r>
-              <a:rPr lang="en-US" sz="2400" b="1" dirty="0" err="1" smtClean="0">
-                <a:latin typeface="Times New Roman" pitchFamily="18" charset="0"/>
-                <a:cs typeface="Times New Roman" pitchFamily="18" charset="0"/>
-              </a:rPr>
-              <a:t>Sqoop</a:t>
-            </a:r>
-            <a:r>
-              <a:rPr lang="en-US" sz="2400" b="1" dirty="0" smtClean="0">
-                <a:latin typeface="Times New Roman" pitchFamily="18" charset="0"/>
-                <a:cs typeface="Times New Roman" pitchFamily="18" charset="0"/>
-              </a:rPr>
-              <a:t>:</a:t>
-            </a:r>
-          </a:p>
-          <a:p>
-            <a:r>
-              <a:rPr lang="en-US" sz="2400" b="1" dirty="0" smtClean="0">
-                <a:latin typeface="Times New Roman" pitchFamily="18" charset="0"/>
-                <a:cs typeface="Times New Roman" pitchFamily="18" charset="0"/>
-              </a:rPr>
-              <a:t>            </a:t>
-            </a:r>
-            <a:r>
-              <a:rPr lang="en-IN" sz="2000" dirty="0" err="1" smtClean="0">
-                <a:latin typeface="Times New Roman" pitchFamily="18" charset="0"/>
-                <a:cs typeface="Times New Roman" pitchFamily="18" charset="0"/>
-              </a:rPr>
-              <a:t>Sqoop</a:t>
-            </a:r>
-            <a:r>
-              <a:rPr lang="en-IN" sz="2000" dirty="0" smtClean="0">
-                <a:latin typeface="Times New Roman" pitchFamily="18" charset="0"/>
-                <a:cs typeface="Times New Roman" pitchFamily="18" charset="0"/>
-              </a:rPr>
-              <a:t> is a tool designed to transfer data between </a:t>
-            </a:r>
-            <a:r>
-              <a:rPr lang="en-IN" sz="2000" dirty="0" err="1" smtClean="0">
-                <a:latin typeface="Times New Roman" pitchFamily="18" charset="0"/>
-                <a:cs typeface="Times New Roman" pitchFamily="18" charset="0"/>
-              </a:rPr>
-              <a:t>Hadoop</a:t>
-            </a:r>
-            <a:r>
-              <a:rPr lang="en-IN" sz="2000" dirty="0" smtClean="0">
-                <a:latin typeface="Times New Roman" pitchFamily="18" charset="0"/>
-                <a:cs typeface="Times New Roman" pitchFamily="18" charset="0"/>
-              </a:rPr>
-              <a:t> and relational database servers. It is used to import data from relational databases such as </a:t>
-            </a:r>
-            <a:r>
-              <a:rPr lang="en-IN" sz="2000" dirty="0" err="1" smtClean="0">
-                <a:latin typeface="Times New Roman" pitchFamily="18" charset="0"/>
-                <a:cs typeface="Times New Roman" pitchFamily="18" charset="0"/>
-              </a:rPr>
-              <a:t>MySQL</a:t>
-            </a:r>
-            <a:r>
-              <a:rPr lang="en-IN" sz="2000" dirty="0" smtClean="0">
-                <a:latin typeface="Times New Roman" pitchFamily="18" charset="0"/>
-                <a:cs typeface="Times New Roman" pitchFamily="18" charset="0"/>
-              </a:rPr>
-              <a:t>, Oracle to </a:t>
-            </a:r>
-            <a:r>
-              <a:rPr lang="en-IN" sz="2000" dirty="0" err="1" smtClean="0">
-                <a:latin typeface="Times New Roman" pitchFamily="18" charset="0"/>
-                <a:cs typeface="Times New Roman" pitchFamily="18" charset="0"/>
-              </a:rPr>
-              <a:t>Hadoop</a:t>
-            </a:r>
-            <a:r>
-              <a:rPr lang="en-IN" sz="2000" dirty="0" smtClean="0">
-                <a:latin typeface="Times New Roman" pitchFamily="18" charset="0"/>
-                <a:cs typeface="Times New Roman" pitchFamily="18" charset="0"/>
-              </a:rPr>
-              <a:t> HDFS, and export from </a:t>
-            </a:r>
-            <a:r>
-              <a:rPr lang="en-IN" sz="2000" dirty="0" err="1" smtClean="0">
-                <a:latin typeface="Times New Roman" pitchFamily="18" charset="0"/>
-                <a:cs typeface="Times New Roman" pitchFamily="18" charset="0"/>
-              </a:rPr>
-              <a:t>Hadoop</a:t>
-            </a:r>
-            <a:r>
-              <a:rPr lang="en-IN" sz="2000" dirty="0" smtClean="0">
-                <a:latin typeface="Times New Roman" pitchFamily="18" charset="0"/>
-                <a:cs typeface="Times New Roman" pitchFamily="18" charset="0"/>
-              </a:rPr>
-              <a:t> file system to relational databases.</a:t>
-            </a:r>
-            <a:endParaRPr lang="en-IN" sz="2000" dirty="0"/>
-          </a:p>
-        </p:txBody>
-      </p:sp>
-      <p:sp>
-        <p:nvSpPr>
-          <p:cNvPr id="3" name="Slide Number Placeholder 2"/>
+            <a:pPr algn="ctr"/>
+            <a:r>
+              <a:rPr lang="en-IN" sz="2800" b="1" dirty="0" smtClean="0">
+                <a:latin typeface="Times New Roman" pitchFamily="18" charset="0"/>
+                <a:cs typeface="Times New Roman" pitchFamily="18" charset="0"/>
+              </a:rPr>
+              <a:t>About  Project</a:t>
+            </a:r>
+            <a:endParaRPr lang="en-IN" sz="2800" b="1" dirty="0">
+              <a:latin typeface="Times New Roman" pitchFamily="18" charset="0"/>
+              <a:cs typeface="Times New Roman" pitchFamily="18" charset="0"/>
+            </a:endParaRPr>
+          </a:p>
+        </p:txBody>
+      </p:sp>
+      <p:sp>
+        <p:nvSpPr>
+          <p:cNvPr id="4" name="Slide Number Placeholder 3"/>
           <p:cNvSpPr>
             <a:spLocks noGrp="1"/>
           </p:cNvSpPr>
@@ -7702,10 +7737,99 @@
           </a:p>
         </p:txBody>
       </p:sp>
+      <p:sp>
+        <p:nvSpPr>
+          <p:cNvPr id="5" name="TextBox 4"/>
+          <p:cNvSpPr txBox="1"/>
+          <p:nvPr/>
+        </p:nvSpPr>
+        <p:spPr>
+          <a:xfrm>
+            <a:off x="714348" y="1469113"/>
+            <a:ext cx="7500990" cy="2554545"/>
+          </a:xfrm>
+          <a:prstGeom prst="rect">
+            <a:avLst/>
+          </a:prstGeom>
+          <a:noFill/>
+        </p:spPr>
+        <p:txBody>
+          <a:bodyPr wrap="square" rtlCol="0">
+            <a:spAutoFit/>
+          </a:bodyPr>
+          <a:lstStyle/>
+          <a:p>
+            <a:r>
+              <a:rPr lang="en-IN" sz="2000" dirty="0" smtClean="0">
+                <a:latin typeface="Times New Roman" pitchFamily="18" charset="0"/>
+                <a:cs typeface="Times New Roman" pitchFamily="18" charset="0"/>
+              </a:rPr>
+              <a:t>The H1B is an employment-based, non-immigrant visa category for temporary foreign workers in the United States. For a foreign national to apply for H1B visa, an US employer must offer a job and petition for H1B visa with the US immigration department. This is the most common visa status applied for and held by international students once they complete college/ higher education (Masters, Ph.D.) and work in a full-time position.</a:t>
+            </a:r>
+          </a:p>
+          <a:p>
+            <a:endParaRPr lang="en-IN" sz="2000" dirty="0">
+              <a:latin typeface="Times New Roman" pitchFamily="18" charset="0"/>
+              <a:cs typeface="Times New Roman" pitchFamily="18" charset="0"/>
+            </a:endParaRPr>
+          </a:p>
+        </p:txBody>
+      </p:sp>
+      <p:sp>
+        <p:nvSpPr>
+          <p:cNvPr id="6" name="TextBox 5"/>
+          <p:cNvSpPr txBox="1"/>
+          <p:nvPr/>
+        </p:nvSpPr>
+        <p:spPr>
+          <a:xfrm>
+            <a:off x="714348" y="4023374"/>
+            <a:ext cx="7500990" cy="2308324"/>
+          </a:xfrm>
+          <a:prstGeom prst="rect">
+            <a:avLst/>
+          </a:prstGeom>
+          <a:noFill/>
+        </p:spPr>
+        <p:txBody>
+          <a:bodyPr wrap="square" rtlCol="0">
+            <a:spAutoFit/>
+          </a:bodyPr>
+          <a:lstStyle/>
+          <a:p>
+            <a:r>
+              <a:rPr lang="en-IN" sz="2000" b="1" dirty="0" smtClean="0">
+                <a:latin typeface="Times New Roman" pitchFamily="18" charset="0"/>
+                <a:cs typeface="Times New Roman" pitchFamily="18" charset="0"/>
+              </a:rPr>
+              <a:t>Example of the H1b raw dataset :</a:t>
+            </a:r>
+          </a:p>
+          <a:p>
+            <a:endParaRPr lang="en-IN" sz="2000" dirty="0" smtClean="0">
+              <a:latin typeface="Times New Roman" pitchFamily="18" charset="0"/>
+              <a:cs typeface="Times New Roman" pitchFamily="18" charset="0"/>
+            </a:endParaRPr>
+          </a:p>
+          <a:p>
+            <a:r>
+              <a:rPr lang="en-IN" sz="2000" dirty="0" smtClean="0">
+                <a:latin typeface="Times New Roman" pitchFamily="18" charset="0"/>
+                <a:cs typeface="Times New Roman" pitchFamily="18" charset="0"/>
+              </a:rPr>
+              <a:t>1","CERTIFIED-WITHDRAWN","UNIVERSITY OF MICHIGAN","BIOCHEMISTS AND BIOPHYSICISTS","POSTDOCTORAL RESEARCH FELLOW","N",36067,2016,"ANN ARBOR, MICHIGAN",-83.7430378,42.2808256</a:t>
+            </a:r>
+            <a:endParaRPr lang="en-IN" sz="2000" dirty="0">
+              <a:latin typeface="Times New Roman" pitchFamily="18" charset="0"/>
+              <a:cs typeface="Times New Roman" pitchFamily="18" charset="0"/>
+            </a:endParaRPr>
+          </a:p>
+        </p:txBody>
+      </p:sp>
     </p:spTree>
     <p:extLst>
       <p:ext uri="{BB962C8B-B14F-4D97-AF65-F5344CB8AC3E}">
-        <p14:creationId xmlns="" xmlns:p14="http://schemas.microsoft.com/office/powerpoint/2010/main" val="283987417"/>
+        <p14:creationId xmlns:p14="http://schemas.microsoft.com/office/powerpoint/2010/main" xmlns="" val="520982938"/>
       </p:ext>
     </p:extLst>
   </p:cSld>
@@ -7741,44 +7865,7 @@
       </p:grpSpPr>
       <p:sp>
         <p:nvSpPr>
-          <p:cNvPr id="3" name="TextBox 2"/>
-          <p:cNvSpPr txBox="1"/>
-          <p:nvPr/>
-        </p:nvSpPr>
-        <p:spPr>
-          <a:xfrm>
-            <a:off x="2526456" y="428604"/>
-            <a:ext cx="3402866" cy="523220"/>
-          </a:xfrm>
-          <a:prstGeom prst="rect">
-            <a:avLst/>
-          </a:prstGeom>
-          <a:noFill/>
-        </p:spPr>
-        <p:txBody>
-          <a:bodyPr wrap="square" rtlCol="0">
-            <a:spAutoFit/>
-          </a:bodyPr>
-          <a:lstStyle/>
-          <a:p>
-            <a:pPr algn="ctr"/>
-            <a:r>
-              <a:rPr lang="en-IN" sz="2800" b="1" dirty="0" smtClean="0">
-                <a:latin typeface="Times New Roman" pitchFamily="18" charset="0"/>
-                <a:cs typeface="Times New Roman" pitchFamily="18" charset="0"/>
-              </a:rPr>
-              <a:t>About  Project</a:t>
-            </a:r>
-            <a:endParaRPr lang="en-IN" sz="2800" b="1" dirty="0">
-              <a:latin typeface="Times New Roman" pitchFamily="18" charset="0"/>
-              <a:cs typeface="Times New Roman" pitchFamily="18" charset="0"/>
-            </a:endParaRPr>
-          </a:p>
-        </p:txBody>
-      </p:sp>
-      <p:sp>
-        <p:nvSpPr>
-          <p:cNvPr id="4" name="Slide Number Placeholder 3"/>
+          <p:cNvPr id="2" name="Slide Number Placeholder 1"/>
           <p:cNvSpPr>
             <a:spLocks noGrp="1"/>
           </p:cNvSpPr>
@@ -7802,99 +7889,700 @@
       </p:sp>
       <p:sp>
         <p:nvSpPr>
-          <p:cNvPr id="5" name="TextBox 4"/>
-          <p:cNvSpPr txBox="1"/>
+          <p:cNvPr id="50177" name="Rectangle 1"/>
+          <p:cNvSpPr>
+            <a:spLocks noChangeArrowheads="1"/>
+          </p:cNvSpPr>
           <p:nvPr/>
         </p:nvSpPr>
-        <p:spPr>
+        <p:spPr bwMode="auto">
           <a:xfrm>
-            <a:off x="714348" y="1469113"/>
-            <a:ext cx="7500990" cy="2554545"/>
+            <a:off x="500066" y="775628"/>
+            <a:ext cx="7358082" cy="1938992"/>
           </a:xfrm>
           <a:prstGeom prst="rect">
             <a:avLst/>
           </a:prstGeom>
           <a:noFill/>
+          <a:ln w="9525">
+            <a:noFill/>
+            <a:miter lim="800000"/>
+            <a:headEnd/>
+            <a:tailEnd/>
+          </a:ln>
+          <a:effectLst/>
         </p:spPr>
         <p:txBody>
-          <a:bodyPr wrap="square" rtlCol="0">
+          <a:bodyPr vert="horz" wrap="square" lIns="91440" tIns="45720" rIns="91440" bIns="45720" numCol="1" anchor="ctr" anchorCtr="0" compatLnSpc="1">
+            <a:prstTxWarp prst="textNoShape">
+              <a:avLst/>
+            </a:prstTxWarp>
             <a:spAutoFit/>
           </a:bodyPr>
           <a:lstStyle/>
           <a:p>
-            <a:r>
-              <a:rPr lang="en-IN" sz="2000" dirty="0" smtClean="0">
-                <a:latin typeface="Times New Roman" pitchFamily="18" charset="0"/>
-                <a:cs typeface="Times New Roman" pitchFamily="18" charset="0"/>
-              </a:rPr>
-              <a:t>The H1B is an employment-based, non-immigrant visa category for temporary foreign workers in the United States. For a foreign national to apply for H1B visa, an US employer must offer a job and petition for H1B visa with the US immigration department. This is the most common visa status applied for and held by international students once they complete college/ higher education (Masters, Ph.D.) and work in a full-time position.</a:t>
-            </a:r>
-          </a:p>
-          <a:p>
-            <a:endParaRPr lang="en-IN" sz="2000" dirty="0">
+            <a:pPr marL="0" marR="0" lvl="0" indent="0" algn="l" defTabSz="914400" rtl="0" eaLnBrk="1" fontAlgn="base" latinLnBrk="0" hangingPunct="1">
+              <a:lnSpc>
+                <a:spcPct val="100000"/>
+              </a:lnSpc>
+              <a:spcBef>
+                <a:spcPct val="0"/>
+              </a:spcBef>
+              <a:spcAft>
+                <a:spcPct val="0"/>
+              </a:spcAft>
+              <a:buClrTx/>
+              <a:buSzTx/>
+              <a:buFontTx/>
+              <a:buNone/>
+              <a:tabLst/>
+            </a:pPr>
+            <a:r>
+              <a:rPr kumimoji="0" lang="en-US" sz="2000" b="0" i="0" u="none" strike="noStrike" cap="none" normalizeH="0" baseline="0" dirty="0" smtClean="0">
+                <a:ln>
+                  <a:noFill/>
+                </a:ln>
+                <a:solidFill>
+                  <a:schemeClr val="tx1"/>
+                </a:solidFill>
+                <a:effectLst/>
+                <a:latin typeface="Times New Roman" pitchFamily="18" charset="0"/>
+                <a:ea typeface="Calibri" pitchFamily="34" charset="0"/>
+                <a:cs typeface="Times New Roman" pitchFamily="18" charset="0"/>
+              </a:rPr>
+              <a:t>Cleansing Data :  </a:t>
+            </a:r>
+          </a:p>
+          <a:p>
+            <a:pPr marL="0" marR="0" lvl="0" indent="0" algn="l" defTabSz="914400" rtl="0" eaLnBrk="1" fontAlgn="base" latinLnBrk="0" hangingPunct="1">
+              <a:lnSpc>
+                <a:spcPct val="100000"/>
+              </a:lnSpc>
+              <a:spcBef>
+                <a:spcPct val="0"/>
+              </a:spcBef>
+              <a:spcAft>
+                <a:spcPct val="0"/>
+              </a:spcAft>
+              <a:buClrTx/>
+              <a:buSzTx/>
+              <a:buFontTx/>
+              <a:buNone/>
+              <a:tabLst/>
+            </a:pPr>
+            <a:endParaRPr kumimoji="0" lang="en-US" sz="2000" b="0" i="0" u="none" strike="noStrike" cap="none" normalizeH="0" baseline="0" dirty="0" smtClean="0">
+              <a:ln>
+                <a:noFill/>
+              </a:ln>
+              <a:solidFill>
+                <a:schemeClr val="tx1"/>
+              </a:solidFill>
+              <a:effectLst/>
               <a:latin typeface="Times New Roman" pitchFamily="18" charset="0"/>
               <a:cs typeface="Times New Roman" pitchFamily="18" charset="0"/>
             </a:endParaRPr>
           </a:p>
-        </p:txBody>
-      </p:sp>
-      <p:sp>
-        <p:nvSpPr>
-          <p:cNvPr id="6" name="TextBox 5"/>
-          <p:cNvSpPr txBox="1"/>
+          <a:p>
+            <a:pPr marL="0" marR="0" lvl="0" indent="0" algn="l" defTabSz="914400" rtl="0" eaLnBrk="0" fontAlgn="base" latinLnBrk="0" hangingPunct="0">
+              <a:lnSpc>
+                <a:spcPct val="100000"/>
+              </a:lnSpc>
+              <a:spcBef>
+                <a:spcPct val="0"/>
+              </a:spcBef>
+              <a:spcAft>
+                <a:spcPct val="0"/>
+              </a:spcAft>
+              <a:buClrTx/>
+              <a:buSzTx/>
+              <a:buFontTx/>
+              <a:buNone/>
+              <a:tabLst/>
+            </a:pPr>
+            <a:r>
+              <a:rPr kumimoji="0" lang="en-US" sz="2000" b="0" i="0" u="none" strike="noStrike" cap="none" normalizeH="0" baseline="0" dirty="0" smtClean="0">
+                <a:ln>
+                  <a:noFill/>
+                </a:ln>
+                <a:solidFill>
+                  <a:schemeClr val="tx1"/>
+                </a:solidFill>
+                <a:effectLst/>
+                <a:latin typeface="Times New Roman" pitchFamily="18" charset="0"/>
+                <a:ea typeface="Calibri" pitchFamily="34" charset="0"/>
+                <a:cs typeface="Times New Roman" pitchFamily="18" charset="0"/>
+              </a:rPr>
+              <a:t>Step 1 - A table h1b_applications is created with the following columns </a:t>
+            </a:r>
+            <a:r>
+              <a:rPr kumimoji="0" lang="en-US" sz="2000" b="0" i="0" u="none" strike="noStrike" cap="none" normalizeH="0" baseline="0" dirty="0" err="1" smtClean="0">
+                <a:ln>
+                  <a:noFill/>
+                </a:ln>
+                <a:solidFill>
+                  <a:schemeClr val="tx1"/>
+                </a:solidFill>
+                <a:effectLst/>
+                <a:latin typeface="Times New Roman" pitchFamily="18" charset="0"/>
+                <a:ea typeface="Calibri" pitchFamily="34" charset="0"/>
+                <a:cs typeface="Times New Roman" pitchFamily="18" charset="0"/>
+              </a:rPr>
+              <a:t>s_no</a:t>
+            </a:r>
+            <a:r>
+              <a:rPr kumimoji="0" lang="en-US" sz="2000" b="0" i="0" u="none" strike="noStrike" cap="none" normalizeH="0" baseline="0" dirty="0" smtClean="0">
+                <a:ln>
+                  <a:noFill/>
+                </a:ln>
+                <a:solidFill>
+                  <a:schemeClr val="tx1"/>
+                </a:solidFill>
+                <a:effectLst/>
+                <a:latin typeface="Times New Roman" pitchFamily="18" charset="0"/>
+                <a:ea typeface="Calibri" pitchFamily="34" charset="0"/>
+                <a:cs typeface="Times New Roman" pitchFamily="18" charset="0"/>
+              </a:rPr>
+              <a:t>, </a:t>
+            </a:r>
+            <a:r>
+              <a:rPr kumimoji="0" lang="en-US" sz="2000" b="0" i="0" u="none" strike="noStrike" cap="none" normalizeH="0" baseline="0" dirty="0" err="1" smtClean="0">
+                <a:ln>
+                  <a:noFill/>
+                </a:ln>
+                <a:solidFill>
+                  <a:schemeClr val="tx1"/>
+                </a:solidFill>
+                <a:effectLst/>
+                <a:latin typeface="Times New Roman" pitchFamily="18" charset="0"/>
+                <a:ea typeface="Calibri" pitchFamily="34" charset="0"/>
+                <a:cs typeface="Times New Roman" pitchFamily="18" charset="0"/>
+              </a:rPr>
+              <a:t>case_status</a:t>
+            </a:r>
+            <a:r>
+              <a:rPr kumimoji="0" lang="en-US" sz="2000" b="0" i="0" u="none" strike="noStrike" cap="none" normalizeH="0" baseline="0" dirty="0" smtClean="0">
+                <a:ln>
+                  <a:noFill/>
+                </a:ln>
+                <a:solidFill>
+                  <a:schemeClr val="tx1"/>
+                </a:solidFill>
+                <a:effectLst/>
+                <a:latin typeface="Times New Roman" pitchFamily="18" charset="0"/>
+                <a:ea typeface="Calibri" pitchFamily="34" charset="0"/>
+                <a:cs typeface="Times New Roman" pitchFamily="18" charset="0"/>
+              </a:rPr>
+              <a:t>, </a:t>
+            </a:r>
+            <a:r>
+              <a:rPr kumimoji="0" lang="en-US" sz="2000" b="0" i="0" u="none" strike="noStrike" cap="none" normalizeH="0" baseline="0" dirty="0" err="1" smtClean="0">
+                <a:ln>
+                  <a:noFill/>
+                </a:ln>
+                <a:solidFill>
+                  <a:schemeClr val="tx1"/>
+                </a:solidFill>
+                <a:effectLst/>
+                <a:latin typeface="Times New Roman" pitchFamily="18" charset="0"/>
+                <a:ea typeface="Calibri" pitchFamily="34" charset="0"/>
+                <a:cs typeface="Times New Roman" pitchFamily="18" charset="0"/>
+              </a:rPr>
+              <a:t>employer_name</a:t>
+            </a:r>
+            <a:r>
+              <a:rPr kumimoji="0" lang="en-US" sz="2000" b="0" i="0" u="none" strike="noStrike" cap="none" normalizeH="0" baseline="0" dirty="0" smtClean="0">
+                <a:ln>
+                  <a:noFill/>
+                </a:ln>
+                <a:solidFill>
+                  <a:schemeClr val="tx1"/>
+                </a:solidFill>
+                <a:effectLst/>
+                <a:latin typeface="Times New Roman" pitchFamily="18" charset="0"/>
+                <a:ea typeface="Calibri" pitchFamily="34" charset="0"/>
+                <a:cs typeface="Times New Roman" pitchFamily="18" charset="0"/>
+              </a:rPr>
+              <a:t>, </a:t>
+            </a:r>
+            <a:r>
+              <a:rPr kumimoji="0" lang="en-US" sz="2000" b="0" i="0" u="none" strike="noStrike" cap="none" normalizeH="0" baseline="0" dirty="0" err="1" smtClean="0">
+                <a:ln>
+                  <a:noFill/>
+                </a:ln>
+                <a:solidFill>
+                  <a:schemeClr val="tx1"/>
+                </a:solidFill>
+                <a:effectLst/>
+                <a:latin typeface="Times New Roman" pitchFamily="18" charset="0"/>
+                <a:ea typeface="Calibri" pitchFamily="34" charset="0"/>
+                <a:cs typeface="Times New Roman" pitchFamily="18" charset="0"/>
+              </a:rPr>
+              <a:t>soc_name</a:t>
+            </a:r>
+            <a:r>
+              <a:rPr kumimoji="0" lang="en-US" sz="2000" b="0" i="0" u="none" strike="noStrike" cap="none" normalizeH="0" baseline="0" dirty="0" smtClean="0">
+                <a:ln>
+                  <a:noFill/>
+                </a:ln>
+                <a:solidFill>
+                  <a:schemeClr val="tx1"/>
+                </a:solidFill>
+                <a:effectLst/>
+                <a:latin typeface="Times New Roman" pitchFamily="18" charset="0"/>
+                <a:ea typeface="Calibri" pitchFamily="34" charset="0"/>
+                <a:cs typeface="Times New Roman" pitchFamily="18" charset="0"/>
+              </a:rPr>
+              <a:t>, </a:t>
+            </a:r>
+            <a:r>
+              <a:rPr kumimoji="0" lang="en-US" sz="2000" b="0" i="0" u="none" strike="noStrike" cap="none" normalizeH="0" baseline="0" dirty="0" err="1" smtClean="0">
+                <a:ln>
+                  <a:noFill/>
+                </a:ln>
+                <a:solidFill>
+                  <a:schemeClr val="tx1"/>
+                </a:solidFill>
+                <a:effectLst/>
+                <a:latin typeface="Times New Roman" pitchFamily="18" charset="0"/>
+                <a:ea typeface="Calibri" pitchFamily="34" charset="0"/>
+                <a:cs typeface="Times New Roman" pitchFamily="18" charset="0"/>
+              </a:rPr>
+              <a:t>job_title</a:t>
+            </a:r>
+            <a:r>
+              <a:rPr kumimoji="0" lang="en-US" sz="2000" b="0" i="0" u="none" strike="noStrike" cap="none" normalizeH="0" baseline="0" dirty="0" smtClean="0">
+                <a:ln>
+                  <a:noFill/>
+                </a:ln>
+                <a:solidFill>
+                  <a:schemeClr val="tx1"/>
+                </a:solidFill>
+                <a:effectLst/>
+                <a:latin typeface="Times New Roman" pitchFamily="18" charset="0"/>
+                <a:ea typeface="Calibri" pitchFamily="34" charset="0"/>
+                <a:cs typeface="Times New Roman" pitchFamily="18" charset="0"/>
+              </a:rPr>
+              <a:t>, </a:t>
+            </a:r>
+            <a:r>
+              <a:rPr kumimoji="0" lang="en-US" sz="2000" b="0" i="0" u="none" strike="noStrike" cap="none" normalizeH="0" baseline="0" dirty="0" err="1" smtClean="0">
+                <a:ln>
+                  <a:noFill/>
+                </a:ln>
+                <a:solidFill>
+                  <a:schemeClr val="tx1"/>
+                </a:solidFill>
+                <a:effectLst/>
+                <a:latin typeface="Times New Roman" pitchFamily="18" charset="0"/>
+                <a:ea typeface="Calibri" pitchFamily="34" charset="0"/>
+                <a:cs typeface="Times New Roman" pitchFamily="18" charset="0"/>
+              </a:rPr>
+              <a:t>full_time_position</a:t>
+            </a:r>
+            <a:r>
+              <a:rPr kumimoji="0" lang="en-US" sz="2000" b="0" i="0" u="none" strike="noStrike" cap="none" normalizeH="0" baseline="0" dirty="0" smtClean="0">
+                <a:ln>
+                  <a:noFill/>
+                </a:ln>
+                <a:solidFill>
+                  <a:schemeClr val="tx1"/>
+                </a:solidFill>
+                <a:effectLst/>
+                <a:latin typeface="Times New Roman" pitchFamily="18" charset="0"/>
+                <a:ea typeface="Calibri" pitchFamily="34" charset="0"/>
+                <a:cs typeface="Times New Roman" pitchFamily="18" charset="0"/>
+              </a:rPr>
+              <a:t>, </a:t>
+            </a:r>
+            <a:r>
+              <a:rPr kumimoji="0" lang="en-US" sz="2000" b="0" i="0" u="none" strike="noStrike" cap="none" normalizeH="0" baseline="0" dirty="0" err="1" smtClean="0">
+                <a:ln>
+                  <a:noFill/>
+                </a:ln>
+                <a:solidFill>
+                  <a:schemeClr val="tx1"/>
+                </a:solidFill>
+                <a:effectLst/>
+                <a:latin typeface="Times New Roman" pitchFamily="18" charset="0"/>
+                <a:ea typeface="Calibri" pitchFamily="34" charset="0"/>
+                <a:cs typeface="Times New Roman" pitchFamily="18" charset="0"/>
+              </a:rPr>
+              <a:t>prevalling_wage</a:t>
+            </a:r>
+            <a:r>
+              <a:rPr kumimoji="0" lang="en-US" sz="2000" b="0" i="0" u="none" strike="noStrike" cap="none" normalizeH="0" baseline="0" dirty="0" smtClean="0">
+                <a:ln>
+                  <a:noFill/>
+                </a:ln>
+                <a:solidFill>
+                  <a:schemeClr val="tx1"/>
+                </a:solidFill>
+                <a:effectLst/>
+                <a:latin typeface="Times New Roman" pitchFamily="18" charset="0"/>
+                <a:ea typeface="Calibri" pitchFamily="34" charset="0"/>
+                <a:cs typeface="Times New Roman" pitchFamily="18" charset="0"/>
+              </a:rPr>
+              <a:t>, year, worksite, </a:t>
+            </a:r>
+            <a:r>
+              <a:rPr kumimoji="0" lang="en-US" sz="2000" b="0" i="0" u="none" strike="noStrike" cap="none" normalizeH="0" baseline="0" dirty="0" err="1" smtClean="0">
+                <a:ln>
+                  <a:noFill/>
+                </a:ln>
+                <a:solidFill>
+                  <a:schemeClr val="tx1"/>
+                </a:solidFill>
+                <a:effectLst/>
+                <a:latin typeface="Times New Roman" pitchFamily="18" charset="0"/>
+                <a:ea typeface="Calibri" pitchFamily="34" charset="0"/>
+                <a:cs typeface="Times New Roman" pitchFamily="18" charset="0"/>
+              </a:rPr>
+              <a:t>longitute</a:t>
+            </a:r>
+            <a:r>
+              <a:rPr kumimoji="0" lang="en-US" sz="2000" b="0" i="0" u="none" strike="noStrike" cap="none" normalizeH="0" baseline="0" dirty="0" smtClean="0">
+                <a:ln>
+                  <a:noFill/>
+                </a:ln>
+                <a:solidFill>
+                  <a:schemeClr val="tx1"/>
+                </a:solidFill>
+                <a:effectLst/>
+                <a:latin typeface="Times New Roman" pitchFamily="18" charset="0"/>
+                <a:ea typeface="Calibri" pitchFamily="34" charset="0"/>
+                <a:cs typeface="Times New Roman" pitchFamily="18" charset="0"/>
+              </a:rPr>
+              <a:t>, latitude. SERDE functions are used to separate the values with “”.</a:t>
+            </a:r>
+            <a:endParaRPr kumimoji="0" lang="en-US" sz="2000" b="0" i="0" u="none" strike="noStrike" cap="none" normalizeH="0" baseline="0" dirty="0" smtClean="0">
+              <a:ln>
+                <a:noFill/>
+              </a:ln>
+              <a:solidFill>
+                <a:schemeClr val="tx1"/>
+              </a:solidFill>
+              <a:effectLst/>
+              <a:latin typeface="Times New Roman" pitchFamily="18" charset="0"/>
+              <a:cs typeface="Times New Roman" pitchFamily="18" charset="0"/>
+            </a:endParaRPr>
+          </a:p>
+        </p:txBody>
+      </p:sp>
+      <p:sp>
+        <p:nvSpPr>
+          <p:cNvPr id="50178" name="Rectangle 2"/>
+          <p:cNvSpPr>
+            <a:spLocks noChangeArrowheads="1"/>
+          </p:cNvSpPr>
           <p:nvPr/>
         </p:nvSpPr>
-        <p:spPr>
+        <p:spPr bwMode="auto">
           <a:xfrm>
-            <a:off x="714348" y="4023374"/>
-            <a:ext cx="7500990" cy="2308324"/>
+            <a:off x="500034" y="2957452"/>
+            <a:ext cx="6675417" cy="400110"/>
           </a:xfrm>
           <a:prstGeom prst="rect">
             <a:avLst/>
           </a:prstGeom>
           <a:noFill/>
+          <a:ln w="9525">
+            <a:noFill/>
+            <a:miter lim="800000"/>
+            <a:headEnd/>
+            <a:tailEnd/>
+          </a:ln>
+          <a:effectLst/>
         </p:spPr>
         <p:txBody>
-          <a:bodyPr wrap="square" rtlCol="0">
+          <a:bodyPr vert="horz" wrap="none" lIns="91440" tIns="45720" rIns="91440" bIns="45720" numCol="1" anchor="ctr" anchorCtr="0" compatLnSpc="1">
+            <a:prstTxWarp prst="textNoShape">
+              <a:avLst/>
+            </a:prstTxWarp>
             <a:spAutoFit/>
           </a:bodyPr>
           <a:lstStyle/>
           <a:p>
-            <a:r>
-              <a:rPr lang="en-IN" sz="2000" b="1" dirty="0" smtClean="0">
-                <a:latin typeface="Times New Roman" pitchFamily="18" charset="0"/>
-                <a:cs typeface="Times New Roman" pitchFamily="18" charset="0"/>
-              </a:rPr>
-              <a:t>Example of the H1b raw dataset :</a:t>
-            </a:r>
-          </a:p>
-          <a:p>
-            <a:endParaRPr lang="en-IN" sz="2000" dirty="0" smtClean="0">
+            <a:pPr marL="0" marR="0" lvl="0" indent="0" algn="l" defTabSz="914400" rtl="0" eaLnBrk="1" fontAlgn="base" latinLnBrk="0" hangingPunct="1">
+              <a:lnSpc>
+                <a:spcPct val="100000"/>
+              </a:lnSpc>
+              <a:spcBef>
+                <a:spcPct val="0"/>
+              </a:spcBef>
+              <a:spcAft>
+                <a:spcPct val="0"/>
+              </a:spcAft>
+              <a:buClrTx/>
+              <a:buSzTx/>
+              <a:buFontTx/>
+              <a:buNone/>
+              <a:tabLst/>
+            </a:pPr>
+            <a:r>
+              <a:rPr kumimoji="0" lang="en-US" sz="2000" b="0" i="0" u="none" strike="noStrike" cap="none" normalizeH="0" baseline="0" dirty="0" smtClean="0">
+                <a:ln>
+                  <a:noFill/>
+                </a:ln>
+                <a:solidFill>
+                  <a:schemeClr val="tx1"/>
+                </a:solidFill>
+                <a:effectLst/>
+                <a:latin typeface="Times New Roman" pitchFamily="18" charset="0"/>
+                <a:ea typeface="Calibri" pitchFamily="34" charset="0"/>
+                <a:cs typeface="Times New Roman" pitchFamily="18" charset="0"/>
+              </a:rPr>
+              <a:t>Step 2 - The data is loaded into the table from local file system.</a:t>
+            </a:r>
+            <a:endParaRPr kumimoji="0" lang="en-US" sz="2000" b="0" i="0" u="none" strike="noStrike" cap="none" normalizeH="0" baseline="0" dirty="0" smtClean="0">
+              <a:ln>
+                <a:noFill/>
+              </a:ln>
+              <a:solidFill>
+                <a:schemeClr val="tx1"/>
+              </a:solidFill>
+              <a:effectLst/>
+              <a:latin typeface="Arial" pitchFamily="34" charset="0"/>
+              <a:cs typeface="Arial" pitchFamily="34" charset="0"/>
+            </a:endParaRPr>
+          </a:p>
+        </p:txBody>
+      </p:sp>
+      <p:sp>
+        <p:nvSpPr>
+          <p:cNvPr id="50179" name="Rectangle 3"/>
+          <p:cNvSpPr>
+            <a:spLocks noChangeArrowheads="1"/>
+          </p:cNvSpPr>
+          <p:nvPr/>
+        </p:nvSpPr>
+        <p:spPr bwMode="auto">
+          <a:xfrm>
+            <a:off x="-71470" y="3770659"/>
+            <a:ext cx="8715404" cy="1015663"/>
+          </a:xfrm>
+          <a:prstGeom prst="rect">
+            <a:avLst/>
+          </a:prstGeom>
+          <a:noFill/>
+          <a:ln w="9525">
+            <a:noFill/>
+            <a:miter lim="800000"/>
+            <a:headEnd/>
+            <a:tailEnd/>
+          </a:ln>
+          <a:effectLst/>
+        </p:spPr>
+        <p:txBody>
+          <a:bodyPr vert="horz" wrap="square" lIns="91440" tIns="45720" rIns="91440" bIns="45720" numCol="1" anchor="ctr" anchorCtr="0" compatLnSpc="1">
+            <a:prstTxWarp prst="textNoShape">
+              <a:avLst/>
+            </a:prstTxWarp>
+            <a:spAutoFit/>
+          </a:bodyPr>
+          <a:lstStyle/>
+          <a:p>
+            <a:pPr marL="0" marR="0" lvl="0" indent="0" algn="l" defTabSz="914400" rtl="0" eaLnBrk="1" fontAlgn="base" latinLnBrk="0" hangingPunct="1">
+              <a:lnSpc>
+                <a:spcPct val="100000"/>
+              </a:lnSpc>
+              <a:spcBef>
+                <a:spcPct val="0"/>
+              </a:spcBef>
+              <a:spcAft>
+                <a:spcPct val="0"/>
+              </a:spcAft>
+              <a:buClrTx/>
+              <a:buSzTx/>
+              <a:buFontTx/>
+              <a:buNone/>
+              <a:tabLst/>
+            </a:pPr>
+            <a:r>
+              <a:rPr kumimoji="0" lang="en-US" sz="2000" b="0" i="0" u="none" strike="noStrike" cap="none" normalizeH="0" baseline="0" dirty="0" smtClean="0">
+                <a:ln>
+                  <a:noFill/>
+                </a:ln>
+                <a:solidFill>
+                  <a:schemeClr val="tx1"/>
+                </a:solidFill>
+                <a:effectLst/>
+                <a:latin typeface="Times New Roman" pitchFamily="18" charset="0"/>
+                <a:ea typeface="Calibri" pitchFamily="34" charset="0"/>
+                <a:cs typeface="Times New Roman" pitchFamily="18" charset="0"/>
+              </a:rPr>
+              <a:t>        Step 3  - Table h1b_app2 is created with field delimiter “\t”. Data is loaded </a:t>
+            </a:r>
+          </a:p>
+          <a:p>
+            <a:pPr marL="0" marR="0" lvl="0" indent="0" algn="l" defTabSz="914400" rtl="0" eaLnBrk="1" fontAlgn="base" latinLnBrk="0" hangingPunct="1">
+              <a:lnSpc>
+                <a:spcPct val="100000"/>
+              </a:lnSpc>
+              <a:spcBef>
+                <a:spcPct val="0"/>
+              </a:spcBef>
+              <a:spcAft>
+                <a:spcPct val="0"/>
+              </a:spcAft>
+              <a:buClrTx/>
+              <a:buSzTx/>
+              <a:buFontTx/>
+              <a:buNone/>
+              <a:tabLst/>
+            </a:pPr>
+            <a:r>
+              <a:rPr kumimoji="0" lang="en-US" sz="2000" b="0" i="0" u="none" strike="noStrike" cap="none" normalizeH="0" dirty="0" smtClean="0">
+                <a:ln>
+                  <a:noFill/>
+                </a:ln>
+                <a:solidFill>
+                  <a:schemeClr val="tx1"/>
+                </a:solidFill>
+                <a:effectLst/>
+                <a:latin typeface="Times New Roman" pitchFamily="18" charset="0"/>
+                <a:ea typeface="Calibri" pitchFamily="34" charset="0"/>
+                <a:cs typeface="Times New Roman" pitchFamily="18" charset="0"/>
+              </a:rPr>
+              <a:t>        </a:t>
+            </a:r>
+            <a:r>
+              <a:rPr kumimoji="0" lang="en-US" sz="2000" b="0" i="0" u="none" strike="noStrike" cap="none" normalizeH="0" baseline="0" dirty="0" smtClean="0">
+                <a:ln>
+                  <a:noFill/>
+                </a:ln>
+                <a:solidFill>
+                  <a:schemeClr val="tx1"/>
+                </a:solidFill>
+                <a:effectLst/>
+                <a:latin typeface="Times New Roman" pitchFamily="18" charset="0"/>
+                <a:ea typeface="Calibri" pitchFamily="34" charset="0"/>
+                <a:cs typeface="Times New Roman" pitchFamily="18" charset="0"/>
+              </a:rPr>
+              <a:t>From  h1b_applications table where field separators “,” is replaced by “\t”.</a:t>
+            </a:r>
+            <a:endParaRPr kumimoji="0" lang="en-US" sz="2000" b="0" i="0" u="none" strike="noStrike" cap="none" normalizeH="0" baseline="0" dirty="0" smtClean="0">
+              <a:ln>
+                <a:noFill/>
+              </a:ln>
+              <a:solidFill>
+                <a:schemeClr val="tx1"/>
+              </a:solidFill>
+              <a:effectLst/>
               <a:latin typeface="Times New Roman" pitchFamily="18" charset="0"/>
               <a:cs typeface="Times New Roman" pitchFamily="18" charset="0"/>
             </a:endParaRPr>
           </a:p>
           <a:p>
-            <a:r>
-              <a:rPr lang="en-IN" sz="2000" dirty="0" smtClean="0">
-                <a:latin typeface="Times New Roman" pitchFamily="18" charset="0"/>
-                <a:cs typeface="Times New Roman" pitchFamily="18" charset="0"/>
-              </a:rPr>
-              <a:t>1","CERTIFIED-WITHDRAWN","UNIVERSITY OF MICHIGAN","BIOCHEMISTS AND BIOPHYSICISTS","POSTDOCTORAL RESEARCH FELLOW","N",36067,2016,"ANN ARBOR, MICHIGAN",-83.7430378,42.2808256</a:t>
-            </a:r>
-            <a:endParaRPr lang="en-IN" sz="2000" dirty="0">
+            <a:pPr marL="0" marR="0" lvl="0" indent="0" algn="l" defTabSz="914400" rtl="0" eaLnBrk="0" fontAlgn="base" latinLnBrk="0" hangingPunct="0">
+              <a:lnSpc>
+                <a:spcPct val="100000"/>
+              </a:lnSpc>
+              <a:spcBef>
+                <a:spcPct val="0"/>
+              </a:spcBef>
+              <a:spcAft>
+                <a:spcPct val="0"/>
+              </a:spcAft>
+              <a:buClrTx/>
+              <a:buSzTx/>
+              <a:buFontTx/>
+              <a:buNone/>
+              <a:tabLst/>
+            </a:pPr>
+            <a:endParaRPr kumimoji="0" lang="en-US" sz="2000" b="0" i="0" u="none" strike="noStrike" cap="none" normalizeH="0" baseline="0" dirty="0" smtClean="0">
+              <a:ln>
+                <a:noFill/>
+              </a:ln>
+              <a:solidFill>
+                <a:schemeClr val="tx1"/>
+              </a:solidFill>
+              <a:effectLst/>
               <a:latin typeface="Times New Roman" pitchFamily="18" charset="0"/>
               <a:cs typeface="Times New Roman" pitchFamily="18" charset="0"/>
             </a:endParaRPr>
           </a:p>
         </p:txBody>
       </p:sp>
+      <p:sp>
+        <p:nvSpPr>
+          <p:cNvPr id="50180" name="Rectangle 4"/>
+          <p:cNvSpPr>
+            <a:spLocks noChangeArrowheads="1"/>
+          </p:cNvSpPr>
+          <p:nvPr/>
+        </p:nvSpPr>
+        <p:spPr bwMode="auto">
+          <a:xfrm>
+            <a:off x="428596" y="4886278"/>
+            <a:ext cx="7993663" cy="400110"/>
+          </a:xfrm>
+          <a:prstGeom prst="rect">
+            <a:avLst/>
+          </a:prstGeom>
+          <a:noFill/>
+          <a:ln w="9525">
+            <a:noFill/>
+            <a:miter lim="800000"/>
+            <a:headEnd/>
+            <a:tailEnd/>
+          </a:ln>
+          <a:effectLst/>
+        </p:spPr>
+        <p:txBody>
+          <a:bodyPr vert="horz" wrap="none" lIns="91440" tIns="45720" rIns="91440" bIns="45720" numCol="1" anchor="ctr" anchorCtr="0" compatLnSpc="1">
+            <a:prstTxWarp prst="textNoShape">
+              <a:avLst/>
+            </a:prstTxWarp>
+            <a:spAutoFit/>
+          </a:bodyPr>
+          <a:lstStyle/>
+          <a:p>
+            <a:pPr marL="0" marR="0" lvl="0" indent="0" algn="l" defTabSz="914400" rtl="0" eaLnBrk="1" fontAlgn="base" latinLnBrk="0" hangingPunct="1">
+              <a:lnSpc>
+                <a:spcPct val="100000"/>
+              </a:lnSpc>
+              <a:spcBef>
+                <a:spcPct val="0"/>
+              </a:spcBef>
+              <a:spcAft>
+                <a:spcPct val="0"/>
+              </a:spcAft>
+              <a:buClrTx/>
+              <a:buSzTx/>
+              <a:buFontTx/>
+              <a:buNone/>
+              <a:tabLst/>
+            </a:pPr>
+            <a:r>
+              <a:rPr kumimoji="0" lang="en-US" sz="2000" b="0" i="0" u="none" strike="noStrike" cap="none" normalizeH="0" baseline="0" dirty="0" smtClean="0">
+                <a:ln>
+                  <a:noFill/>
+                </a:ln>
+                <a:solidFill>
+                  <a:schemeClr val="tx1"/>
+                </a:solidFill>
+                <a:effectLst/>
+                <a:latin typeface="Times New Roman" pitchFamily="18" charset="0"/>
+                <a:ea typeface="Calibri" pitchFamily="34" charset="0"/>
+                <a:cs typeface="Times New Roman" pitchFamily="18" charset="0"/>
+              </a:rPr>
+              <a:t>Step 4 - A condition is declared to ignore records with NA in the case status. </a:t>
+            </a:r>
+            <a:endParaRPr kumimoji="0" lang="en-US" sz="2000" b="0" i="0" u="none" strike="noStrike" cap="none" normalizeH="0" baseline="0" dirty="0" smtClean="0">
+              <a:ln>
+                <a:noFill/>
+              </a:ln>
+              <a:solidFill>
+                <a:schemeClr val="tx1"/>
+              </a:solidFill>
+              <a:effectLst/>
+              <a:latin typeface="Arial" pitchFamily="34" charset="0"/>
+              <a:cs typeface="Arial" pitchFamily="34" charset="0"/>
+            </a:endParaRPr>
+          </a:p>
+        </p:txBody>
+      </p:sp>
     </p:spTree>
-    <p:extLst>
-      <p:ext uri="{BB962C8B-B14F-4D97-AF65-F5344CB8AC3E}">
-        <p14:creationId xmlns="" xmlns:p14="http://schemas.microsoft.com/office/powerpoint/2010/main" val="520982938"/>
-      </p:ext>
-    </p:extLst>
   </p:cSld>
   <p:clrMapOvr>
     <a:masterClrMapping/>
@@ -7952,7 +8640,58 @@
       </p:sp>
       <p:sp>
         <p:nvSpPr>
-          <p:cNvPr id="50177" name="Rectangle 1"/>
+          <p:cNvPr id="3" name="TextBox 2"/>
+          <p:cNvSpPr txBox="1"/>
+          <p:nvPr/>
+        </p:nvSpPr>
+        <p:spPr>
+          <a:xfrm>
+            <a:off x="500034" y="2428868"/>
+            <a:ext cx="8143932" cy="1785104"/>
+          </a:xfrm>
+          <a:prstGeom prst="rect">
+            <a:avLst/>
+          </a:prstGeom>
+          <a:noFill/>
+        </p:spPr>
+        <p:txBody>
+          <a:bodyPr wrap="square" rtlCol="0">
+            <a:spAutoFit/>
+          </a:bodyPr>
+          <a:lstStyle/>
+          <a:p>
+            <a:r>
+              <a:rPr lang="en-IN" sz="2000" b="1" dirty="0" smtClean="0">
+                <a:latin typeface="Times New Roman" pitchFamily="18" charset="0"/>
+                <a:cs typeface="Times New Roman" pitchFamily="18" charset="0"/>
+              </a:rPr>
+              <a:t>Example of dataset after cleansing:</a:t>
+            </a:r>
+          </a:p>
+          <a:p>
+            <a:endParaRPr lang="en-IN" dirty="0" smtClean="0">
+              <a:latin typeface="Times New Roman" pitchFamily="18" charset="0"/>
+              <a:cs typeface="Times New Roman" pitchFamily="18" charset="0"/>
+            </a:endParaRPr>
+          </a:p>
+          <a:p>
+            <a:r>
+              <a:rPr lang="en-IN" dirty="0" smtClean="0">
+                <a:latin typeface="Times New Roman" pitchFamily="18" charset="0"/>
+                <a:cs typeface="Times New Roman" pitchFamily="18" charset="0"/>
+              </a:rPr>
+              <a:t>1    CERTIFIED-WITHDRAWN    UNIVERSITY OF MICHIGAN    BIOCHEMISTS AND BIOPHYSICISTS    POSTDOCTORAL RESEARCH FELLOW    N    36067    2016    ANN ARBOR, MICHIGAN    -83.7430378    42.2808256</a:t>
+            </a:r>
+            <a:endParaRPr lang="en-IN" dirty="0">
+              <a:latin typeface="Times New Roman" pitchFamily="18" charset="0"/>
+              <a:cs typeface="Times New Roman" pitchFamily="18" charset="0"/>
+            </a:endParaRPr>
+          </a:p>
+        </p:txBody>
+      </p:sp>
+      <p:sp>
+        <p:nvSpPr>
+          <p:cNvPr id="4" name="Rectangle 5"/>
           <p:cNvSpPr>
             <a:spLocks noChangeArrowheads="1"/>
           </p:cNvSpPr>
@@ -7960,8 +8699,8 @@
         </p:nvSpPr>
         <p:spPr bwMode="auto">
           <a:xfrm>
-            <a:off x="500066" y="775628"/>
-            <a:ext cx="7358082" cy="1938992"/>
+            <a:off x="500066" y="571480"/>
+            <a:ext cx="8072462" cy="1938992"/>
           </a:xfrm>
           <a:prstGeom prst="rect">
             <a:avLst/>
@@ -8013,26 +8752,38 @@
                 <a:ea typeface="Calibri" pitchFamily="34" charset="0"/>
                 <a:cs typeface="Times New Roman" pitchFamily="18" charset="0"/>
               </a:rPr>
-              <a:t>Cleansing Data :  </a:t>
-            </a:r>
-          </a:p>
-          <a:p>
-            <a:pPr marL="0" marR="0" lvl="0" indent="0" algn="l" defTabSz="914400" rtl="0" eaLnBrk="1" fontAlgn="base" latinLnBrk="0" hangingPunct="1">
-              <a:lnSpc>
-                <a:spcPct val="100000"/>
-              </a:lnSpc>
-              <a:spcBef>
-                <a:spcPct val="0"/>
-              </a:spcBef>
-              <a:spcAft>
-                <a:spcPct val="0"/>
-              </a:spcAft>
-              <a:buClrTx/>
-              <a:buSzTx/>
-              <a:buFontTx/>
-              <a:buNone/>
-              <a:tabLst/>
-            </a:pPr>
+              <a:t>Step 5 - A new table h1b_final is created and </a:t>
+            </a:r>
+            <a:r>
+              <a:rPr kumimoji="0" lang="en-US" sz="2000" b="0" i="0" u="none" strike="noStrike" cap="none" normalizeH="0" baseline="0" dirty="0" err="1" smtClean="0">
+                <a:ln>
+                  <a:noFill/>
+                </a:ln>
+                <a:solidFill>
+                  <a:schemeClr val="tx1"/>
+                </a:solidFill>
+                <a:effectLst/>
+                <a:latin typeface="Times New Roman" pitchFamily="18" charset="0"/>
+                <a:ea typeface="Calibri" pitchFamily="34" charset="0"/>
+                <a:cs typeface="Times New Roman" pitchFamily="18" charset="0"/>
+              </a:rPr>
+              <a:t>datas</a:t>
+            </a:r>
+            <a:r>
+              <a:rPr kumimoji="0" lang="en-US" sz="2000" b="0" i="0" u="none" strike="noStrike" cap="none" normalizeH="0" baseline="0" dirty="0" smtClean="0">
+                <a:ln>
+                  <a:noFill/>
+                </a:ln>
+                <a:solidFill>
+                  <a:schemeClr val="tx1"/>
+                </a:solidFill>
+                <a:effectLst/>
+                <a:latin typeface="Times New Roman" pitchFamily="18" charset="0"/>
+                <a:ea typeface="Calibri" pitchFamily="34" charset="0"/>
+                <a:cs typeface="Times New Roman" pitchFamily="18" charset="0"/>
+              </a:rPr>
+              <a:t> from the h1b_app2 table are loaded but the case status column is filtered only for CERTIFIED, CERTIFIED-WITHDRAWN,DENIED AND WITHDRAWN. This table provides us the final cleansed dataset for which all the analysis has to be done.</a:t>
+            </a:r>
             <a:endParaRPr kumimoji="0" lang="en-US" sz="2000" b="0" i="0" u="none" strike="noStrike" cap="none" normalizeH="0" baseline="0" dirty="0" smtClean="0">
               <a:ln>
                 <a:noFill/>
@@ -8075,247 +8826,7 @@
                 <a:ea typeface="Calibri" pitchFamily="34" charset="0"/>
                 <a:cs typeface="Times New Roman" pitchFamily="18" charset="0"/>
               </a:rPr>
-              <a:t>Step 1 - A table h1b_applications is created with the following columns </a:t>
-            </a:r>
-            <a:r>
-              <a:rPr kumimoji="0" lang="en-US" sz="2000" b="0" i="0" u="none" strike="noStrike" cap="none" normalizeH="0" baseline="0" dirty="0" err="1" smtClean="0">
-                <a:ln>
-                  <a:noFill/>
-                </a:ln>
-                <a:solidFill>
-                  <a:schemeClr val="tx1"/>
-                </a:solidFill>
-                <a:effectLst/>
-                <a:latin typeface="Times New Roman" pitchFamily="18" charset="0"/>
-                <a:ea typeface="Calibri" pitchFamily="34" charset="0"/>
-                <a:cs typeface="Times New Roman" pitchFamily="18" charset="0"/>
-              </a:rPr>
-              <a:t>s_no</a:t>
-            </a:r>
-            <a:r>
-              <a:rPr kumimoji="0" lang="en-US" sz="2000" b="0" i="0" u="none" strike="noStrike" cap="none" normalizeH="0" baseline="0" dirty="0" smtClean="0">
-                <a:ln>
-                  <a:noFill/>
-                </a:ln>
-                <a:solidFill>
-                  <a:schemeClr val="tx1"/>
-                </a:solidFill>
-                <a:effectLst/>
-                <a:latin typeface="Times New Roman" pitchFamily="18" charset="0"/>
-                <a:ea typeface="Calibri" pitchFamily="34" charset="0"/>
-                <a:cs typeface="Times New Roman" pitchFamily="18" charset="0"/>
-              </a:rPr>
-              <a:t>, </a:t>
-            </a:r>
-            <a:r>
-              <a:rPr kumimoji="0" lang="en-US" sz="2000" b="0" i="0" u="none" strike="noStrike" cap="none" normalizeH="0" baseline="0" dirty="0" err="1" smtClean="0">
-                <a:ln>
-                  <a:noFill/>
-                </a:ln>
-                <a:solidFill>
-                  <a:schemeClr val="tx1"/>
-                </a:solidFill>
-                <a:effectLst/>
-                <a:latin typeface="Times New Roman" pitchFamily="18" charset="0"/>
-                <a:ea typeface="Calibri" pitchFamily="34" charset="0"/>
-                <a:cs typeface="Times New Roman" pitchFamily="18" charset="0"/>
-              </a:rPr>
-              <a:t>case_status</a:t>
-            </a:r>
-            <a:r>
-              <a:rPr kumimoji="0" lang="en-US" sz="2000" b="0" i="0" u="none" strike="noStrike" cap="none" normalizeH="0" baseline="0" dirty="0" smtClean="0">
-                <a:ln>
-                  <a:noFill/>
-                </a:ln>
-                <a:solidFill>
-                  <a:schemeClr val="tx1"/>
-                </a:solidFill>
-                <a:effectLst/>
-                <a:latin typeface="Times New Roman" pitchFamily="18" charset="0"/>
-                <a:ea typeface="Calibri" pitchFamily="34" charset="0"/>
-                <a:cs typeface="Times New Roman" pitchFamily="18" charset="0"/>
-              </a:rPr>
-              <a:t>, </a:t>
-            </a:r>
-            <a:r>
-              <a:rPr kumimoji="0" lang="en-US" sz="2000" b="0" i="0" u="none" strike="noStrike" cap="none" normalizeH="0" baseline="0" dirty="0" err="1" smtClean="0">
-                <a:ln>
-                  <a:noFill/>
-                </a:ln>
-                <a:solidFill>
-                  <a:schemeClr val="tx1"/>
-                </a:solidFill>
-                <a:effectLst/>
-                <a:latin typeface="Times New Roman" pitchFamily="18" charset="0"/>
-                <a:ea typeface="Calibri" pitchFamily="34" charset="0"/>
-                <a:cs typeface="Times New Roman" pitchFamily="18" charset="0"/>
-              </a:rPr>
-              <a:t>employer_name</a:t>
-            </a:r>
-            <a:r>
-              <a:rPr kumimoji="0" lang="en-US" sz="2000" b="0" i="0" u="none" strike="noStrike" cap="none" normalizeH="0" baseline="0" dirty="0" smtClean="0">
-                <a:ln>
-                  <a:noFill/>
-                </a:ln>
-                <a:solidFill>
-                  <a:schemeClr val="tx1"/>
-                </a:solidFill>
-                <a:effectLst/>
-                <a:latin typeface="Times New Roman" pitchFamily="18" charset="0"/>
-                <a:ea typeface="Calibri" pitchFamily="34" charset="0"/>
-                <a:cs typeface="Times New Roman" pitchFamily="18" charset="0"/>
-              </a:rPr>
-              <a:t>, </a:t>
-            </a:r>
-            <a:r>
-              <a:rPr kumimoji="0" lang="en-US" sz="2000" b="0" i="0" u="none" strike="noStrike" cap="none" normalizeH="0" baseline="0" dirty="0" err="1" smtClean="0">
-                <a:ln>
-                  <a:noFill/>
-                </a:ln>
-                <a:solidFill>
-                  <a:schemeClr val="tx1"/>
-                </a:solidFill>
-                <a:effectLst/>
-                <a:latin typeface="Times New Roman" pitchFamily="18" charset="0"/>
-                <a:ea typeface="Calibri" pitchFamily="34" charset="0"/>
-                <a:cs typeface="Times New Roman" pitchFamily="18" charset="0"/>
-              </a:rPr>
-              <a:t>soc_name</a:t>
-            </a:r>
-            <a:r>
-              <a:rPr kumimoji="0" lang="en-US" sz="2000" b="0" i="0" u="none" strike="noStrike" cap="none" normalizeH="0" baseline="0" dirty="0" smtClean="0">
-                <a:ln>
-                  <a:noFill/>
-                </a:ln>
-                <a:solidFill>
-                  <a:schemeClr val="tx1"/>
-                </a:solidFill>
-                <a:effectLst/>
-                <a:latin typeface="Times New Roman" pitchFamily="18" charset="0"/>
-                <a:ea typeface="Calibri" pitchFamily="34" charset="0"/>
-                <a:cs typeface="Times New Roman" pitchFamily="18" charset="0"/>
-              </a:rPr>
-              <a:t>, </a:t>
-            </a:r>
-            <a:r>
-              <a:rPr kumimoji="0" lang="en-US" sz="2000" b="0" i="0" u="none" strike="noStrike" cap="none" normalizeH="0" baseline="0" dirty="0" err="1" smtClean="0">
-                <a:ln>
-                  <a:noFill/>
-                </a:ln>
-                <a:solidFill>
-                  <a:schemeClr val="tx1"/>
-                </a:solidFill>
-                <a:effectLst/>
-                <a:latin typeface="Times New Roman" pitchFamily="18" charset="0"/>
-                <a:ea typeface="Calibri" pitchFamily="34" charset="0"/>
-                <a:cs typeface="Times New Roman" pitchFamily="18" charset="0"/>
-              </a:rPr>
-              <a:t>job_title</a:t>
-            </a:r>
-            <a:r>
-              <a:rPr kumimoji="0" lang="en-US" sz="2000" b="0" i="0" u="none" strike="noStrike" cap="none" normalizeH="0" baseline="0" dirty="0" smtClean="0">
-                <a:ln>
-                  <a:noFill/>
-                </a:ln>
-                <a:solidFill>
-                  <a:schemeClr val="tx1"/>
-                </a:solidFill>
-                <a:effectLst/>
-                <a:latin typeface="Times New Roman" pitchFamily="18" charset="0"/>
-                <a:ea typeface="Calibri" pitchFamily="34" charset="0"/>
-                <a:cs typeface="Times New Roman" pitchFamily="18" charset="0"/>
-              </a:rPr>
-              <a:t>, </a:t>
-            </a:r>
-            <a:r>
-              <a:rPr kumimoji="0" lang="en-US" sz="2000" b="0" i="0" u="none" strike="noStrike" cap="none" normalizeH="0" baseline="0" dirty="0" err="1" smtClean="0">
-                <a:ln>
-                  <a:noFill/>
-                </a:ln>
-                <a:solidFill>
-                  <a:schemeClr val="tx1"/>
-                </a:solidFill>
-                <a:effectLst/>
-                <a:latin typeface="Times New Roman" pitchFamily="18" charset="0"/>
-                <a:ea typeface="Calibri" pitchFamily="34" charset="0"/>
-                <a:cs typeface="Times New Roman" pitchFamily="18" charset="0"/>
-              </a:rPr>
-              <a:t>full_time_position</a:t>
-            </a:r>
-            <a:r>
-              <a:rPr kumimoji="0" lang="en-US" sz="2000" b="0" i="0" u="none" strike="noStrike" cap="none" normalizeH="0" baseline="0" dirty="0" smtClean="0">
-                <a:ln>
-                  <a:noFill/>
-                </a:ln>
-                <a:solidFill>
-                  <a:schemeClr val="tx1"/>
-                </a:solidFill>
-                <a:effectLst/>
-                <a:latin typeface="Times New Roman" pitchFamily="18" charset="0"/>
-                <a:ea typeface="Calibri" pitchFamily="34" charset="0"/>
-                <a:cs typeface="Times New Roman" pitchFamily="18" charset="0"/>
-              </a:rPr>
-              <a:t>, </a:t>
-            </a:r>
-            <a:r>
-              <a:rPr kumimoji="0" lang="en-US" sz="2000" b="0" i="0" u="none" strike="noStrike" cap="none" normalizeH="0" baseline="0" dirty="0" err="1" smtClean="0">
-                <a:ln>
-                  <a:noFill/>
-                </a:ln>
-                <a:solidFill>
-                  <a:schemeClr val="tx1"/>
-                </a:solidFill>
-                <a:effectLst/>
-                <a:latin typeface="Times New Roman" pitchFamily="18" charset="0"/>
-                <a:ea typeface="Calibri" pitchFamily="34" charset="0"/>
-                <a:cs typeface="Times New Roman" pitchFamily="18" charset="0"/>
-              </a:rPr>
-              <a:t>prevalling_wage</a:t>
-            </a:r>
-            <a:r>
-              <a:rPr kumimoji="0" lang="en-US" sz="2000" b="0" i="0" u="none" strike="noStrike" cap="none" normalizeH="0" baseline="0" dirty="0" smtClean="0">
-                <a:ln>
-                  <a:noFill/>
-                </a:ln>
-                <a:solidFill>
-                  <a:schemeClr val="tx1"/>
-                </a:solidFill>
-                <a:effectLst/>
-                <a:latin typeface="Times New Roman" pitchFamily="18" charset="0"/>
-                <a:ea typeface="Calibri" pitchFamily="34" charset="0"/>
-                <a:cs typeface="Times New Roman" pitchFamily="18" charset="0"/>
-              </a:rPr>
-              <a:t>, year, worksite, </a:t>
-            </a:r>
-            <a:r>
-              <a:rPr kumimoji="0" lang="en-US" sz="2000" b="0" i="0" u="none" strike="noStrike" cap="none" normalizeH="0" baseline="0" dirty="0" err="1" smtClean="0">
-                <a:ln>
-                  <a:noFill/>
-                </a:ln>
-                <a:solidFill>
-                  <a:schemeClr val="tx1"/>
-                </a:solidFill>
-                <a:effectLst/>
-                <a:latin typeface="Times New Roman" pitchFamily="18" charset="0"/>
-                <a:ea typeface="Calibri" pitchFamily="34" charset="0"/>
-                <a:cs typeface="Times New Roman" pitchFamily="18" charset="0"/>
-              </a:rPr>
-              <a:t>longitute</a:t>
-            </a:r>
-            <a:r>
-              <a:rPr kumimoji="0" lang="en-US" sz="2000" b="0" i="0" u="none" strike="noStrike" cap="none" normalizeH="0" baseline="0" dirty="0" smtClean="0">
-                <a:ln>
-                  <a:noFill/>
-                </a:ln>
-                <a:solidFill>
-                  <a:schemeClr val="tx1"/>
-                </a:solidFill>
-                <a:effectLst/>
-                <a:latin typeface="Times New Roman" pitchFamily="18" charset="0"/>
-                <a:ea typeface="Calibri" pitchFamily="34" charset="0"/>
-                <a:cs typeface="Times New Roman" pitchFamily="18" charset="0"/>
-              </a:rPr>
-              <a:t>, latitude. SERDE functions are used to separate the values with “”.</a:t>
+              <a:t> </a:t>
             </a:r>
             <a:endParaRPr kumimoji="0" lang="en-US" sz="2000" b="0" i="0" u="none" strike="noStrike" cap="none" normalizeH="0" baseline="0" dirty="0" smtClean="0">
               <a:ln>
@@ -8333,314 +8844,106 @@
       </p:sp>
       <p:sp>
         <p:nvSpPr>
-          <p:cNvPr id="50178" name="Rectangle 2"/>
-          <p:cNvSpPr>
-            <a:spLocks noChangeArrowheads="1"/>
-          </p:cNvSpPr>
+          <p:cNvPr id="5" name="TextBox 4"/>
+          <p:cNvSpPr txBox="1"/>
           <p:nvPr/>
         </p:nvSpPr>
-        <p:spPr bwMode="auto">
+        <p:spPr>
           <a:xfrm>
-            <a:off x="500034" y="2957452"/>
-            <a:ext cx="6675417" cy="400110"/>
+            <a:off x="500034" y="4396095"/>
+            <a:ext cx="5143536" cy="461665"/>
           </a:xfrm>
           <a:prstGeom prst="rect">
             <a:avLst/>
           </a:prstGeom>
           <a:noFill/>
-          <a:ln w="9525">
-            <a:noFill/>
-            <a:miter lim="800000"/>
-            <a:headEnd/>
-            <a:tailEnd/>
-          </a:ln>
-          <a:effectLst/>
         </p:spPr>
         <p:txBody>
-          <a:bodyPr vert="horz" wrap="none" lIns="91440" tIns="45720" rIns="91440" bIns="45720" numCol="1" anchor="ctr" anchorCtr="0" compatLnSpc="1">
-            <a:prstTxWarp prst="textNoShape">
-              <a:avLst/>
-            </a:prstTxWarp>
+          <a:bodyPr wrap="square" rtlCol="0">
             <a:spAutoFit/>
           </a:bodyPr>
           <a:lstStyle/>
           <a:p>
-            <a:pPr marL="0" marR="0" lvl="0" indent="0" algn="l" defTabSz="914400" rtl="0" eaLnBrk="1" fontAlgn="base" latinLnBrk="0" hangingPunct="1">
-              <a:lnSpc>
-                <a:spcPct val="100000"/>
-              </a:lnSpc>
-              <a:spcBef>
-                <a:spcPct val="0"/>
-              </a:spcBef>
-              <a:spcAft>
-                <a:spcPct val="0"/>
-              </a:spcAft>
-              <a:buClrTx/>
-              <a:buSzTx/>
-              <a:buFontTx/>
-              <a:buNone/>
-              <a:tabLst/>
-            </a:pPr>
-            <a:r>
-              <a:rPr kumimoji="0" lang="en-US" sz="2000" b="0" i="0" u="none" strike="noStrike" cap="none" normalizeH="0" baseline="0" dirty="0" smtClean="0">
-                <a:ln>
-                  <a:noFill/>
-                </a:ln>
-                <a:solidFill>
-                  <a:schemeClr val="tx1"/>
-                </a:solidFill>
-                <a:effectLst/>
-                <a:latin typeface="Times New Roman" pitchFamily="18" charset="0"/>
-                <a:ea typeface="Calibri" pitchFamily="34" charset="0"/>
-                <a:cs typeface="Times New Roman" pitchFamily="18" charset="0"/>
-              </a:rPr>
-              <a:t>Step 2 - The data is loaded into the table from local file system.</a:t>
-            </a:r>
-            <a:endParaRPr kumimoji="0" lang="en-US" sz="2000" b="0" i="0" u="none" strike="noStrike" cap="none" normalizeH="0" baseline="0" dirty="0" smtClean="0">
-              <a:ln>
-                <a:noFill/>
-              </a:ln>
-              <a:solidFill>
-                <a:schemeClr val="tx1"/>
-              </a:solidFill>
-              <a:effectLst/>
-              <a:latin typeface="Arial" pitchFamily="34" charset="0"/>
-              <a:cs typeface="Arial" pitchFamily="34" charset="0"/>
+            <a:r>
+              <a:rPr lang="en-IN" sz="2400" b="1" dirty="0" smtClean="0">
+                <a:latin typeface="Times New Roman" pitchFamily="18" charset="0"/>
+                <a:cs typeface="Times New Roman" pitchFamily="18" charset="0"/>
+              </a:rPr>
+              <a:t>Tools used in the project:</a:t>
+            </a:r>
+            <a:endParaRPr lang="en-IN" sz="2400" b="1" dirty="0">
+              <a:latin typeface="Times New Roman" pitchFamily="18" charset="0"/>
+              <a:cs typeface="Times New Roman" pitchFamily="18" charset="0"/>
             </a:endParaRPr>
           </a:p>
         </p:txBody>
       </p:sp>
       <p:sp>
         <p:nvSpPr>
-          <p:cNvPr id="50179" name="Rectangle 3"/>
-          <p:cNvSpPr>
-            <a:spLocks noChangeArrowheads="1"/>
-          </p:cNvSpPr>
+          <p:cNvPr id="6" name="TextBox 5"/>
+          <p:cNvSpPr txBox="1"/>
           <p:nvPr/>
         </p:nvSpPr>
-        <p:spPr bwMode="auto">
+        <p:spPr>
           <a:xfrm>
-            <a:off x="-71470" y="3770659"/>
-            <a:ext cx="8715404" cy="1015663"/>
+            <a:off x="1928794" y="5086191"/>
+            <a:ext cx="4929222" cy="1200329"/>
           </a:xfrm>
           <a:prstGeom prst="rect">
             <a:avLst/>
           </a:prstGeom>
           <a:noFill/>
-          <a:ln w="9525">
-            <a:noFill/>
-            <a:miter lim="800000"/>
-            <a:headEnd/>
-            <a:tailEnd/>
-          </a:ln>
-          <a:effectLst/>
         </p:spPr>
         <p:txBody>
-          <a:bodyPr vert="horz" wrap="square" lIns="91440" tIns="45720" rIns="91440" bIns="45720" numCol="1" anchor="ctr" anchorCtr="0" compatLnSpc="1">
-            <a:prstTxWarp prst="textNoShape">
-              <a:avLst/>
-            </a:prstTxWarp>
+          <a:bodyPr wrap="square" rtlCol="0">
             <a:spAutoFit/>
           </a:bodyPr>
           <a:lstStyle/>
           <a:p>
-            <a:pPr marL="0" marR="0" lvl="0" indent="0" algn="l" defTabSz="914400" rtl="0" eaLnBrk="1" fontAlgn="base" latinLnBrk="0" hangingPunct="1">
-              <a:lnSpc>
-                <a:spcPct val="100000"/>
-              </a:lnSpc>
-              <a:spcBef>
-                <a:spcPct val="0"/>
-              </a:spcBef>
-              <a:spcAft>
-                <a:spcPct val="0"/>
-              </a:spcAft>
-              <a:buClrTx/>
-              <a:buSzTx/>
-              <a:buFontTx/>
-              <a:buNone/>
-              <a:tabLst/>
+            <a:pPr marL="457200" indent="-457200">
+              <a:buFont typeface="+mj-lt"/>
+              <a:buAutoNum type="arabicPeriod"/>
             </a:pPr>
             <a:r>
-              <a:rPr kumimoji="0" lang="en-US" sz="2000" b="0" i="0" u="none" strike="noStrike" cap="none" normalizeH="0" baseline="0" dirty="0" smtClean="0">
-                <a:ln>
-                  <a:noFill/>
-                </a:ln>
-                <a:solidFill>
-                  <a:schemeClr val="tx1"/>
-                </a:solidFill>
-                <a:effectLst/>
-                <a:latin typeface="Times New Roman" pitchFamily="18" charset="0"/>
-                <a:ea typeface="Calibri" pitchFamily="34" charset="0"/>
-                <a:cs typeface="Times New Roman" pitchFamily="18" charset="0"/>
-              </a:rPr>
-              <a:t>        Step 3  - Table h1b_app2 is created with field delimiter “\t”. Data is loaded </a:t>
-            </a:r>
-          </a:p>
-          <a:p>
-            <a:pPr marL="0" marR="0" lvl="0" indent="0" algn="l" defTabSz="914400" rtl="0" eaLnBrk="1" fontAlgn="base" latinLnBrk="0" hangingPunct="1">
-              <a:lnSpc>
-                <a:spcPct val="100000"/>
-              </a:lnSpc>
-              <a:spcBef>
-                <a:spcPct val="0"/>
-              </a:spcBef>
-              <a:spcAft>
-                <a:spcPct val="0"/>
-              </a:spcAft>
-              <a:buClrTx/>
-              <a:buSzTx/>
-              <a:buFontTx/>
-              <a:buNone/>
-              <a:tabLst/>
-            </a:pPr>
-            <a:r>
-              <a:rPr kumimoji="0" lang="en-US" sz="2000" b="0" i="0" u="none" strike="noStrike" cap="none" normalizeH="0" dirty="0" smtClean="0">
-                <a:ln>
-                  <a:noFill/>
-                </a:ln>
-                <a:solidFill>
-                  <a:schemeClr val="tx1"/>
-                </a:solidFill>
-                <a:effectLst/>
-                <a:latin typeface="Times New Roman" pitchFamily="18" charset="0"/>
-                <a:ea typeface="Calibri" pitchFamily="34" charset="0"/>
-                <a:cs typeface="Times New Roman" pitchFamily="18" charset="0"/>
-              </a:rPr>
-              <a:t>        </a:t>
-            </a:r>
-            <a:r>
-              <a:rPr kumimoji="0" lang="en-US" sz="2000" b="0" i="0" u="none" strike="noStrike" cap="none" normalizeH="0" baseline="0" dirty="0" smtClean="0">
-                <a:ln>
-                  <a:noFill/>
-                </a:ln>
-                <a:solidFill>
-                  <a:schemeClr val="tx1"/>
-                </a:solidFill>
-                <a:effectLst/>
-                <a:latin typeface="Times New Roman" pitchFamily="18" charset="0"/>
-                <a:ea typeface="Calibri" pitchFamily="34" charset="0"/>
-                <a:cs typeface="Times New Roman" pitchFamily="18" charset="0"/>
-              </a:rPr>
-              <a:t>From  h1b_applications table where field separators “,” is replaced by “\t”.</a:t>
-            </a:r>
-            <a:endParaRPr kumimoji="0" lang="en-US" sz="2000" b="0" i="0" u="none" strike="noStrike" cap="none" normalizeH="0" baseline="0" dirty="0" smtClean="0">
-              <a:ln>
-                <a:noFill/>
-              </a:ln>
-              <a:solidFill>
-                <a:schemeClr val="tx1"/>
-              </a:solidFill>
-              <a:effectLst/>
+              <a:rPr lang="en-IN" sz="2400" dirty="0" err="1" smtClean="0">
+                <a:latin typeface="Times New Roman" pitchFamily="18" charset="0"/>
+                <a:cs typeface="Times New Roman" pitchFamily="18" charset="0"/>
+              </a:rPr>
+              <a:t>MapReduce</a:t>
+            </a:r>
+            <a:endParaRPr lang="en-IN" sz="2400" dirty="0" smtClean="0">
               <a:latin typeface="Times New Roman" pitchFamily="18" charset="0"/>
               <a:cs typeface="Times New Roman" pitchFamily="18" charset="0"/>
             </a:endParaRPr>
           </a:p>
           <a:p>
-            <a:pPr marL="0" marR="0" lvl="0" indent="0" algn="l" defTabSz="914400" rtl="0" eaLnBrk="0" fontAlgn="base" latinLnBrk="0" hangingPunct="0">
-              <a:lnSpc>
-                <a:spcPct val="100000"/>
-              </a:lnSpc>
-              <a:spcBef>
-                <a:spcPct val="0"/>
-              </a:spcBef>
-              <a:spcAft>
-                <a:spcPct val="0"/>
-              </a:spcAft>
-              <a:buClrTx/>
-              <a:buSzTx/>
-              <a:buFontTx/>
-              <a:buNone/>
-              <a:tabLst/>
+            <a:pPr marL="457200" indent="-457200">
+              <a:buFont typeface="+mj-lt"/>
+              <a:buAutoNum type="arabicPeriod"/>
             </a:pPr>
-            <a:endParaRPr kumimoji="0" lang="en-US" sz="2000" b="0" i="0" u="none" strike="noStrike" cap="none" normalizeH="0" baseline="0" dirty="0" smtClean="0">
-              <a:ln>
-                <a:noFill/>
-              </a:ln>
-              <a:solidFill>
-                <a:schemeClr val="tx1"/>
-              </a:solidFill>
-              <a:effectLst/>
+            <a:r>
+              <a:rPr lang="en-IN" sz="2400" dirty="0" smtClean="0">
+                <a:latin typeface="Times New Roman" pitchFamily="18" charset="0"/>
+                <a:cs typeface="Times New Roman" pitchFamily="18" charset="0"/>
+              </a:rPr>
+              <a:t>Hive</a:t>
+            </a:r>
+          </a:p>
+          <a:p>
+            <a:pPr marL="457200" indent="-457200">
+              <a:buFont typeface="+mj-lt"/>
+              <a:buAutoNum type="arabicPeriod"/>
+            </a:pPr>
+            <a:r>
+              <a:rPr lang="en-IN" sz="2400" dirty="0" smtClean="0">
+                <a:latin typeface="Times New Roman" pitchFamily="18" charset="0"/>
+                <a:cs typeface="Times New Roman" pitchFamily="18" charset="0"/>
+              </a:rPr>
+              <a:t>Pig</a:t>
+            </a:r>
+            <a:endParaRPr lang="en-IN" sz="2400" dirty="0">
               <a:latin typeface="Times New Roman" pitchFamily="18" charset="0"/>
               <a:cs typeface="Times New Roman" pitchFamily="18" charset="0"/>
-            </a:endParaRPr>
-          </a:p>
-        </p:txBody>
-      </p:sp>
-      <p:sp>
-        <p:nvSpPr>
-          <p:cNvPr id="50180" name="Rectangle 4"/>
-          <p:cNvSpPr>
-            <a:spLocks noChangeArrowheads="1"/>
-          </p:cNvSpPr>
-          <p:nvPr/>
-        </p:nvSpPr>
-        <p:spPr bwMode="auto">
-          <a:xfrm>
-            <a:off x="428596" y="4886278"/>
-            <a:ext cx="7993663" cy="400110"/>
-          </a:xfrm>
-          <a:prstGeom prst="rect">
-            <a:avLst/>
-          </a:prstGeom>
-          <a:noFill/>
-          <a:ln w="9525">
-            <a:noFill/>
-            <a:miter lim="800000"/>
-            <a:headEnd/>
-            <a:tailEnd/>
-          </a:ln>
-          <a:effectLst/>
-        </p:spPr>
-        <p:txBody>
-          <a:bodyPr vert="horz" wrap="none" lIns="91440" tIns="45720" rIns="91440" bIns="45720" numCol="1" anchor="ctr" anchorCtr="0" compatLnSpc="1">
-            <a:prstTxWarp prst="textNoShape">
-              <a:avLst/>
-            </a:prstTxWarp>
-            <a:spAutoFit/>
-          </a:bodyPr>
-          <a:lstStyle/>
-          <a:p>
-            <a:pPr marL="0" marR="0" lvl="0" indent="0" algn="l" defTabSz="914400" rtl="0" eaLnBrk="1" fontAlgn="base" latinLnBrk="0" hangingPunct="1">
-              <a:lnSpc>
-                <a:spcPct val="100000"/>
-              </a:lnSpc>
-              <a:spcBef>
-                <a:spcPct val="0"/>
-              </a:spcBef>
-              <a:spcAft>
-                <a:spcPct val="0"/>
-              </a:spcAft>
-              <a:buClrTx/>
-              <a:buSzTx/>
-              <a:buFontTx/>
-              <a:buNone/>
-              <a:tabLst/>
-            </a:pPr>
-            <a:r>
-              <a:rPr kumimoji="0" lang="en-US" sz="2000" b="0" i="0" u="none" strike="noStrike" cap="none" normalizeH="0" baseline="0" dirty="0" smtClean="0">
-                <a:ln>
-                  <a:noFill/>
-                </a:ln>
-                <a:solidFill>
-                  <a:schemeClr val="tx1"/>
-                </a:solidFill>
-                <a:effectLst/>
-                <a:latin typeface="Times New Roman" pitchFamily="18" charset="0"/>
-                <a:ea typeface="Calibri" pitchFamily="34" charset="0"/>
-                <a:cs typeface="Times New Roman" pitchFamily="18" charset="0"/>
-              </a:rPr>
-              <a:t>Step 4 - A condition is declared to ignore records with NA in the case status. </a:t>
-            </a:r>
-            <a:endParaRPr kumimoji="0" lang="en-US" sz="2000" b="0" i="0" u="none" strike="noStrike" cap="none" normalizeH="0" baseline="0" dirty="0" smtClean="0">
-              <a:ln>
-                <a:noFill/>
-              </a:ln>
-              <a:solidFill>
-                <a:schemeClr val="tx1"/>
-              </a:solidFill>
-              <a:effectLst/>
-              <a:latin typeface="Arial" pitchFamily="34" charset="0"/>
-              <a:cs typeface="Arial" pitchFamily="34" charset="0"/>
             </a:endParaRPr>
           </a:p>
         </p:txBody>
@@ -8696,372 +8999,6 @@
               <a:rPr lang="en-US" smtClean="0"/>
               <a:pPr/>
               <a:t>27</a:t>
-            </a:fld>
-            <a:endParaRPr lang="en-US"/>
-          </a:p>
-        </p:txBody>
-      </p:sp>
-      <p:sp>
-        <p:nvSpPr>
-          <p:cNvPr id="3" name="TextBox 2"/>
-          <p:cNvSpPr txBox="1"/>
-          <p:nvPr/>
-        </p:nvSpPr>
-        <p:spPr>
-          <a:xfrm>
-            <a:off x="500034" y="2428868"/>
-            <a:ext cx="8143932" cy="1785104"/>
-          </a:xfrm>
-          <a:prstGeom prst="rect">
-            <a:avLst/>
-          </a:prstGeom>
-          <a:noFill/>
-        </p:spPr>
-        <p:txBody>
-          <a:bodyPr wrap="square" rtlCol="0">
-            <a:spAutoFit/>
-          </a:bodyPr>
-          <a:lstStyle/>
-          <a:p>
-            <a:r>
-              <a:rPr lang="en-IN" sz="2000" b="1" dirty="0" smtClean="0">
-                <a:latin typeface="Times New Roman" pitchFamily="18" charset="0"/>
-                <a:cs typeface="Times New Roman" pitchFamily="18" charset="0"/>
-              </a:rPr>
-              <a:t>Example of dataset after cleansing:</a:t>
-            </a:r>
-          </a:p>
-          <a:p>
-            <a:endParaRPr lang="en-IN" dirty="0" smtClean="0">
-              <a:latin typeface="Times New Roman" pitchFamily="18" charset="0"/>
-              <a:cs typeface="Times New Roman" pitchFamily="18" charset="0"/>
-            </a:endParaRPr>
-          </a:p>
-          <a:p>
-            <a:r>
-              <a:rPr lang="en-IN" dirty="0" smtClean="0">
-                <a:latin typeface="Times New Roman" pitchFamily="18" charset="0"/>
-                <a:cs typeface="Times New Roman" pitchFamily="18" charset="0"/>
-              </a:rPr>
-              <a:t>1    CERTIFIED-WITHDRAWN    UNIVERSITY OF MICHIGAN    BIOCHEMISTS AND BIOPHYSICISTS    POSTDOCTORAL RESEARCH FELLOW    N    36067    2016    ANN ARBOR, MICHIGAN    -83.7430378    42.2808256</a:t>
-            </a:r>
-            <a:endParaRPr lang="en-IN" dirty="0">
-              <a:latin typeface="Times New Roman" pitchFamily="18" charset="0"/>
-              <a:cs typeface="Times New Roman" pitchFamily="18" charset="0"/>
-            </a:endParaRPr>
-          </a:p>
-        </p:txBody>
-      </p:sp>
-      <p:sp>
-        <p:nvSpPr>
-          <p:cNvPr id="4" name="Rectangle 5"/>
-          <p:cNvSpPr>
-            <a:spLocks noChangeArrowheads="1"/>
-          </p:cNvSpPr>
-          <p:nvPr/>
-        </p:nvSpPr>
-        <p:spPr bwMode="auto">
-          <a:xfrm>
-            <a:off x="500066" y="571480"/>
-            <a:ext cx="8072462" cy="1938992"/>
-          </a:xfrm>
-          <a:prstGeom prst="rect">
-            <a:avLst/>
-          </a:prstGeom>
-          <a:noFill/>
-          <a:ln w="9525">
-            <a:noFill/>
-            <a:miter lim="800000"/>
-            <a:headEnd/>
-            <a:tailEnd/>
-          </a:ln>
-          <a:effectLst/>
-        </p:spPr>
-        <p:txBody>
-          <a:bodyPr vert="horz" wrap="square" lIns="91440" tIns="45720" rIns="91440" bIns="45720" numCol="1" anchor="ctr" anchorCtr="0" compatLnSpc="1">
-            <a:prstTxWarp prst="textNoShape">
-              <a:avLst/>
-            </a:prstTxWarp>
-            <a:spAutoFit/>
-          </a:bodyPr>
-          <a:lstStyle/>
-          <a:p>
-            <a:pPr marL="0" marR="0" lvl="0" indent="0" algn="l" defTabSz="914400" rtl="0" eaLnBrk="1" fontAlgn="base" latinLnBrk="0" hangingPunct="1">
-              <a:lnSpc>
-                <a:spcPct val="100000"/>
-              </a:lnSpc>
-              <a:spcBef>
-                <a:spcPct val="0"/>
-              </a:spcBef>
-              <a:spcAft>
-                <a:spcPct val="0"/>
-              </a:spcAft>
-              <a:buClrTx/>
-              <a:buSzTx/>
-              <a:buFontTx/>
-              <a:buNone/>
-              <a:tabLst/>
-            </a:pPr>
-            <a:r>
-              <a:rPr kumimoji="0" lang="en-US" sz="2000" b="0" i="0" u="none" strike="noStrike" cap="none" normalizeH="0" baseline="0" dirty="0" smtClean="0">
-                <a:ln>
-                  <a:noFill/>
-                </a:ln>
-                <a:solidFill>
-                  <a:schemeClr val="tx1"/>
-                </a:solidFill>
-                <a:effectLst/>
-                <a:latin typeface="Times New Roman" pitchFamily="18" charset="0"/>
-                <a:ea typeface="Calibri" pitchFamily="34" charset="0"/>
-                <a:cs typeface="Times New Roman" pitchFamily="18" charset="0"/>
-              </a:rPr>
-              <a:t>Step 5 - A new table h1b_final is created and </a:t>
-            </a:r>
-            <a:r>
-              <a:rPr kumimoji="0" lang="en-US" sz="2000" b="0" i="0" u="none" strike="noStrike" cap="none" normalizeH="0" baseline="0" dirty="0" err="1" smtClean="0">
-                <a:ln>
-                  <a:noFill/>
-                </a:ln>
-                <a:solidFill>
-                  <a:schemeClr val="tx1"/>
-                </a:solidFill>
-                <a:effectLst/>
-                <a:latin typeface="Times New Roman" pitchFamily="18" charset="0"/>
-                <a:ea typeface="Calibri" pitchFamily="34" charset="0"/>
-                <a:cs typeface="Times New Roman" pitchFamily="18" charset="0"/>
-              </a:rPr>
-              <a:t>datas</a:t>
-            </a:r>
-            <a:r>
-              <a:rPr kumimoji="0" lang="en-US" sz="2000" b="0" i="0" u="none" strike="noStrike" cap="none" normalizeH="0" baseline="0" dirty="0" smtClean="0">
-                <a:ln>
-                  <a:noFill/>
-                </a:ln>
-                <a:solidFill>
-                  <a:schemeClr val="tx1"/>
-                </a:solidFill>
-                <a:effectLst/>
-                <a:latin typeface="Times New Roman" pitchFamily="18" charset="0"/>
-                <a:ea typeface="Calibri" pitchFamily="34" charset="0"/>
-                <a:cs typeface="Times New Roman" pitchFamily="18" charset="0"/>
-              </a:rPr>
-              <a:t> from the h1b_app2 table are loaded but the case status column is filtered only for CERTIFIED, CERTIFIED-WITHDRAWN,DENIED AND WITHDRAWN. This table provides us the final cleansed dataset for which all the analysis has to be done.</a:t>
-            </a:r>
-            <a:endParaRPr kumimoji="0" lang="en-US" sz="2000" b="0" i="0" u="none" strike="noStrike" cap="none" normalizeH="0" baseline="0" dirty="0" smtClean="0">
-              <a:ln>
-                <a:noFill/>
-              </a:ln>
-              <a:solidFill>
-                <a:schemeClr val="tx1"/>
-              </a:solidFill>
-              <a:effectLst/>
-              <a:latin typeface="Times New Roman" pitchFamily="18" charset="0"/>
-              <a:cs typeface="Times New Roman" pitchFamily="18" charset="0"/>
-            </a:endParaRPr>
-          </a:p>
-          <a:p>
-            <a:pPr marL="0" marR="0" lvl="0" indent="0" algn="l" defTabSz="914400" rtl="0" eaLnBrk="0" fontAlgn="base" latinLnBrk="0" hangingPunct="0">
-              <a:lnSpc>
-                <a:spcPct val="100000"/>
-              </a:lnSpc>
-              <a:spcBef>
-                <a:spcPct val="0"/>
-              </a:spcBef>
-              <a:spcAft>
-                <a:spcPct val="0"/>
-              </a:spcAft>
-              <a:buClrTx/>
-              <a:buSzTx/>
-              <a:buFontTx/>
-              <a:buNone/>
-              <a:tabLst/>
-            </a:pPr>
-            <a:r>
-              <a:rPr kumimoji="0" lang="en-US" sz="2000" b="0" i="0" u="none" strike="noStrike" cap="none" normalizeH="0" baseline="0" dirty="0" smtClean="0">
-                <a:ln>
-                  <a:noFill/>
-                </a:ln>
-                <a:solidFill>
-                  <a:schemeClr val="tx1"/>
-                </a:solidFill>
-                <a:effectLst/>
-                <a:latin typeface="Times New Roman" pitchFamily="18" charset="0"/>
-                <a:ea typeface="Calibri" pitchFamily="34" charset="0"/>
-                <a:cs typeface="Times New Roman" pitchFamily="18" charset="0"/>
-              </a:rPr>
-              <a:t> </a:t>
-            </a:r>
-            <a:endParaRPr kumimoji="0" lang="en-US" sz="2000" b="0" i="0" u="none" strike="noStrike" cap="none" normalizeH="0" baseline="0" dirty="0" smtClean="0">
-              <a:ln>
-                <a:noFill/>
-              </a:ln>
-              <a:solidFill>
-                <a:schemeClr val="tx1"/>
-              </a:solidFill>
-              <a:effectLst/>
-              <a:latin typeface="Times New Roman" pitchFamily="18" charset="0"/>
-              <a:cs typeface="Times New Roman" pitchFamily="18" charset="0"/>
-            </a:endParaRPr>
-          </a:p>
-        </p:txBody>
-      </p:sp>
-      <p:sp>
-        <p:nvSpPr>
-          <p:cNvPr id="5" name="TextBox 4"/>
-          <p:cNvSpPr txBox="1"/>
-          <p:nvPr/>
-        </p:nvSpPr>
-        <p:spPr>
-          <a:xfrm>
-            <a:off x="500034" y="4396095"/>
-            <a:ext cx="5143536" cy="461665"/>
-          </a:xfrm>
-          <a:prstGeom prst="rect">
-            <a:avLst/>
-          </a:prstGeom>
-          <a:noFill/>
-        </p:spPr>
-        <p:txBody>
-          <a:bodyPr wrap="square" rtlCol="0">
-            <a:spAutoFit/>
-          </a:bodyPr>
-          <a:lstStyle/>
-          <a:p>
-            <a:r>
-              <a:rPr lang="en-IN" sz="2400" b="1" dirty="0" smtClean="0">
-                <a:latin typeface="Times New Roman" pitchFamily="18" charset="0"/>
-                <a:cs typeface="Times New Roman" pitchFamily="18" charset="0"/>
-              </a:rPr>
-              <a:t>Tools used in the project:</a:t>
-            </a:r>
-            <a:endParaRPr lang="en-IN" sz="2400" b="1" dirty="0">
-              <a:latin typeface="Times New Roman" pitchFamily="18" charset="0"/>
-              <a:cs typeface="Times New Roman" pitchFamily="18" charset="0"/>
-            </a:endParaRPr>
-          </a:p>
-        </p:txBody>
-      </p:sp>
-      <p:sp>
-        <p:nvSpPr>
-          <p:cNvPr id="6" name="TextBox 5"/>
-          <p:cNvSpPr txBox="1"/>
-          <p:nvPr/>
-        </p:nvSpPr>
-        <p:spPr>
-          <a:xfrm>
-            <a:off x="1928794" y="5086191"/>
-            <a:ext cx="4929222" cy="1200329"/>
-          </a:xfrm>
-          <a:prstGeom prst="rect">
-            <a:avLst/>
-          </a:prstGeom>
-          <a:noFill/>
-        </p:spPr>
-        <p:txBody>
-          <a:bodyPr wrap="square" rtlCol="0">
-            <a:spAutoFit/>
-          </a:bodyPr>
-          <a:lstStyle/>
-          <a:p>
-            <a:pPr marL="457200" indent="-457200">
-              <a:buFont typeface="+mj-lt"/>
-              <a:buAutoNum type="arabicPeriod"/>
-            </a:pPr>
-            <a:r>
-              <a:rPr lang="en-IN" sz="2400" dirty="0" err="1" smtClean="0">
-                <a:latin typeface="Times New Roman" pitchFamily="18" charset="0"/>
-                <a:cs typeface="Times New Roman" pitchFamily="18" charset="0"/>
-              </a:rPr>
-              <a:t>MapReduce</a:t>
-            </a:r>
-            <a:endParaRPr lang="en-IN" sz="2400" dirty="0" smtClean="0">
-              <a:latin typeface="Times New Roman" pitchFamily="18" charset="0"/>
-              <a:cs typeface="Times New Roman" pitchFamily="18" charset="0"/>
-            </a:endParaRPr>
-          </a:p>
-          <a:p>
-            <a:pPr marL="457200" indent="-457200">
-              <a:buFont typeface="+mj-lt"/>
-              <a:buAutoNum type="arabicPeriod"/>
-            </a:pPr>
-            <a:r>
-              <a:rPr lang="en-IN" sz="2400" dirty="0" smtClean="0">
-                <a:latin typeface="Times New Roman" pitchFamily="18" charset="0"/>
-                <a:cs typeface="Times New Roman" pitchFamily="18" charset="0"/>
-              </a:rPr>
-              <a:t>Hive</a:t>
-            </a:r>
-          </a:p>
-          <a:p>
-            <a:pPr marL="457200" indent="-457200">
-              <a:buFont typeface="+mj-lt"/>
-              <a:buAutoNum type="arabicPeriod"/>
-            </a:pPr>
-            <a:r>
-              <a:rPr lang="en-IN" sz="2400" dirty="0" smtClean="0">
-                <a:latin typeface="Times New Roman" pitchFamily="18" charset="0"/>
-                <a:cs typeface="Times New Roman" pitchFamily="18" charset="0"/>
-              </a:rPr>
-              <a:t>Pig</a:t>
-            </a:r>
-            <a:endParaRPr lang="en-IN" sz="2400" dirty="0">
-              <a:latin typeface="Times New Roman" pitchFamily="18" charset="0"/>
-              <a:cs typeface="Times New Roman" pitchFamily="18" charset="0"/>
-            </a:endParaRPr>
-          </a:p>
-        </p:txBody>
-      </p:sp>
-    </p:spTree>
-  </p:cSld>
-  <p:clrMapOvr>
-    <a:masterClrMapping/>
-  </p:clrMapOvr>
-  <p:timing>
-    <p:tnLst>
-      <p:par>
-        <p:cTn id="1" dur="indefinite" restart="never" nodeType="tmRoot"/>
-      </p:par>
-    </p:tnLst>
-  </p:timing>
-</p:sld>
-</file>
-
-<file path=ppt/slides/slide28.xml><?xml version="1.0" encoding="utf-8"?>
-<p:sld xmlns:a="http://schemas.openxmlformats.org/drawingml/2006/main" xmlns:r="http://schemas.openxmlformats.org/officeDocument/2006/relationships" xmlns:p="http://schemas.openxmlformats.org/presentationml/2006/main">
-  <p:cSld>
-    <p:spTree>
-      <p:nvGrpSpPr>
-        <p:cNvPr id="1" name=""/>
-        <p:cNvGrpSpPr/>
-        <p:nvPr/>
-      </p:nvGrpSpPr>
-      <p:grpSpPr>
-        <a:xfrm>
-          <a:off x="0" y="0"/>
-          <a:ext cx="0" cy="0"/>
-          <a:chOff x="0" y="0"/>
-          <a:chExt cx="0" cy="0"/>
-        </a:xfrm>
-      </p:grpSpPr>
-      <p:sp>
-        <p:nvSpPr>
-          <p:cNvPr id="2" name="Slide Number Placeholder 1"/>
-          <p:cNvSpPr>
-            <a:spLocks noGrp="1"/>
-          </p:cNvSpPr>
-          <p:nvPr>
-            <p:ph type="sldNum" sz="quarter" idx="12"/>
-          </p:nvPr>
-        </p:nvSpPr>
-        <p:spPr/>
-        <p:txBody>
-          <a:bodyPr/>
-          <a:lstStyle/>
-          <a:p>
-            <a:fld id="{69D06C54-E8CF-4556-BFDE-321A78B4019C}" type="slidenum">
-              <a:rPr lang="en-US" smtClean="0"/>
-              <a:pPr/>
-              <a:t>28</a:t>
             </a:fld>
             <a:endParaRPr lang="en-US"/>
           </a:p>
@@ -9160,7 +9097,7 @@
 </p:sld>
 </file>
 
-<file path=ppt/slides/slide29.xml><?xml version="1.0" encoding="utf-8"?>
+<file path=ppt/slides/slide28.xml><?xml version="1.0" encoding="utf-8"?>
 <p:sld xmlns:a="http://schemas.openxmlformats.org/drawingml/2006/main" xmlns:r="http://schemas.openxmlformats.org/officeDocument/2006/relationships" xmlns:p="http://schemas.openxmlformats.org/presentationml/2006/main">
   <p:cSld>
     <p:spTree>
@@ -9195,7 +9132,7 @@
             <a:fld id="{69D06C54-E8CF-4556-BFDE-321A78B4019C}" type="slidenum">
               <a:rPr lang="en-US" smtClean="0"/>
               <a:pPr/>
-              <a:t>29</a:t>
+              <a:t>28</a:t>
             </a:fld>
             <a:endParaRPr lang="en-US"/>
           </a:p>
@@ -9271,7 +9208,7 @@
 </p:sld>
 </file>
 
-<file path=ppt/slides/slide3.xml><?xml version="1.0" encoding="utf-8"?>
+<file path=ppt/slides/slide29.xml><?xml version="1.0" encoding="utf-8"?>
 <p:sld xmlns:a="http://schemas.openxmlformats.org/drawingml/2006/main" xmlns:r="http://schemas.openxmlformats.org/officeDocument/2006/relationships" xmlns:p="http://schemas.openxmlformats.org/presentationml/2006/main">
   <p:cSld>
     <p:spTree>
@@ -9290,162 +9227,6 @@
       </p:grpSpPr>
       <p:sp>
         <p:nvSpPr>
-          <p:cNvPr id="2" name="Rectangle 1"/>
-          <p:cNvSpPr/>
-          <p:nvPr/>
-        </p:nvSpPr>
-        <p:spPr>
-          <a:xfrm>
-            <a:off x="685800" y="533400"/>
-            <a:ext cx="7543800" cy="1692771"/>
-          </a:xfrm>
-          <a:prstGeom prst="rect">
-            <a:avLst/>
-          </a:prstGeom>
-        </p:spPr>
-        <p:txBody>
-          <a:bodyPr wrap="square">
-            <a:spAutoFit/>
-          </a:bodyPr>
-          <a:lstStyle/>
-          <a:p>
-            <a:pPr marL="342900" indent="-342900">
-              <a:buFont typeface="Wingdings" pitchFamily="2" charset="2"/>
-              <a:buChar char="v"/>
-            </a:pPr>
-            <a:r>
-              <a:rPr lang="en-US" sz="2400" b="1" dirty="0" smtClean="0">
-                <a:latin typeface="Times New Roman" pitchFamily="18" charset="0"/>
-                <a:cs typeface="Times New Roman" pitchFamily="18" charset="0"/>
-              </a:rPr>
-              <a:t>What is Big Data?</a:t>
-            </a:r>
-          </a:p>
-          <a:p>
-            <a:endParaRPr lang="en-US" sz="2000" dirty="0" smtClean="0">
-              <a:latin typeface="Times New Roman" pitchFamily="18" charset="0"/>
-              <a:cs typeface="Times New Roman" pitchFamily="18" charset="0"/>
-            </a:endParaRPr>
-          </a:p>
-          <a:p>
-            <a:r>
-              <a:rPr lang="en-US" sz="2000" dirty="0" smtClean="0">
-                <a:latin typeface="Times New Roman" pitchFamily="18" charset="0"/>
-                <a:cs typeface="Times New Roman" pitchFamily="18" charset="0"/>
-              </a:rPr>
-              <a:t>Big Data is a collection of large datasets that cannot be processed using traditional computing techniques. It is not a single technique or a tool, rather it involves many areas of business and technology.</a:t>
-            </a:r>
-            <a:endParaRPr lang="en-US" sz="2000" dirty="0">
-              <a:latin typeface="Times New Roman" pitchFamily="18" charset="0"/>
-              <a:cs typeface="Times New Roman" pitchFamily="18" charset="0"/>
-            </a:endParaRPr>
-          </a:p>
-        </p:txBody>
-      </p:sp>
-      <p:pic>
-        <p:nvPicPr>
-          <p:cNvPr id="3" name="Picture 2" descr="Image result for 5 v's of big data ppt"/>
-          <p:cNvPicPr>
-            <a:picLocks noChangeAspect="1" noChangeArrowheads="1"/>
-          </p:cNvPicPr>
-          <p:nvPr/>
-        </p:nvPicPr>
-        <p:blipFill>
-          <a:blip r:embed="rId2">
-            <a:extLst>
-              <a:ext uri="{28A0092B-C50C-407E-A947-70E740481C1C}">
-                <a14:useLocalDpi xmlns="" xmlns:a14="http://schemas.microsoft.com/office/drawing/2010/main" val="0"/>
-              </a:ext>
-            </a:extLst>
-          </a:blip>
-          <a:srcRect/>
-          <a:stretch>
-            <a:fillRect/>
-          </a:stretch>
-        </p:blipFill>
-        <p:spPr bwMode="auto">
-          <a:xfrm>
-            <a:off x="1524000" y="2514600"/>
-            <a:ext cx="5029200" cy="3657600"/>
-          </a:xfrm>
-          <a:prstGeom prst="rect">
-            <a:avLst/>
-          </a:prstGeom>
-          <a:noFill/>
-          <a:extLst>
-            <a:ext uri="{909E8E84-426E-40DD-AFC4-6F175D3DCCD1}">
-              <a14:hiddenFill xmlns="" xmlns:a14="http://schemas.microsoft.com/office/drawing/2010/main">
-                <a:solidFill>
-                  <a:srgbClr val="FFFFFF"/>
-                </a:solidFill>
-              </a14:hiddenFill>
-            </a:ext>
-          </a:extLst>
-        </p:spPr>
-      </p:pic>
-      <p:sp>
-        <p:nvSpPr>
-          <p:cNvPr id="4" name="Slide Number Placeholder 3"/>
-          <p:cNvSpPr>
-            <a:spLocks noGrp="1"/>
-          </p:cNvSpPr>
-          <p:nvPr>
-            <p:ph type="sldNum" sz="quarter" idx="12"/>
-          </p:nvPr>
-        </p:nvSpPr>
-        <p:spPr/>
-        <p:txBody>
-          <a:bodyPr/>
-          <a:lstStyle/>
-          <a:p>
-            <a:fld id="{69D06C54-E8CF-4556-BFDE-321A78B4019C}" type="slidenum">
-              <a:rPr lang="en-US" smtClean="0"/>
-              <a:pPr/>
-              <a:t>3</a:t>
-            </a:fld>
-            <a:endParaRPr lang="en-US"/>
-          </a:p>
-        </p:txBody>
-      </p:sp>
-    </p:spTree>
-    <p:extLst>
-      <p:ext uri="{BB962C8B-B14F-4D97-AF65-F5344CB8AC3E}">
-        <p14:creationId xmlns="" xmlns:p14="http://schemas.microsoft.com/office/powerpoint/2010/main" val="1346003333"/>
-      </p:ext>
-    </p:extLst>
-  </p:cSld>
-  <p:clrMapOvr>
-    <a:masterClrMapping/>
-  </p:clrMapOvr>
-  <p:timing>
-    <p:tnLst>
-      <p:par>
-        <p:cTn id="1" dur="indefinite" restart="never" nodeType="tmRoot"/>
-      </p:par>
-    </p:tnLst>
-  </p:timing>
-</p:sld>
-</file>
-
-<file path=ppt/slides/slide30.xml><?xml version="1.0" encoding="utf-8"?>
-<p:sld xmlns:a="http://schemas.openxmlformats.org/drawingml/2006/main" xmlns:r="http://schemas.openxmlformats.org/officeDocument/2006/relationships" xmlns:p="http://schemas.openxmlformats.org/presentationml/2006/main">
-  <p:cSld>
-    <p:spTree>
-      <p:nvGrpSpPr>
-        <p:cNvPr id="1" name=""/>
-        <p:cNvGrpSpPr/>
-        <p:nvPr/>
-      </p:nvGrpSpPr>
-      <p:grpSpPr>
-        <a:xfrm>
-          <a:off x="0" y="0"/>
-          <a:ext cx="0" cy="0"/>
-          <a:chOff x="0" y="0"/>
-          <a:chExt cx="0" cy="0"/>
-        </a:xfrm>
-      </p:grpSpPr>
-      <p:sp>
-        <p:nvSpPr>
           <p:cNvPr id="2" name="Slide Number Placeholder 1"/>
           <p:cNvSpPr>
             <a:spLocks noGrp="1"/>
@@ -9462,7 +9243,7 @@
             <a:fld id="{69D06C54-E8CF-4556-BFDE-321A78B4019C}" type="slidenum">
               <a:rPr lang="en-US" smtClean="0"/>
               <a:pPr/>
-              <a:t>30</a:t>
+              <a:t>29</a:t>
             </a:fld>
             <a:endParaRPr lang="en-US"/>
           </a:p>
@@ -9538,7 +9319,7 @@
 </p:sld>
 </file>
 
-<file path=ppt/slides/slide31.xml><?xml version="1.0" encoding="utf-8"?>
+<file path=ppt/slides/slide3.xml><?xml version="1.0" encoding="utf-8"?>
 <p:sld xmlns:a="http://schemas.openxmlformats.org/drawingml/2006/main" xmlns:r="http://schemas.openxmlformats.org/officeDocument/2006/relationships" xmlns:p="http://schemas.openxmlformats.org/presentationml/2006/main">
   <p:cSld>
     <p:spTree>
@@ -9557,6 +9338,162 @@
       </p:grpSpPr>
       <p:sp>
         <p:nvSpPr>
+          <p:cNvPr id="2" name="Rectangle 1"/>
+          <p:cNvSpPr/>
+          <p:nvPr/>
+        </p:nvSpPr>
+        <p:spPr>
+          <a:xfrm>
+            <a:off x="685800" y="533400"/>
+            <a:ext cx="7543800" cy="1692771"/>
+          </a:xfrm>
+          <a:prstGeom prst="rect">
+            <a:avLst/>
+          </a:prstGeom>
+        </p:spPr>
+        <p:txBody>
+          <a:bodyPr wrap="square">
+            <a:spAutoFit/>
+          </a:bodyPr>
+          <a:lstStyle/>
+          <a:p>
+            <a:pPr marL="342900" indent="-342900">
+              <a:buFont typeface="Wingdings" pitchFamily="2" charset="2"/>
+              <a:buChar char="v"/>
+            </a:pPr>
+            <a:r>
+              <a:rPr lang="en-US" sz="2400" b="1" dirty="0" smtClean="0">
+                <a:latin typeface="Times New Roman" pitchFamily="18" charset="0"/>
+                <a:cs typeface="Times New Roman" pitchFamily="18" charset="0"/>
+              </a:rPr>
+              <a:t>What is Big Data?</a:t>
+            </a:r>
+          </a:p>
+          <a:p>
+            <a:endParaRPr lang="en-US" sz="2000" dirty="0" smtClean="0">
+              <a:latin typeface="Times New Roman" pitchFamily="18" charset="0"/>
+              <a:cs typeface="Times New Roman" pitchFamily="18" charset="0"/>
+            </a:endParaRPr>
+          </a:p>
+          <a:p>
+            <a:r>
+              <a:rPr lang="en-US" sz="2000" dirty="0" smtClean="0">
+                <a:latin typeface="Times New Roman" pitchFamily="18" charset="0"/>
+                <a:cs typeface="Times New Roman" pitchFamily="18" charset="0"/>
+              </a:rPr>
+              <a:t>Big Data is a collection of large datasets that cannot be processed using traditional computing techniques. It is not a single technique or a tool, rather it involves many areas of business and technology.</a:t>
+            </a:r>
+            <a:endParaRPr lang="en-US" sz="2000" dirty="0">
+              <a:latin typeface="Times New Roman" pitchFamily="18" charset="0"/>
+              <a:cs typeface="Times New Roman" pitchFamily="18" charset="0"/>
+            </a:endParaRPr>
+          </a:p>
+        </p:txBody>
+      </p:sp>
+      <p:pic>
+        <p:nvPicPr>
+          <p:cNvPr id="3" name="Picture 2" descr="Image result for 5 v's of big data ppt"/>
+          <p:cNvPicPr>
+            <a:picLocks noChangeAspect="1" noChangeArrowheads="1"/>
+          </p:cNvPicPr>
+          <p:nvPr/>
+        </p:nvPicPr>
+        <p:blipFill>
+          <a:blip r:embed="rId2">
+            <a:extLst>
+              <a:ext uri="{28A0092B-C50C-407E-A947-70E740481C1C}">
+                <a14:useLocalDpi xmlns:a14="http://schemas.microsoft.com/office/drawing/2010/main" xmlns="" val="0"/>
+              </a:ext>
+            </a:extLst>
+          </a:blip>
+          <a:srcRect/>
+          <a:stretch>
+            <a:fillRect/>
+          </a:stretch>
+        </p:blipFill>
+        <p:spPr bwMode="auto">
+          <a:xfrm>
+            <a:off x="1524000" y="2514600"/>
+            <a:ext cx="5029200" cy="3657600"/>
+          </a:xfrm>
+          <a:prstGeom prst="rect">
+            <a:avLst/>
+          </a:prstGeom>
+          <a:noFill/>
+          <a:extLst>
+            <a:ext uri="{909E8E84-426E-40DD-AFC4-6F175D3DCCD1}">
+              <a14:hiddenFill xmlns:a14="http://schemas.microsoft.com/office/drawing/2010/main" xmlns="">
+                <a:solidFill>
+                  <a:srgbClr val="FFFFFF"/>
+                </a:solidFill>
+              </a14:hiddenFill>
+            </a:ext>
+          </a:extLst>
+        </p:spPr>
+      </p:pic>
+      <p:sp>
+        <p:nvSpPr>
+          <p:cNvPr id="4" name="Slide Number Placeholder 3"/>
+          <p:cNvSpPr>
+            <a:spLocks noGrp="1"/>
+          </p:cNvSpPr>
+          <p:nvPr>
+            <p:ph type="sldNum" sz="quarter" idx="12"/>
+          </p:nvPr>
+        </p:nvSpPr>
+        <p:spPr/>
+        <p:txBody>
+          <a:bodyPr/>
+          <a:lstStyle/>
+          <a:p>
+            <a:fld id="{69D06C54-E8CF-4556-BFDE-321A78B4019C}" type="slidenum">
+              <a:rPr lang="en-US" smtClean="0"/>
+              <a:pPr/>
+              <a:t>3</a:t>
+            </a:fld>
+            <a:endParaRPr lang="en-US"/>
+          </a:p>
+        </p:txBody>
+      </p:sp>
+    </p:spTree>
+    <p:extLst>
+      <p:ext uri="{BB962C8B-B14F-4D97-AF65-F5344CB8AC3E}">
+        <p14:creationId xmlns:p14="http://schemas.microsoft.com/office/powerpoint/2010/main" xmlns="" val="1346003333"/>
+      </p:ext>
+    </p:extLst>
+  </p:cSld>
+  <p:clrMapOvr>
+    <a:masterClrMapping/>
+  </p:clrMapOvr>
+  <p:timing>
+    <p:tnLst>
+      <p:par>
+        <p:cTn id="1" dur="indefinite" restart="never" nodeType="tmRoot"/>
+      </p:par>
+    </p:tnLst>
+  </p:timing>
+</p:sld>
+</file>
+
+<file path=ppt/slides/slide30.xml><?xml version="1.0" encoding="utf-8"?>
+<p:sld xmlns:a="http://schemas.openxmlformats.org/drawingml/2006/main" xmlns:r="http://schemas.openxmlformats.org/officeDocument/2006/relationships" xmlns:p="http://schemas.openxmlformats.org/presentationml/2006/main">
+  <p:cSld>
+    <p:spTree>
+      <p:nvGrpSpPr>
+        <p:cNvPr id="1" name=""/>
+        <p:cNvGrpSpPr/>
+        <p:nvPr/>
+      </p:nvGrpSpPr>
+      <p:grpSpPr>
+        <a:xfrm>
+          <a:off x="0" y="0"/>
+          <a:ext cx="0" cy="0"/>
+          <a:chOff x="0" y="0"/>
+          <a:chExt cx="0" cy="0"/>
+        </a:xfrm>
+      </p:grpSpPr>
+      <p:sp>
+        <p:nvSpPr>
           <p:cNvPr id="2" name="TextBox 1"/>
           <p:cNvSpPr txBox="1"/>
           <p:nvPr/>
@@ -9582,14 +9519,7 @@
                 <a:latin typeface="Times New Roman" pitchFamily="18" charset="0"/>
                 <a:cs typeface="Times New Roman" pitchFamily="18" charset="0"/>
               </a:rPr>
-              <a:t>                </a:t>
-            </a:r>
-            <a:r>
-              <a:rPr lang="en-IN" sz="2400" dirty="0" smtClean="0">
-                <a:latin typeface="Times New Roman" pitchFamily="18" charset="0"/>
-                <a:cs typeface="Times New Roman" pitchFamily="18" charset="0"/>
-              </a:rPr>
-              <a:t>THANK YOU</a:t>
+              <a:t>                THANK YOU</a:t>
             </a:r>
             <a:endParaRPr lang="en-IN" sz="2400" dirty="0">
               <a:latin typeface="Times New Roman" pitchFamily="18" charset="0"/>
@@ -9616,16 +9546,63 @@
             <a:fld id="{69D06C54-E8CF-4556-BFDE-321A78B4019C}" type="slidenum">
               <a:rPr lang="en-US" smtClean="0"/>
               <a:pPr/>
-              <a:t>31</a:t>
+              <a:t>30</a:t>
             </a:fld>
             <a:endParaRPr lang="en-US"/>
+          </a:p>
+        </p:txBody>
+      </p:sp>
+      <p:sp>
+        <p:nvSpPr>
+          <p:cNvPr id="4" name="TextBox 3"/>
+          <p:cNvSpPr txBox="1"/>
+          <p:nvPr/>
+        </p:nvSpPr>
+        <p:spPr>
+          <a:xfrm>
+            <a:off x="1214414" y="3792684"/>
+            <a:ext cx="6429420" cy="707886"/>
+          </a:xfrm>
+          <a:prstGeom prst="rect">
+            <a:avLst/>
+          </a:prstGeom>
+          <a:noFill/>
+        </p:spPr>
+        <p:txBody>
+          <a:bodyPr wrap="square" rtlCol="0">
+            <a:spAutoFit/>
+          </a:bodyPr>
+          <a:lstStyle/>
+          <a:p>
+            <a:pPr algn="ctr"/>
+            <a:r>
+              <a:rPr lang="en-IN" sz="2000" dirty="0" smtClean="0">
+                <a:latin typeface="Times New Roman" pitchFamily="18" charset="0"/>
+                <a:cs typeface="Times New Roman" pitchFamily="18" charset="0"/>
+              </a:rPr>
+              <a:t>BY</a:t>
+            </a:r>
+          </a:p>
+          <a:p>
+            <a:pPr algn="ctr"/>
+            <a:r>
+              <a:rPr lang="en-IN" sz="2000" dirty="0" smtClean="0">
+                <a:latin typeface="Times New Roman" pitchFamily="18" charset="0"/>
+                <a:cs typeface="Times New Roman" pitchFamily="18" charset="0"/>
+              </a:rPr>
+              <a:t>AKHSHAYA</a:t>
+            </a:r>
+            <a:endParaRPr lang="en-IN" sz="2000" dirty="0">
+              <a:latin typeface="Times New Roman" pitchFamily="18" charset="0"/>
+              <a:cs typeface="Times New Roman" pitchFamily="18" charset="0"/>
+            </a:endParaRPr>
           </a:p>
         </p:txBody>
       </p:sp>
     </p:spTree>
     <p:extLst>
       <p:ext uri="{BB962C8B-B14F-4D97-AF65-F5344CB8AC3E}">
-        <p14:creationId xmlns="" xmlns:p14="http://schemas.microsoft.com/office/powerpoint/2010/main" val="1448103238"/>
+        <p14:creationId xmlns:p14="http://schemas.microsoft.com/office/powerpoint/2010/main" xmlns="" val="1448103238"/>
       </p:ext>
     </p:extLst>
   </p:cSld>
@@ -9682,14 +9659,14 @@
           <a:effectLst/>
           <a:extLst>
             <a:ext uri="{909E8E84-426E-40DD-AFC4-6F175D3DCCD1}">
-              <a14:hiddenFill xmlns="" xmlns:a14="http://schemas.microsoft.com/office/drawing/2010/main">
+              <a14:hiddenFill xmlns:a14="http://schemas.microsoft.com/office/drawing/2010/main" xmlns="">
                 <a:solidFill>
                   <a:schemeClr val="accent1"/>
                 </a:solidFill>
               </a14:hiddenFill>
             </a:ext>
             <a:ext uri="{91240B29-F687-4F45-9708-019B960494DF}">
-              <a14:hiddenLine xmlns="" xmlns:a14="http://schemas.microsoft.com/office/drawing/2010/main" w="9525">
+              <a14:hiddenLine xmlns:a14="http://schemas.microsoft.com/office/drawing/2010/main" xmlns="" w="9525">
                 <a:solidFill>
                   <a:schemeClr val="tx1"/>
                 </a:solidFill>
@@ -9699,7 +9676,7 @@
               </a14:hiddenLine>
             </a:ext>
             <a:ext uri="{AF507438-7753-43E0-B8FC-AC1667EBCBE1}">
-              <a14:hiddenEffects xmlns="" xmlns:a14="http://schemas.microsoft.com/office/drawing/2010/main">
+              <a14:hiddenEffects xmlns:a14="http://schemas.microsoft.com/office/drawing/2010/main" xmlns="">
                 <a:effectLst>
                   <a:outerShdw dist="35921" dir="2700000" algn="ctr" rotWithShape="0">
                     <a:schemeClr val="bg2"/>
@@ -10151,7 +10128,7 @@
     </p:spTree>
     <p:extLst>
       <p:ext uri="{BB962C8B-B14F-4D97-AF65-F5344CB8AC3E}">
-        <p14:creationId xmlns="" xmlns:p14="http://schemas.microsoft.com/office/powerpoint/2010/main" val="1982637738"/>
+        <p14:creationId xmlns:p14="http://schemas.microsoft.com/office/powerpoint/2010/main" xmlns="" val="1982637738"/>
       </p:ext>
     </p:extLst>
   </p:cSld>
@@ -10433,6 +10410,13 @@
               </a:rPr>
               <a:t>MapReduce</a:t>
             </a:r>
+            <a:r>
+              <a:rPr lang="en-IN" sz="2000" dirty="0" smtClean="0">
+                <a:latin typeface="Times New Roman" pitchFamily="18" charset="0"/>
+                <a:cs typeface="Times New Roman" pitchFamily="18" charset="0"/>
+              </a:rPr>
+              <a:t> - java</a:t>
+            </a:r>
             <a:endParaRPr lang="en-IN" sz="2000" dirty="0" smtClean="0">
               <a:latin typeface="Times New Roman" pitchFamily="18" charset="0"/>
               <a:cs typeface="Times New Roman" pitchFamily="18" charset="0"/>
@@ -10496,7 +10480,7 @@
     </p:spTree>
     <p:extLst>
       <p:ext uri="{BB962C8B-B14F-4D97-AF65-F5344CB8AC3E}">
-        <p14:creationId xmlns="" xmlns:p14="http://schemas.microsoft.com/office/powerpoint/2010/main" val="3001044111"/>
+        <p14:creationId xmlns:p14="http://schemas.microsoft.com/office/powerpoint/2010/main" xmlns="" val="3001044111"/>
       </p:ext>
     </p:extLst>
   </p:cSld>
@@ -10911,7 +10895,7 @@
     </p:spTree>
     <p:extLst>
       <p:ext uri="{BB962C8B-B14F-4D97-AF65-F5344CB8AC3E}">
-        <p14:creationId xmlns="" xmlns:p14="http://schemas.microsoft.com/office/powerpoint/2010/main" val="2932119957"/>
+        <p14:creationId xmlns:p14="http://schemas.microsoft.com/office/powerpoint/2010/main" xmlns="" val="2932119957"/>
       </p:ext>
     </p:extLst>
   </p:cSld>
@@ -10957,7 +10941,7 @@
           <a:blip r:embed="rId2">
             <a:extLst>
               <a:ext uri="{28A0092B-C50C-407E-A947-70E740481C1C}">
-                <a14:useLocalDpi xmlns="" xmlns:a14="http://schemas.microsoft.com/office/drawing/2010/main" val="0"/>
+                <a14:useLocalDpi xmlns:a14="http://schemas.microsoft.com/office/drawing/2010/main" xmlns="" val="0"/>
               </a:ext>
             </a:extLst>
           </a:blip>
@@ -10981,14 +10965,14 @@
           <a:effectLst/>
           <a:extLst>
             <a:ext uri="{909E8E84-426E-40DD-AFC4-6F175D3DCCD1}">
-              <a14:hiddenFill xmlns="" xmlns:a14="http://schemas.microsoft.com/office/drawing/2010/main">
+              <a14:hiddenFill xmlns:a14="http://schemas.microsoft.com/office/drawing/2010/main" xmlns="">
                 <a:solidFill>
                   <a:schemeClr val="accent1"/>
                 </a:solidFill>
               </a14:hiddenFill>
             </a:ext>
             <a:ext uri="{91240B29-F687-4F45-9708-019B960494DF}">
-              <a14:hiddenLine xmlns="" xmlns:a14="http://schemas.microsoft.com/office/drawing/2010/main" w="9525">
+              <a14:hiddenLine xmlns:a14="http://schemas.microsoft.com/office/drawing/2010/main" xmlns="" w="9525">
                 <a:solidFill>
                   <a:schemeClr val="tx1"/>
                 </a:solidFill>
@@ -10998,7 +10982,7 @@
               </a14:hiddenLine>
             </a:ext>
             <a:ext uri="{AF507438-7753-43E0-B8FC-AC1667EBCBE1}">
-              <a14:hiddenEffects xmlns="" xmlns:a14="http://schemas.microsoft.com/office/drawing/2010/main">
+              <a14:hiddenEffects xmlns:a14="http://schemas.microsoft.com/office/drawing/2010/main" xmlns="">
                 <a:effectLst>
                   <a:outerShdw dist="35921" dir="2700000" algn="ctr" rotWithShape="0">
                     <a:schemeClr val="bg2"/>
@@ -11036,7 +11020,7 @@
     </p:spTree>
     <p:extLst>
       <p:ext uri="{BB962C8B-B14F-4D97-AF65-F5344CB8AC3E}">
-        <p14:creationId xmlns="" xmlns:p14="http://schemas.microsoft.com/office/powerpoint/2010/main" val="436002424"/>
+        <p14:creationId xmlns:p14="http://schemas.microsoft.com/office/powerpoint/2010/main" xmlns="" val="436002424"/>
       </p:ext>
     </p:extLst>
   </p:cSld>
@@ -11324,7 +11308,7 @@
     </p:spTree>
     <p:extLst>
       <p:ext uri="{BB962C8B-B14F-4D97-AF65-F5344CB8AC3E}">
-        <p14:creationId xmlns="" xmlns:p14="http://schemas.microsoft.com/office/powerpoint/2010/main" val="322131773"/>
+        <p14:creationId xmlns:p14="http://schemas.microsoft.com/office/powerpoint/2010/main" xmlns="" val="322131773"/>
       </p:ext>
     </p:extLst>
   </p:cSld>
